--- a/Crossway.pptx
+++ b/Crossway.pptx
@@ -15,6 +15,17 @@
     <p:sldId id="264" r:id="rId9"/>
     <p:sldId id="265" r:id="rId10"/>
     <p:sldId id="266" r:id="rId11"/>
+    <p:sldId id="267" r:id="rId12"/>
+    <p:sldId id="268" r:id="rId13"/>
+    <p:sldId id="270" r:id="rId14"/>
+    <p:sldId id="269" r:id="rId15"/>
+    <p:sldId id="271" r:id="rId16"/>
+    <p:sldId id="272" r:id="rId17"/>
+    <p:sldId id="273" r:id="rId18"/>
+    <p:sldId id="274" r:id="rId19"/>
+    <p:sldId id="276" r:id="rId20"/>
+    <p:sldId id="277" r:id="rId21"/>
+    <p:sldId id="275" r:id="rId22"/>
   </p:sldIdLst>
   <p:sldSz cx="12192000" cy="6858000"/>
   <p:notesSz cx="6858000" cy="9144000"/>
@@ -113,6 +124,11 @@
       </a:defRPr>
     </a:lvl9pPr>
   </p:defaultTextStyle>
+  <p:extLst>
+    <p:ext uri="{EFAFB233-063F-42B5-8137-9DF3F51BA10A}">
+      <p15:sldGuideLst xmlns:p15="http://schemas.microsoft.com/office/powerpoint/2012/main"/>
+    </p:ext>
+  </p:extLst>
 </p:presentation>
 </file>
 
@@ -354,7 +370,7 @@
           <a:p>
             <a:fld id="{ED291B17-9318-49DB-B28B-6E5994AE9581}" type="datetime1">
               <a:rPr lang="en-US" smtClean="0"/>
-              <a:t>11/28/2022</a:t>
+              <a:t>11/29/2022</a:t>
             </a:fld>
             <a:endParaRPr lang="en-US" dirty="0"/>
           </a:p>
@@ -557,7 +573,7 @@
           <a:p>
             <a:fld id="{2CED4963-E985-44C4-B8C4-FDD613B7C2F8}" type="datetime1">
               <a:rPr lang="en-US" smtClean="0"/>
-              <a:t>11/28/2022</a:t>
+              <a:t>11/29/2022</a:t>
             </a:fld>
             <a:endParaRPr lang="en-US" dirty="0"/>
           </a:p>
@@ -919,7 +935,7 @@
           <a:p>
             <a:fld id="{ED291B17-9318-49DB-B28B-6E5994AE9581}" type="datetime1">
               <a:rPr lang="en-US" smtClean="0"/>
-              <a:t>11/28/2022</a:t>
+              <a:t>11/29/2022</a:t>
             </a:fld>
             <a:endParaRPr lang="en-US" dirty="0"/>
           </a:p>
@@ -1117,7 +1133,7 @@
           <a:p>
             <a:fld id="{78DD82B9-B8EE-4375-B6FF-88FA6ABB15D9}" type="datetime1">
               <a:rPr lang="en-US" smtClean="0"/>
-              <a:t>11/28/2022</a:t>
+              <a:t>11/29/2022</a:t>
             </a:fld>
             <a:endParaRPr lang="en-US" dirty="0"/>
           </a:p>
@@ -1429,7 +1445,7 @@
           <a:p>
             <a:fld id="{B2497495-0637-405E-AE64-5CC7506D51F5}" type="datetime1">
               <a:rPr lang="en-US" smtClean="0"/>
-              <a:t>11/28/2022</a:t>
+              <a:t>11/29/2022</a:t>
             </a:fld>
             <a:endParaRPr lang="en-US" dirty="0"/>
           </a:p>
@@ -1682,7 +1698,7 @@
           <a:p>
             <a:fld id="{7BFFD690-9426-415D-8B65-26881E07B2D4}" type="datetime1">
               <a:rPr lang="en-US" smtClean="0"/>
-              <a:t>11/28/2022</a:t>
+              <a:t>11/29/2022</a:t>
             </a:fld>
             <a:endParaRPr lang="en-US" dirty="0"/>
           </a:p>
@@ -2104,7 +2120,7 @@
           <a:p>
             <a:fld id="{04C4989A-474C-40DE-95B9-011C28B71673}" type="datetime1">
               <a:rPr lang="en-US" smtClean="0"/>
-              <a:t>11/28/2022</a:t>
+              <a:t>11/29/2022</a:t>
             </a:fld>
             <a:endParaRPr lang="en-US" dirty="0"/>
           </a:p>
@@ -2227,7 +2243,7 @@
           <a:p>
             <a:fld id="{5DB4ED54-5B5E-4A04-93D3-5772E3CE3818}" type="datetime1">
               <a:rPr lang="en-US" smtClean="0"/>
-              <a:t>11/28/2022</a:t>
+              <a:t>11/29/2022</a:t>
             </a:fld>
             <a:endParaRPr lang="en-US" dirty="0"/>
           </a:p>
@@ -2322,7 +2338,7 @@
           <a:p>
             <a:fld id="{4EDE50D6-574B-40AF-946F-D52A04ADE379}" type="datetime1">
               <a:rPr lang="en-US" smtClean="0"/>
-              <a:t>11/28/2022</a:t>
+              <a:t>11/29/2022</a:t>
             </a:fld>
             <a:endParaRPr lang="en-US" dirty="0"/>
           </a:p>
@@ -2699,7 +2715,7 @@
           <a:p>
             <a:fld id="{D82884F1-FFEA-405F-9602-3DCA865EDA4E}" type="datetime1">
               <a:rPr lang="en-US" smtClean="0"/>
-              <a:t>11/28/2022</a:t>
+              <a:t>11/29/2022</a:t>
             </a:fld>
             <a:endParaRPr lang="en-US" dirty="0"/>
           </a:p>
@@ -2992,7 +3008,7 @@
           <a:p>
             <a:fld id="{7E18DB4A-8810-4A10-AD5C-D5E2C667F5B3}" type="datetime1">
               <a:rPr lang="en-US" smtClean="0"/>
-              <a:t>11/28/2022</a:t>
+              <a:t>11/29/2022</a:t>
             </a:fld>
             <a:endParaRPr lang="en-US" dirty="0"/>
           </a:p>
@@ -3207,7 +3223,7 @@
           <a:p>
             <a:fld id="{ED291B17-9318-49DB-B28B-6E5994AE9581}" type="datetime1">
               <a:rPr lang="en-US" smtClean="0"/>
-              <a:t>11/28/2022</a:t>
+              <a:t>11/29/2022</a:t>
             </a:fld>
             <a:endParaRPr lang="en-US" dirty="0"/>
           </a:p>
@@ -4398,7 +4414,7 @@
                   <a:schemeClr val="tx2"/>
                 </a:solidFill>
               </a:rPr>
-              <a:t>At to </a:t>
+              <a:t>At </a:t>
             </a:r>
             <a:r>
               <a:rPr lang="it-IT" dirty="0" err="1">
@@ -4640,13 +4656,6 @@
               </a:rPr>
               <a:t> step.</a:t>
             </a:r>
-          </a:p>
-          <a:p>
-            <a:endParaRPr lang="it-IT" dirty="0">
-              <a:solidFill>
-                <a:schemeClr val="tx2"/>
-              </a:solidFill>
-            </a:endParaRPr>
           </a:p>
         </p:txBody>
       </p:sp>
@@ -4692,6 +4701,4538 @@
 </p:sld>
 </file>
 
+<file path=ppt/slides/slide11.xml><?xml version="1.0" encoding="utf-8"?>
+<p:sld xmlns:a="http://schemas.openxmlformats.org/drawingml/2006/main" xmlns:r="http://schemas.openxmlformats.org/officeDocument/2006/relationships" xmlns:p="http://schemas.openxmlformats.org/presentationml/2006/main">
+  <p:cSld>
+    <p:spTree>
+      <p:nvGrpSpPr>
+        <p:cNvPr id="1" name=""/>
+        <p:cNvGrpSpPr/>
+        <p:nvPr/>
+      </p:nvGrpSpPr>
+      <p:grpSpPr>
+        <a:xfrm>
+          <a:off x="0" y="0"/>
+          <a:ext cx="0" cy="0"/>
+          <a:chOff x="0" y="0"/>
+          <a:chExt cx="0" cy="0"/>
+        </a:xfrm>
+      </p:grpSpPr>
+      <p:sp>
+        <p:nvSpPr>
+          <p:cNvPr id="8" name="Rettangolo 7">
+            <a:extLst>
+              <a:ext uri="{FF2B5EF4-FFF2-40B4-BE49-F238E27FC236}">
+                <a16:creationId xmlns:a16="http://schemas.microsoft.com/office/drawing/2014/main" id="{C5502D0B-9FFE-4ED0-C320-0586A32882A7}"/>
+              </a:ext>
+            </a:extLst>
+          </p:cNvPr>
+          <p:cNvSpPr/>
+          <p:nvPr/>
+        </p:nvSpPr>
+        <p:spPr>
+          <a:xfrm>
+            <a:off x="7153275" y="5572124"/>
+            <a:ext cx="4543425" cy="853214"/>
+          </a:xfrm>
+          <a:prstGeom prst="rect">
+            <a:avLst/>
+          </a:prstGeom>
+        </p:spPr>
+        <p:style>
+          <a:lnRef idx="2">
+            <a:schemeClr val="accent1">
+              <a:shade val="50000"/>
+            </a:schemeClr>
+          </a:lnRef>
+          <a:fillRef idx="1">
+            <a:schemeClr val="accent1"/>
+          </a:fillRef>
+          <a:effectRef idx="0">
+            <a:schemeClr val="accent1"/>
+          </a:effectRef>
+          <a:fontRef idx="minor">
+            <a:schemeClr val="lt1"/>
+          </a:fontRef>
+        </p:style>
+        <p:txBody>
+          <a:bodyPr rtlCol="0" anchor="ctr"/>
+          <a:lstStyle/>
+          <a:p>
+            <a:pPr algn="ctr"/>
+            <a:endParaRPr lang="it-IT"/>
+          </a:p>
+        </p:txBody>
+      </p:sp>
+      <p:sp>
+        <p:nvSpPr>
+          <p:cNvPr id="2" name="Titolo 1">
+            <a:extLst>
+              <a:ext uri="{FF2B5EF4-FFF2-40B4-BE49-F238E27FC236}">
+                <a16:creationId xmlns:a16="http://schemas.microsoft.com/office/drawing/2014/main" id="{3152338F-14F4-45CE-DC71-3436CFA533E7}"/>
+              </a:ext>
+            </a:extLst>
+          </p:cNvPr>
+          <p:cNvSpPr>
+            <a:spLocks noGrp="1"/>
+          </p:cNvSpPr>
+          <p:nvPr>
+            <p:ph type="title"/>
+          </p:nvPr>
+        </p:nvSpPr>
+        <p:spPr/>
+        <p:txBody>
+          <a:bodyPr/>
+          <a:lstStyle/>
+          <a:p>
+            <a:r>
+              <a:rPr lang="it-IT" dirty="0"/>
+              <a:t>IMPLEMENTATION OF THE RULES: ILLEGAL POSITIONS</a:t>
+            </a:r>
+          </a:p>
+        </p:txBody>
+      </p:sp>
+      <p:sp>
+        <p:nvSpPr>
+          <p:cNvPr id="3" name="Segnaposto contenuto 2">
+            <a:extLst>
+              <a:ext uri="{FF2B5EF4-FFF2-40B4-BE49-F238E27FC236}">
+                <a16:creationId xmlns:a16="http://schemas.microsoft.com/office/drawing/2014/main" id="{877B1476-4F5F-8F44-3EB9-313948D7D468}"/>
+              </a:ext>
+            </a:extLst>
+          </p:cNvPr>
+          <p:cNvSpPr>
+            <a:spLocks noGrp="1"/>
+          </p:cNvSpPr>
+          <p:nvPr>
+            <p:ph idx="1"/>
+          </p:nvPr>
+        </p:nvSpPr>
+        <p:spPr/>
+        <p:txBody>
+          <a:bodyPr/>
+          <a:lstStyle/>
+          <a:p>
+            <a:pPr marL="0" indent="0">
+              <a:buNone/>
+            </a:pPr>
+            <a:r>
+              <a:rPr lang="it-IT" dirty="0" err="1"/>
+              <a:t>We</a:t>
+            </a:r>
+            <a:r>
+              <a:rPr lang="it-IT" dirty="0"/>
+              <a:t> </a:t>
+            </a:r>
+            <a:r>
+              <a:rPr lang="it-IT" dirty="0" err="1"/>
+              <a:t>decided</a:t>
+            </a:r>
+            <a:r>
+              <a:rPr lang="it-IT" dirty="0"/>
+              <a:t> </a:t>
+            </a:r>
+            <a:r>
+              <a:rPr lang="it-IT" dirty="0" err="1"/>
+              <a:t>that</a:t>
+            </a:r>
+            <a:r>
+              <a:rPr lang="it-IT" dirty="0"/>
+              <a:t> the </a:t>
+            </a:r>
+            <a:r>
+              <a:rPr lang="it-IT" dirty="0" err="1"/>
+              <a:t>transparent</a:t>
+            </a:r>
+            <a:r>
+              <a:rPr lang="it-IT" dirty="0"/>
+              <a:t> </a:t>
+            </a:r>
+            <a:r>
+              <a:rPr lang="it-IT" dirty="0" err="1"/>
+              <a:t>piece</a:t>
+            </a:r>
+            <a:r>
+              <a:rPr lang="it-IT" dirty="0"/>
+              <a:t> </a:t>
+            </a:r>
+            <a:r>
+              <a:rPr lang="it-IT" dirty="0" err="1"/>
+              <a:t>which</a:t>
+            </a:r>
+            <a:r>
+              <a:rPr lang="it-IT" dirty="0"/>
+              <a:t> follows the mouse of the players </a:t>
+            </a:r>
+            <a:r>
+              <a:rPr lang="it-IT" dirty="0" err="1"/>
+              <a:t>should</a:t>
+            </a:r>
+            <a:r>
+              <a:rPr lang="it-IT" dirty="0"/>
+              <a:t> </a:t>
+            </a:r>
+            <a:r>
+              <a:rPr lang="it-IT" dirty="0" err="1"/>
+              <a:t>only</a:t>
+            </a:r>
+            <a:r>
+              <a:rPr lang="it-IT" dirty="0"/>
+              <a:t> </a:t>
+            </a:r>
+            <a:r>
+              <a:rPr lang="it-IT" dirty="0" err="1"/>
+              <a:t>appear</a:t>
+            </a:r>
+            <a:r>
+              <a:rPr lang="it-IT" dirty="0"/>
+              <a:t> on </a:t>
+            </a:r>
+            <a:r>
+              <a:rPr lang="it-IT" dirty="0" err="1"/>
+              <a:t>legal</a:t>
+            </a:r>
+            <a:r>
+              <a:rPr lang="it-IT" dirty="0"/>
+              <a:t> placements of the </a:t>
+            </a:r>
+            <a:r>
+              <a:rPr lang="it-IT" dirty="0" err="1"/>
+              <a:t>piece</a:t>
+            </a:r>
+            <a:r>
+              <a:rPr lang="it-IT" dirty="0"/>
+              <a:t>, </a:t>
+            </a:r>
+            <a:r>
+              <a:rPr lang="it-IT" dirty="0" err="1"/>
+              <a:t>that</a:t>
+            </a:r>
+            <a:r>
+              <a:rPr lang="it-IT" dirty="0"/>
+              <a:t> </a:t>
+            </a:r>
+            <a:r>
+              <a:rPr lang="it-IT" dirty="0" err="1"/>
+              <a:t>is</a:t>
+            </a:r>
+            <a:r>
+              <a:rPr lang="it-IT" dirty="0"/>
+              <a:t> on placements </a:t>
+            </a:r>
+            <a:r>
+              <a:rPr lang="it-IT" dirty="0" err="1"/>
+              <a:t>that</a:t>
+            </a:r>
+            <a:r>
+              <a:rPr lang="it-IT" dirty="0"/>
+              <a:t> do </a:t>
+            </a:r>
+            <a:r>
+              <a:rPr lang="it-IT" dirty="0" err="1"/>
+              <a:t>not</a:t>
+            </a:r>
+            <a:r>
+              <a:rPr lang="it-IT" dirty="0"/>
+              <a:t> </a:t>
+            </a:r>
+            <a:r>
+              <a:rPr lang="it-IT" dirty="0" err="1"/>
+              <a:t>form</a:t>
+            </a:r>
+            <a:r>
+              <a:rPr lang="it-IT" dirty="0"/>
+              <a:t> the </a:t>
+            </a:r>
+            <a:r>
+              <a:rPr lang="it-IT" dirty="0" err="1"/>
+              <a:t>disposition</a:t>
+            </a:r>
+            <a:r>
+              <a:rPr lang="it-IT" dirty="0"/>
+              <a:t> </a:t>
+            </a:r>
+            <a:r>
+              <a:rPr lang="it-IT" dirty="0" err="1"/>
+              <a:t>shown</a:t>
+            </a:r>
+            <a:r>
+              <a:rPr lang="it-IT" dirty="0"/>
+              <a:t> </a:t>
+            </a:r>
+            <a:r>
+              <a:rPr lang="it-IT" dirty="0" err="1"/>
+              <a:t>above</a:t>
+            </a:r>
+            <a:r>
+              <a:rPr lang="it-IT" dirty="0"/>
+              <a:t>.</a:t>
+            </a:r>
+          </a:p>
+          <a:p>
+            <a:pPr marL="0" indent="0">
+              <a:buNone/>
+            </a:pPr>
+            <a:r>
+              <a:rPr lang="it-IT" dirty="0"/>
+              <a:t>In order to do so, </a:t>
+            </a:r>
+            <a:r>
+              <a:rPr lang="it-IT" dirty="0" err="1"/>
+              <a:t>each</a:t>
+            </a:r>
+            <a:r>
+              <a:rPr lang="it-IT" dirty="0"/>
+              <a:t> time the mouse </a:t>
+            </a:r>
+            <a:r>
+              <a:rPr lang="it-IT" dirty="0" err="1"/>
+              <a:t>hovers</a:t>
+            </a:r>
+            <a:r>
+              <a:rPr lang="it-IT" dirty="0"/>
+              <a:t> over a coordinate the </a:t>
+            </a:r>
+            <a:r>
+              <a:rPr lang="it-IT" i="1" dirty="0" err="1"/>
+              <a:t>canPlace</a:t>
+            </a:r>
+            <a:r>
+              <a:rPr lang="it-IT" dirty="0"/>
+              <a:t> </a:t>
+            </a:r>
+            <a:r>
+              <a:rPr lang="it-IT" dirty="0" err="1"/>
+              <a:t>method</a:t>
+            </a:r>
+            <a:r>
+              <a:rPr lang="it-IT" dirty="0"/>
+              <a:t> </a:t>
+            </a:r>
+            <a:r>
+              <a:rPr lang="it-IT" dirty="0" err="1"/>
+              <a:t>is</a:t>
+            </a:r>
+            <a:r>
+              <a:rPr lang="it-IT" dirty="0"/>
+              <a:t> </a:t>
+            </a:r>
+            <a:r>
+              <a:rPr lang="it-IT" dirty="0" err="1"/>
+              <a:t>called</a:t>
+            </a:r>
+            <a:r>
+              <a:rPr lang="it-IT" dirty="0"/>
+              <a:t>. </a:t>
+            </a:r>
+            <a:r>
+              <a:rPr lang="it-IT" dirty="0" err="1"/>
+              <a:t>This</a:t>
+            </a:r>
+            <a:r>
+              <a:rPr lang="it-IT" dirty="0"/>
+              <a:t> </a:t>
+            </a:r>
+            <a:r>
+              <a:rPr lang="it-IT" dirty="0" err="1"/>
+              <a:t>method</a:t>
+            </a:r>
+            <a:r>
+              <a:rPr lang="it-IT" dirty="0"/>
+              <a:t> checks the 8 </a:t>
+            </a:r>
+            <a:r>
+              <a:rPr lang="it-IT" dirty="0" err="1"/>
+              <a:t>nodes</a:t>
+            </a:r>
+            <a:r>
+              <a:rPr lang="it-IT" dirty="0"/>
+              <a:t> </a:t>
+            </a:r>
+            <a:r>
+              <a:rPr lang="it-IT" dirty="0" err="1"/>
+              <a:t>neighbouring</a:t>
+            </a:r>
+            <a:r>
+              <a:rPr lang="it-IT" dirty="0"/>
+              <a:t> the </a:t>
+            </a:r>
+            <a:r>
+              <a:rPr lang="it-IT" dirty="0" err="1"/>
+              <a:t>chosen</a:t>
+            </a:r>
+            <a:r>
+              <a:rPr lang="it-IT" dirty="0"/>
+              <a:t> </a:t>
+            </a:r>
+            <a:r>
+              <a:rPr lang="it-IT" dirty="0" err="1"/>
+              <a:t>coordinates</a:t>
+            </a:r>
+            <a:r>
+              <a:rPr lang="it-IT" dirty="0"/>
+              <a:t>: </a:t>
+            </a:r>
+            <a:r>
+              <a:rPr lang="it-IT" dirty="0" err="1"/>
+              <a:t>if</a:t>
+            </a:r>
+            <a:r>
+              <a:rPr lang="it-IT" dirty="0"/>
+              <a:t> </a:t>
+            </a:r>
+            <a:r>
+              <a:rPr lang="it-IT" dirty="0" err="1"/>
+              <a:t>it</a:t>
+            </a:r>
+            <a:r>
+              <a:rPr lang="it-IT" dirty="0"/>
+              <a:t> </a:t>
+            </a:r>
+            <a:r>
+              <a:rPr lang="it-IT" dirty="0" err="1"/>
+              <a:t>finds</a:t>
+            </a:r>
+            <a:r>
+              <a:rPr lang="it-IT" dirty="0"/>
+              <a:t> </a:t>
+            </a:r>
+            <a:r>
+              <a:rPr lang="it-IT" dirty="0" err="1"/>
+              <a:t>that</a:t>
+            </a:r>
+            <a:r>
+              <a:rPr lang="it-IT" dirty="0"/>
+              <a:t> </a:t>
+            </a:r>
+            <a:r>
+              <a:rPr lang="it-IT" dirty="0" err="1"/>
+              <a:t>they</a:t>
+            </a:r>
+            <a:r>
+              <a:rPr lang="it-IT" dirty="0"/>
+              <a:t> are </a:t>
+            </a:r>
+            <a:r>
+              <a:rPr lang="it-IT" dirty="0" err="1"/>
+              <a:t>near</a:t>
+            </a:r>
+            <a:r>
+              <a:rPr lang="it-IT" dirty="0"/>
+              <a:t> a </a:t>
+            </a:r>
+            <a:r>
+              <a:rPr lang="it-IT" dirty="0" err="1"/>
+              <a:t>diagonal</a:t>
+            </a:r>
+            <a:r>
+              <a:rPr lang="it-IT" dirty="0"/>
+              <a:t> of the opposite </a:t>
+            </a:r>
+            <a:r>
+              <a:rPr lang="it-IT" dirty="0" err="1"/>
+              <a:t>colour</a:t>
+            </a:r>
+            <a:r>
+              <a:rPr lang="it-IT" dirty="0"/>
+              <a:t> and </a:t>
+            </a:r>
+            <a:r>
+              <a:rPr lang="it-IT" dirty="0" err="1"/>
+              <a:t>that</a:t>
+            </a:r>
+            <a:r>
+              <a:rPr lang="it-IT" dirty="0"/>
+              <a:t> on the </a:t>
+            </a:r>
+            <a:r>
+              <a:rPr lang="it-IT" dirty="0" err="1"/>
+              <a:t>other</a:t>
+            </a:r>
+            <a:r>
+              <a:rPr lang="it-IT" dirty="0"/>
+              <a:t> side of </a:t>
+            </a:r>
+            <a:r>
+              <a:rPr lang="it-IT" dirty="0" err="1"/>
+              <a:t>this</a:t>
+            </a:r>
+            <a:r>
+              <a:rPr lang="it-IT" dirty="0"/>
+              <a:t> </a:t>
+            </a:r>
+            <a:r>
+              <a:rPr lang="it-IT" dirty="0" err="1"/>
+              <a:t>diagonal</a:t>
+            </a:r>
+            <a:r>
+              <a:rPr lang="it-IT" dirty="0"/>
+              <a:t> </a:t>
+            </a:r>
+            <a:r>
+              <a:rPr lang="it-IT" dirty="0" err="1"/>
+              <a:t>there</a:t>
+            </a:r>
+            <a:r>
+              <a:rPr lang="it-IT" dirty="0"/>
+              <a:t> </a:t>
+            </a:r>
+            <a:r>
+              <a:rPr lang="it-IT" dirty="0" err="1"/>
+              <a:t>is</a:t>
+            </a:r>
+            <a:r>
+              <a:rPr lang="it-IT" dirty="0"/>
+              <a:t> a </a:t>
+            </a:r>
+            <a:r>
+              <a:rPr lang="it-IT" dirty="0" err="1"/>
+              <a:t>piece</a:t>
+            </a:r>
+            <a:r>
+              <a:rPr lang="it-IT" dirty="0"/>
+              <a:t> of the </a:t>
+            </a:r>
+            <a:r>
+              <a:rPr lang="it-IT" dirty="0" err="1"/>
+              <a:t>current</a:t>
+            </a:r>
+            <a:r>
+              <a:rPr lang="it-IT" dirty="0"/>
+              <a:t> </a:t>
+            </a:r>
+            <a:r>
+              <a:rPr lang="it-IT" dirty="0" err="1"/>
+              <a:t>colour</a:t>
+            </a:r>
+            <a:r>
+              <a:rPr lang="it-IT" dirty="0"/>
+              <a:t>, </a:t>
+            </a:r>
+            <a:r>
+              <a:rPr lang="it-IT" i="1" dirty="0" err="1"/>
+              <a:t>canPlace</a:t>
+            </a:r>
+            <a:r>
+              <a:rPr lang="it-IT" dirty="0"/>
+              <a:t> </a:t>
+            </a:r>
+            <a:r>
+              <a:rPr lang="it-IT" dirty="0" err="1"/>
+              <a:t>will</a:t>
+            </a:r>
+            <a:r>
+              <a:rPr lang="it-IT" dirty="0"/>
+              <a:t> </a:t>
+            </a:r>
+            <a:r>
+              <a:rPr lang="it-IT" dirty="0" err="1"/>
+              <a:t>return</a:t>
+            </a:r>
+            <a:r>
+              <a:rPr lang="it-IT" dirty="0"/>
+              <a:t> false and the </a:t>
+            </a:r>
+            <a:r>
+              <a:rPr lang="it-IT" dirty="0" err="1"/>
+              <a:t>transparent</a:t>
+            </a:r>
+            <a:r>
+              <a:rPr lang="it-IT" dirty="0"/>
+              <a:t> </a:t>
+            </a:r>
+            <a:r>
+              <a:rPr lang="it-IT" dirty="0" err="1"/>
+              <a:t>piece</a:t>
+            </a:r>
+            <a:r>
+              <a:rPr lang="it-IT" dirty="0"/>
+              <a:t> </a:t>
+            </a:r>
+            <a:r>
+              <a:rPr lang="it-IT" dirty="0" err="1"/>
+              <a:t>will</a:t>
+            </a:r>
+            <a:r>
+              <a:rPr lang="it-IT" dirty="0"/>
+              <a:t> </a:t>
+            </a:r>
+            <a:r>
+              <a:rPr lang="it-IT" dirty="0" err="1"/>
+              <a:t>not</a:t>
+            </a:r>
+            <a:r>
+              <a:rPr lang="it-IT" dirty="0"/>
+              <a:t> be </a:t>
+            </a:r>
+            <a:r>
+              <a:rPr lang="it-IT" dirty="0" err="1"/>
+              <a:t>shown</a:t>
+            </a:r>
+            <a:r>
+              <a:rPr lang="it-IT" dirty="0"/>
+              <a:t>. </a:t>
+            </a:r>
+            <a:r>
+              <a:rPr lang="it-IT" dirty="0" err="1"/>
+              <a:t>If</a:t>
+            </a:r>
+            <a:r>
+              <a:rPr lang="it-IT" dirty="0"/>
+              <a:t> the player </a:t>
+            </a:r>
+            <a:r>
+              <a:rPr lang="it-IT" dirty="0" err="1"/>
+              <a:t>tries</a:t>
+            </a:r>
+            <a:r>
+              <a:rPr lang="it-IT" dirty="0"/>
+              <a:t> to click </a:t>
+            </a:r>
+            <a:r>
+              <a:rPr lang="it-IT" dirty="0" err="1"/>
+              <a:t>there</a:t>
+            </a:r>
+            <a:r>
+              <a:rPr lang="it-IT" dirty="0"/>
+              <a:t> </a:t>
+            </a:r>
+            <a:r>
+              <a:rPr lang="it-IT" dirty="0" err="1"/>
+              <a:t>anyway</a:t>
+            </a:r>
+            <a:r>
+              <a:rPr lang="it-IT" dirty="0"/>
+              <a:t> the </a:t>
+            </a:r>
+            <a:r>
+              <a:rPr lang="it-IT" dirty="0" err="1"/>
+              <a:t>piece</a:t>
+            </a:r>
+            <a:r>
+              <a:rPr lang="it-IT" dirty="0"/>
+              <a:t> </a:t>
+            </a:r>
+            <a:r>
+              <a:rPr lang="it-IT" dirty="0" err="1"/>
+              <a:t>will</a:t>
+            </a:r>
+            <a:r>
+              <a:rPr lang="it-IT" dirty="0"/>
+              <a:t> </a:t>
+            </a:r>
+            <a:r>
+              <a:rPr lang="it-IT" dirty="0" err="1"/>
+              <a:t>not</a:t>
+            </a:r>
+            <a:r>
+              <a:rPr lang="it-IT" dirty="0"/>
+              <a:t> be </a:t>
+            </a:r>
+            <a:r>
+              <a:rPr lang="it-IT" dirty="0" err="1"/>
+              <a:t>placed</a:t>
+            </a:r>
+            <a:r>
+              <a:rPr lang="it-IT" dirty="0"/>
+              <a:t>.</a:t>
+            </a:r>
+          </a:p>
+          <a:p>
+            <a:pPr marL="0" indent="0">
+              <a:buNone/>
+            </a:pPr>
+            <a:r>
+              <a:rPr lang="it-IT" dirty="0"/>
+              <a:t>The </a:t>
+            </a:r>
+            <a:r>
+              <a:rPr lang="it-IT" i="1" dirty="0" err="1"/>
+              <a:t>canPlace</a:t>
+            </a:r>
+            <a:r>
+              <a:rPr lang="it-IT" dirty="0"/>
+              <a:t> </a:t>
+            </a:r>
+            <a:r>
+              <a:rPr lang="it-IT" dirty="0" err="1"/>
+              <a:t>method</a:t>
+            </a:r>
+            <a:r>
+              <a:rPr lang="it-IT" dirty="0"/>
+              <a:t> </a:t>
+            </a:r>
+            <a:r>
+              <a:rPr lang="it-IT" dirty="0" err="1"/>
+              <a:t>also</a:t>
+            </a:r>
+            <a:r>
+              <a:rPr lang="it-IT" dirty="0"/>
+              <a:t> checks </a:t>
+            </a:r>
+            <a:r>
+              <a:rPr lang="it-IT" dirty="0" err="1"/>
+              <a:t>if</a:t>
+            </a:r>
+            <a:r>
+              <a:rPr lang="it-IT" dirty="0"/>
+              <a:t> a </a:t>
+            </a:r>
+            <a:r>
+              <a:rPr lang="it-IT" dirty="0" err="1"/>
+              <a:t>piece</a:t>
+            </a:r>
+            <a:r>
+              <a:rPr lang="it-IT" dirty="0"/>
+              <a:t> </a:t>
+            </a:r>
+            <a:r>
+              <a:rPr lang="it-IT" dirty="0" err="1"/>
+              <a:t>is</a:t>
+            </a:r>
+            <a:r>
+              <a:rPr lang="it-IT" dirty="0"/>
+              <a:t> </a:t>
+            </a:r>
+            <a:r>
+              <a:rPr lang="it-IT" dirty="0" err="1"/>
+              <a:t>already</a:t>
+            </a:r>
+            <a:r>
+              <a:rPr lang="it-IT" dirty="0"/>
+              <a:t> </a:t>
+            </a:r>
+            <a:r>
+              <a:rPr lang="it-IT" dirty="0" err="1"/>
+              <a:t>present</a:t>
+            </a:r>
+            <a:r>
+              <a:rPr lang="it-IT" dirty="0"/>
+              <a:t> on the </a:t>
+            </a:r>
+            <a:r>
+              <a:rPr lang="it-IT" dirty="0" err="1"/>
+              <a:t>chosen</a:t>
+            </a:r>
+            <a:r>
+              <a:rPr lang="it-IT" dirty="0"/>
+              <a:t> </a:t>
+            </a:r>
+            <a:r>
+              <a:rPr lang="it-IT" dirty="0" err="1"/>
+              <a:t>coordinates</a:t>
+            </a:r>
+            <a:r>
+              <a:rPr lang="it-IT" dirty="0"/>
+              <a:t>, </a:t>
+            </a:r>
+            <a:r>
+              <a:rPr lang="it-IT" dirty="0" err="1"/>
+              <a:t>not</a:t>
+            </a:r>
+            <a:r>
+              <a:rPr lang="it-IT" dirty="0"/>
+              <a:t> </a:t>
+            </a:r>
+            <a:r>
+              <a:rPr lang="it-IT" dirty="0" err="1"/>
+              <a:t>allowing</a:t>
+            </a:r>
+            <a:r>
+              <a:rPr lang="it-IT" dirty="0"/>
+              <a:t> a placement on an </a:t>
+            </a:r>
+            <a:r>
+              <a:rPr lang="it-IT" dirty="0" err="1"/>
+              <a:t>occupied</a:t>
+            </a:r>
+            <a:r>
+              <a:rPr lang="it-IT" dirty="0"/>
+              <a:t> </a:t>
+            </a:r>
+            <a:r>
+              <a:rPr lang="it-IT" dirty="0" err="1"/>
+              <a:t>node</a:t>
+            </a:r>
+            <a:r>
+              <a:rPr lang="it-IT" dirty="0"/>
+              <a:t>.</a:t>
+            </a:r>
+          </a:p>
+        </p:txBody>
+      </p:sp>
+      <p:sp>
+        <p:nvSpPr>
+          <p:cNvPr id="4" name="Rettangolo 3">
+            <a:extLst>
+              <a:ext uri="{FF2B5EF4-FFF2-40B4-BE49-F238E27FC236}">
+                <a16:creationId xmlns:a16="http://schemas.microsoft.com/office/drawing/2014/main" id="{138DFD26-912A-F0DC-163C-3E58664A8336}"/>
+              </a:ext>
+            </a:extLst>
+          </p:cNvPr>
+          <p:cNvSpPr/>
+          <p:nvPr/>
+        </p:nvSpPr>
+        <p:spPr>
+          <a:xfrm>
+            <a:off x="9719523" y="702156"/>
+            <a:ext cx="1500667" cy="1518082"/>
+          </a:xfrm>
+          <a:prstGeom prst="rect">
+            <a:avLst/>
+          </a:prstGeom>
+        </p:spPr>
+        <p:style>
+          <a:lnRef idx="2">
+            <a:schemeClr val="accent1">
+              <a:shade val="50000"/>
+            </a:schemeClr>
+          </a:lnRef>
+          <a:fillRef idx="1">
+            <a:schemeClr val="accent1"/>
+          </a:fillRef>
+          <a:effectRef idx="0">
+            <a:schemeClr val="accent1"/>
+          </a:effectRef>
+          <a:fontRef idx="minor">
+            <a:schemeClr val="lt1"/>
+          </a:fontRef>
+        </p:style>
+        <p:txBody>
+          <a:bodyPr rtlCol="0" anchor="ctr"/>
+          <a:lstStyle/>
+          <a:p>
+            <a:pPr algn="ctr"/>
+            <a:endParaRPr lang="it-IT"/>
+          </a:p>
+        </p:txBody>
+      </p:sp>
+      <p:pic>
+        <p:nvPicPr>
+          <p:cNvPr id="5" name="Immagine 4">
+            <a:extLst>
+              <a:ext uri="{FF2B5EF4-FFF2-40B4-BE49-F238E27FC236}">
+                <a16:creationId xmlns:a16="http://schemas.microsoft.com/office/drawing/2014/main" id="{AAA794E5-5777-35C5-1E6C-D291AA540DF3}"/>
+              </a:ext>
+            </a:extLst>
+          </p:cNvPr>
+          <p:cNvPicPr>
+            <a:picLocks noChangeAspect="1"/>
+          </p:cNvPicPr>
+          <p:nvPr/>
+        </p:nvPicPr>
+        <p:blipFill>
+          <a:blip r:embed="rId2">
+            <a:extLst>
+              <a:ext uri="{28A0092B-C50C-407E-A947-70E740481C1C}">
+                <a14:useLocalDpi xmlns:a14="http://schemas.microsoft.com/office/drawing/2010/main" val="0"/>
+              </a:ext>
+            </a:extLst>
+          </a:blip>
+          <a:stretch>
+            <a:fillRect/>
+          </a:stretch>
+        </p:blipFill>
+        <p:spPr>
+          <a:xfrm>
+            <a:off x="9836443" y="818259"/>
+            <a:ext cx="1266825" cy="1285875"/>
+          </a:xfrm>
+          <a:prstGeom prst="rect">
+            <a:avLst/>
+          </a:prstGeom>
+        </p:spPr>
+      </p:pic>
+      <p:pic>
+        <p:nvPicPr>
+          <p:cNvPr id="7" name="Immagine 6" descr="Immagine che contiene testo&#10;&#10;Descrizione generata automaticamente">
+            <a:extLst>
+              <a:ext uri="{FF2B5EF4-FFF2-40B4-BE49-F238E27FC236}">
+                <a16:creationId xmlns:a16="http://schemas.microsoft.com/office/drawing/2014/main" id="{1ADE4E63-4750-1929-08B4-C5907EC69829}"/>
+              </a:ext>
+            </a:extLst>
+          </p:cNvPr>
+          <p:cNvPicPr>
+            <a:picLocks noChangeAspect="1"/>
+          </p:cNvPicPr>
+          <p:nvPr/>
+        </p:nvPicPr>
+        <p:blipFill>
+          <a:blip r:embed="rId3">
+            <a:extLst>
+              <a:ext uri="{28A0092B-C50C-407E-A947-70E740481C1C}">
+                <a14:useLocalDpi xmlns:a14="http://schemas.microsoft.com/office/drawing/2010/main" val="0"/>
+              </a:ext>
+            </a:extLst>
+          </a:blip>
+          <a:stretch>
+            <a:fillRect/>
+          </a:stretch>
+        </p:blipFill>
+        <p:spPr>
+          <a:xfrm>
+            <a:off x="7228695" y="5665309"/>
+            <a:ext cx="4382112" cy="666843"/>
+          </a:xfrm>
+          <a:prstGeom prst="rect">
+            <a:avLst/>
+          </a:prstGeom>
+        </p:spPr>
+      </p:pic>
+    </p:spTree>
+    <p:extLst>
+      <p:ext uri="{BB962C8B-B14F-4D97-AF65-F5344CB8AC3E}">
+        <p14:creationId xmlns:p14="http://schemas.microsoft.com/office/powerpoint/2010/main" val="1159518109"/>
+      </p:ext>
+    </p:extLst>
+  </p:cSld>
+  <p:clrMapOvr>
+    <a:masterClrMapping/>
+  </p:clrMapOvr>
+</p:sld>
+</file>
+
+<file path=ppt/slides/slide12.xml><?xml version="1.0" encoding="utf-8"?>
+<p:sld xmlns:a="http://schemas.openxmlformats.org/drawingml/2006/main" xmlns:r="http://schemas.openxmlformats.org/officeDocument/2006/relationships" xmlns:p="http://schemas.openxmlformats.org/presentationml/2006/main">
+  <p:cSld>
+    <p:spTree>
+      <p:nvGrpSpPr>
+        <p:cNvPr id="1" name=""/>
+        <p:cNvGrpSpPr/>
+        <p:nvPr/>
+      </p:nvGrpSpPr>
+      <p:grpSpPr>
+        <a:xfrm>
+          <a:off x="0" y="0"/>
+          <a:ext cx="0" cy="0"/>
+          <a:chOff x="0" y="0"/>
+          <a:chExt cx="0" cy="0"/>
+        </a:xfrm>
+      </p:grpSpPr>
+      <p:sp>
+        <p:nvSpPr>
+          <p:cNvPr id="8" name="Rettangolo 7">
+            <a:extLst>
+              <a:ext uri="{FF2B5EF4-FFF2-40B4-BE49-F238E27FC236}">
+                <a16:creationId xmlns:a16="http://schemas.microsoft.com/office/drawing/2014/main" id="{8BADEB8D-FEC3-1FE3-D66E-EDE1AFF4254E}"/>
+              </a:ext>
+            </a:extLst>
+          </p:cNvPr>
+          <p:cNvSpPr/>
+          <p:nvPr/>
+        </p:nvSpPr>
+        <p:spPr>
+          <a:xfrm>
+            <a:off x="9144000" y="5380465"/>
+            <a:ext cx="2552700" cy="877460"/>
+          </a:xfrm>
+          <a:prstGeom prst="rect">
+            <a:avLst/>
+          </a:prstGeom>
+        </p:spPr>
+        <p:style>
+          <a:lnRef idx="2">
+            <a:schemeClr val="accent1">
+              <a:shade val="50000"/>
+            </a:schemeClr>
+          </a:lnRef>
+          <a:fillRef idx="1">
+            <a:schemeClr val="accent1"/>
+          </a:fillRef>
+          <a:effectRef idx="0">
+            <a:schemeClr val="accent1"/>
+          </a:effectRef>
+          <a:fontRef idx="minor">
+            <a:schemeClr val="lt1"/>
+          </a:fontRef>
+        </p:style>
+        <p:txBody>
+          <a:bodyPr rtlCol="0" anchor="ctr"/>
+          <a:lstStyle/>
+          <a:p>
+            <a:pPr algn="ctr"/>
+            <a:endParaRPr lang="it-IT"/>
+          </a:p>
+        </p:txBody>
+      </p:sp>
+      <p:sp>
+        <p:nvSpPr>
+          <p:cNvPr id="2" name="Titolo 1">
+            <a:extLst>
+              <a:ext uri="{FF2B5EF4-FFF2-40B4-BE49-F238E27FC236}">
+                <a16:creationId xmlns:a16="http://schemas.microsoft.com/office/drawing/2014/main" id="{42300CB1-ED13-0037-5BA8-3770A3FF7DDB}"/>
+              </a:ext>
+            </a:extLst>
+          </p:cNvPr>
+          <p:cNvSpPr>
+            <a:spLocks noGrp="1"/>
+          </p:cNvSpPr>
+          <p:nvPr>
+            <p:ph type="title"/>
+          </p:nvPr>
+        </p:nvSpPr>
+        <p:spPr/>
+        <p:txBody>
+          <a:bodyPr/>
+          <a:lstStyle/>
+          <a:p>
+            <a:r>
+              <a:rPr lang="it-IT" dirty="0"/>
+              <a:t>IMPLEMENTATION OF THE RULES: WIN CONDITION</a:t>
+            </a:r>
+          </a:p>
+        </p:txBody>
+      </p:sp>
+      <p:sp>
+        <p:nvSpPr>
+          <p:cNvPr id="3" name="Segnaposto contenuto 2">
+            <a:extLst>
+              <a:ext uri="{FF2B5EF4-FFF2-40B4-BE49-F238E27FC236}">
+                <a16:creationId xmlns:a16="http://schemas.microsoft.com/office/drawing/2014/main" id="{3C5CDBD8-A745-A745-6AEB-C4A250033667}"/>
+              </a:ext>
+            </a:extLst>
+          </p:cNvPr>
+          <p:cNvSpPr>
+            <a:spLocks noGrp="1"/>
+          </p:cNvSpPr>
+          <p:nvPr>
+            <p:ph idx="1"/>
+          </p:nvPr>
+        </p:nvSpPr>
+        <p:spPr/>
+        <p:txBody>
+          <a:bodyPr/>
+          <a:lstStyle/>
+          <a:p>
+            <a:pPr marL="0" indent="0">
+              <a:buNone/>
+            </a:pPr>
+            <a:r>
+              <a:rPr lang="it-IT" dirty="0" err="1"/>
+              <a:t>Since</a:t>
+            </a:r>
+            <a:r>
+              <a:rPr lang="it-IT" dirty="0"/>
+              <a:t> the </a:t>
+            </a:r>
+            <a:r>
+              <a:rPr lang="it-IT" dirty="0" err="1"/>
+              <a:t>win</a:t>
+            </a:r>
+            <a:r>
+              <a:rPr lang="it-IT" dirty="0"/>
+              <a:t> </a:t>
+            </a:r>
+            <a:r>
+              <a:rPr lang="it-IT" dirty="0" err="1"/>
+              <a:t>condition</a:t>
+            </a:r>
+            <a:r>
+              <a:rPr lang="it-IT" dirty="0"/>
+              <a:t> </a:t>
+            </a:r>
+            <a:r>
+              <a:rPr lang="it-IT" dirty="0" err="1"/>
+              <a:t>requires</a:t>
+            </a:r>
+            <a:r>
+              <a:rPr lang="it-IT" dirty="0"/>
+              <a:t> to </a:t>
+            </a:r>
+            <a:r>
+              <a:rPr lang="it-IT" dirty="0" err="1"/>
+              <a:t>have</a:t>
+            </a:r>
+            <a:r>
+              <a:rPr lang="it-IT" dirty="0"/>
+              <a:t> a </a:t>
+            </a:r>
+            <a:r>
+              <a:rPr lang="it-IT" dirty="0" err="1"/>
+              <a:t>continuous</a:t>
+            </a:r>
+            <a:r>
+              <a:rPr lang="it-IT" dirty="0"/>
+              <a:t> </a:t>
+            </a:r>
+            <a:r>
+              <a:rPr lang="it-IT" dirty="0" err="1"/>
+              <a:t>path</a:t>
+            </a:r>
+            <a:r>
+              <a:rPr lang="it-IT" dirty="0"/>
+              <a:t> of </a:t>
+            </a:r>
+            <a:r>
+              <a:rPr lang="it-IT" dirty="0" err="1"/>
+              <a:t>same</a:t>
+            </a:r>
+            <a:r>
+              <a:rPr lang="it-IT" dirty="0"/>
+              <a:t> coloured </a:t>
+            </a:r>
+            <a:r>
+              <a:rPr lang="it-IT" dirty="0" err="1"/>
+              <a:t>pieces</a:t>
+            </a:r>
+            <a:r>
+              <a:rPr lang="it-IT" dirty="0"/>
+              <a:t>, </a:t>
+            </a:r>
+            <a:r>
+              <a:rPr lang="it-IT" dirty="0" err="1"/>
+              <a:t>our</a:t>
+            </a:r>
+            <a:r>
+              <a:rPr lang="it-IT" dirty="0"/>
+              <a:t> idea </a:t>
+            </a:r>
+            <a:r>
+              <a:rPr lang="it-IT" dirty="0" err="1"/>
+              <a:t>was</a:t>
+            </a:r>
+            <a:r>
+              <a:rPr lang="it-IT" dirty="0"/>
+              <a:t> to create a </a:t>
+            </a:r>
+            <a:r>
+              <a:rPr lang="it-IT" dirty="0" err="1"/>
+              <a:t>graph</a:t>
+            </a:r>
+            <a:r>
+              <a:rPr lang="it-IT" dirty="0"/>
+              <a:t> </a:t>
+            </a:r>
+            <a:r>
+              <a:rPr lang="it-IT" dirty="0" err="1"/>
+              <a:t>containing</a:t>
+            </a:r>
+            <a:r>
+              <a:rPr lang="it-IT" dirty="0"/>
+              <a:t> </a:t>
+            </a:r>
+            <a:r>
+              <a:rPr lang="it-IT" dirty="0" err="1"/>
+              <a:t>all</a:t>
+            </a:r>
+            <a:r>
+              <a:rPr lang="it-IT" dirty="0"/>
+              <a:t> the </a:t>
+            </a:r>
+            <a:r>
+              <a:rPr lang="it-IT" dirty="0" err="1"/>
+              <a:t>pieces</a:t>
+            </a:r>
+            <a:r>
+              <a:rPr lang="it-IT" dirty="0"/>
+              <a:t> with the </a:t>
+            </a:r>
+            <a:r>
+              <a:rPr lang="it-IT" dirty="0" err="1"/>
+              <a:t>same</a:t>
+            </a:r>
+            <a:r>
+              <a:rPr lang="it-IT" dirty="0"/>
+              <a:t> </a:t>
+            </a:r>
+            <a:r>
+              <a:rPr lang="it-IT" dirty="0" err="1"/>
+              <a:t>colour</a:t>
+            </a:r>
+            <a:r>
+              <a:rPr lang="it-IT" dirty="0"/>
+              <a:t> </a:t>
+            </a:r>
+            <a:r>
+              <a:rPr lang="it-IT" dirty="0" err="1"/>
+              <a:t>starting</a:t>
+            </a:r>
+            <a:r>
+              <a:rPr lang="it-IT" dirty="0"/>
+              <a:t> from a </a:t>
+            </a:r>
+            <a:r>
+              <a:rPr lang="it-IT" dirty="0" err="1"/>
+              <a:t>piece</a:t>
+            </a:r>
+            <a:r>
+              <a:rPr lang="it-IT" dirty="0"/>
+              <a:t> in the last </a:t>
+            </a:r>
+            <a:r>
+              <a:rPr lang="it-IT" dirty="0" err="1"/>
+              <a:t>row</a:t>
+            </a:r>
+            <a:r>
+              <a:rPr lang="it-IT" dirty="0"/>
+              <a:t> or </a:t>
+            </a:r>
+            <a:r>
+              <a:rPr lang="it-IT" dirty="0" err="1"/>
+              <a:t>column</a:t>
+            </a:r>
+            <a:r>
+              <a:rPr lang="it-IT" dirty="0"/>
+              <a:t>.</a:t>
+            </a:r>
+          </a:p>
+          <a:p>
+            <a:pPr marL="0" indent="0">
+              <a:buNone/>
+            </a:pPr>
+            <a:r>
+              <a:rPr lang="it-IT" dirty="0" err="1"/>
+              <a:t>Therefore</a:t>
+            </a:r>
+            <a:r>
+              <a:rPr lang="it-IT" dirty="0"/>
+              <a:t>, the classes </a:t>
+            </a:r>
+            <a:r>
+              <a:rPr lang="it-IT" i="1" dirty="0" err="1"/>
+              <a:t>Graph</a:t>
+            </a:r>
+            <a:r>
+              <a:rPr lang="it-IT" dirty="0"/>
+              <a:t> and </a:t>
+            </a:r>
+            <a:r>
+              <a:rPr lang="it-IT" i="1" dirty="0" err="1"/>
+              <a:t>Vector</a:t>
+            </a:r>
+            <a:r>
+              <a:rPr lang="it-IT" i="1" dirty="0"/>
+              <a:t> </a:t>
+            </a:r>
+            <a:r>
+              <a:rPr lang="it-IT" dirty="0" err="1"/>
+              <a:t>were</a:t>
+            </a:r>
+            <a:r>
+              <a:rPr lang="it-IT" dirty="0"/>
+              <a:t> </a:t>
+            </a:r>
+            <a:r>
+              <a:rPr lang="it-IT" dirty="0" err="1"/>
+              <a:t>implemented</a:t>
+            </a:r>
+            <a:r>
+              <a:rPr lang="it-IT" dirty="0"/>
+              <a:t> by Giulia Bernardi. </a:t>
+            </a:r>
+          </a:p>
+          <a:p>
+            <a:pPr marL="0" indent="0">
+              <a:buNone/>
+            </a:pPr>
+            <a:r>
+              <a:rPr lang="it-IT" dirty="0"/>
+              <a:t>The class </a:t>
+            </a:r>
+            <a:r>
+              <a:rPr lang="it-IT" dirty="0" err="1"/>
+              <a:t>WinController</a:t>
+            </a:r>
+            <a:r>
+              <a:rPr lang="it-IT" dirty="0"/>
+              <a:t>, </a:t>
+            </a:r>
+            <a:r>
+              <a:rPr lang="it-IT" dirty="0" err="1"/>
+              <a:t>which</a:t>
+            </a:r>
+            <a:r>
+              <a:rPr lang="it-IT" dirty="0"/>
+              <a:t> checks for </a:t>
+            </a:r>
+            <a:r>
+              <a:rPr lang="it-IT" dirty="0" err="1"/>
+              <a:t>victory</a:t>
+            </a:r>
+            <a:r>
+              <a:rPr lang="it-IT" dirty="0"/>
+              <a:t> </a:t>
+            </a:r>
+            <a:r>
+              <a:rPr lang="it-IT" dirty="0" err="1"/>
+              <a:t>at</a:t>
+            </a:r>
+            <a:r>
+              <a:rPr lang="it-IT" dirty="0"/>
+              <a:t> the end of </a:t>
+            </a:r>
+            <a:r>
+              <a:rPr lang="it-IT" dirty="0" err="1"/>
+              <a:t>each</a:t>
+            </a:r>
+            <a:r>
+              <a:rPr lang="it-IT" dirty="0"/>
+              <a:t> turn, </a:t>
+            </a:r>
+            <a:r>
+              <a:rPr lang="it-IT" dirty="0" err="1"/>
+              <a:t>was</a:t>
+            </a:r>
+            <a:r>
+              <a:rPr lang="it-IT" dirty="0"/>
+              <a:t> </a:t>
+            </a:r>
+            <a:r>
+              <a:rPr lang="it-IT" dirty="0" err="1"/>
+              <a:t>implemented</a:t>
+            </a:r>
+            <a:r>
+              <a:rPr lang="it-IT" dirty="0"/>
+              <a:t> by Rodolfo </a:t>
+            </a:r>
+            <a:r>
+              <a:rPr lang="it-IT" dirty="0" err="1"/>
+              <a:t>Tolloi</a:t>
+            </a:r>
+            <a:r>
+              <a:rPr lang="it-IT" dirty="0"/>
+              <a:t>. </a:t>
+            </a:r>
+            <a:r>
+              <a:rPr lang="it-IT" dirty="0" err="1"/>
+              <a:t>Before</a:t>
+            </a:r>
+            <a:r>
+              <a:rPr lang="it-IT" dirty="0"/>
+              <a:t> </a:t>
+            </a:r>
+            <a:r>
+              <a:rPr lang="it-IT" dirty="0" err="1"/>
+              <a:t>creating</a:t>
+            </a:r>
+            <a:r>
+              <a:rPr lang="it-IT" dirty="0"/>
+              <a:t> the </a:t>
+            </a:r>
+            <a:r>
+              <a:rPr lang="it-IT" dirty="0" err="1"/>
+              <a:t>graph</a:t>
+            </a:r>
+            <a:r>
+              <a:rPr lang="it-IT" dirty="0"/>
+              <a:t> to check </a:t>
+            </a:r>
+            <a:r>
+              <a:rPr lang="it-IT" dirty="0" err="1"/>
+              <a:t>if</a:t>
+            </a:r>
+            <a:r>
+              <a:rPr lang="it-IT" dirty="0"/>
+              <a:t> the player won, some </a:t>
+            </a:r>
+            <a:r>
+              <a:rPr lang="it-IT" dirty="0" err="1"/>
+              <a:t>simpler</a:t>
+            </a:r>
+            <a:r>
+              <a:rPr lang="it-IT" dirty="0"/>
+              <a:t> </a:t>
+            </a:r>
+            <a:r>
+              <a:rPr lang="it-IT" dirty="0" err="1"/>
+              <a:t>but</a:t>
+            </a:r>
+            <a:r>
+              <a:rPr lang="it-IT" dirty="0"/>
+              <a:t> </a:t>
+            </a:r>
+            <a:r>
+              <a:rPr lang="it-IT" dirty="0" err="1"/>
+              <a:t>necessary</a:t>
+            </a:r>
+            <a:r>
+              <a:rPr lang="it-IT" dirty="0"/>
+              <a:t> </a:t>
+            </a:r>
+            <a:r>
+              <a:rPr lang="it-IT" dirty="0" err="1"/>
+              <a:t>conditions</a:t>
+            </a:r>
+            <a:r>
+              <a:rPr lang="it-IT" dirty="0"/>
+              <a:t> are </a:t>
+            </a:r>
+            <a:r>
+              <a:rPr lang="it-IT" dirty="0" err="1"/>
+              <a:t>evaluated</a:t>
+            </a:r>
+            <a:r>
+              <a:rPr lang="it-IT" dirty="0"/>
+              <a:t>:</a:t>
+            </a:r>
+          </a:p>
+          <a:p>
+            <a:r>
+              <a:rPr lang="it-IT" dirty="0" err="1"/>
+              <a:t>Is</a:t>
+            </a:r>
+            <a:r>
+              <a:rPr lang="it-IT" dirty="0"/>
+              <a:t> </a:t>
+            </a:r>
+            <a:r>
+              <a:rPr lang="it-IT" dirty="0" err="1"/>
+              <a:t>there</a:t>
+            </a:r>
+            <a:r>
+              <a:rPr lang="it-IT" dirty="0"/>
+              <a:t> a </a:t>
+            </a:r>
+            <a:r>
+              <a:rPr lang="it-IT" dirty="0" err="1"/>
+              <a:t>sufficient</a:t>
+            </a:r>
+            <a:r>
+              <a:rPr lang="it-IT" dirty="0"/>
+              <a:t> </a:t>
+            </a:r>
+            <a:r>
+              <a:rPr lang="it-IT" dirty="0" err="1"/>
+              <a:t>number</a:t>
+            </a:r>
+            <a:r>
+              <a:rPr lang="it-IT" dirty="0"/>
+              <a:t> of white/black </a:t>
+            </a:r>
+            <a:r>
+              <a:rPr lang="it-IT" dirty="0" err="1"/>
+              <a:t>pieces</a:t>
+            </a:r>
+            <a:r>
+              <a:rPr lang="it-IT" dirty="0"/>
+              <a:t> on the board to </a:t>
+            </a:r>
+            <a:r>
+              <a:rPr lang="it-IT" dirty="0" err="1"/>
+              <a:t>win</a:t>
+            </a:r>
+            <a:r>
+              <a:rPr lang="it-IT" dirty="0"/>
+              <a:t>?</a:t>
+            </a:r>
+          </a:p>
+          <a:p>
+            <a:r>
+              <a:rPr lang="it-IT" dirty="0" err="1"/>
+              <a:t>Is</a:t>
+            </a:r>
+            <a:r>
+              <a:rPr lang="it-IT" dirty="0"/>
+              <a:t> </a:t>
+            </a:r>
+            <a:r>
+              <a:rPr lang="it-IT" dirty="0" err="1"/>
+              <a:t>there</a:t>
+            </a:r>
+            <a:r>
+              <a:rPr lang="it-IT" dirty="0"/>
+              <a:t> </a:t>
+            </a:r>
+            <a:r>
+              <a:rPr lang="it-IT" dirty="0" err="1"/>
+              <a:t>at</a:t>
+            </a:r>
+            <a:r>
+              <a:rPr lang="it-IT" dirty="0"/>
+              <a:t> </a:t>
+            </a:r>
+            <a:r>
+              <a:rPr lang="it-IT" dirty="0" err="1"/>
+              <a:t>least</a:t>
+            </a:r>
+            <a:r>
+              <a:rPr lang="it-IT" dirty="0"/>
+              <a:t> a </a:t>
+            </a:r>
+            <a:r>
+              <a:rPr lang="it-IT" dirty="0" err="1"/>
+              <a:t>piece</a:t>
+            </a:r>
+            <a:r>
+              <a:rPr lang="it-IT" dirty="0"/>
+              <a:t> of the player </a:t>
+            </a:r>
+            <a:r>
+              <a:rPr lang="it-IT" dirty="0" err="1"/>
+              <a:t>colour</a:t>
+            </a:r>
+            <a:r>
+              <a:rPr lang="it-IT" dirty="0"/>
+              <a:t> for </a:t>
+            </a:r>
+            <a:r>
+              <a:rPr lang="it-IT" dirty="0" err="1"/>
+              <a:t>each</a:t>
+            </a:r>
+            <a:r>
+              <a:rPr lang="it-IT" dirty="0"/>
+              <a:t> </a:t>
+            </a:r>
+            <a:r>
+              <a:rPr lang="it-IT" dirty="0" err="1"/>
+              <a:t>row</a:t>
+            </a:r>
+            <a:r>
+              <a:rPr lang="it-IT" dirty="0"/>
+              <a:t>/</a:t>
+            </a:r>
+            <a:r>
+              <a:rPr lang="it-IT" dirty="0" err="1"/>
+              <a:t>column</a:t>
+            </a:r>
+            <a:r>
+              <a:rPr lang="it-IT" dirty="0"/>
+              <a:t> index?</a:t>
+            </a:r>
+          </a:p>
+        </p:txBody>
+      </p:sp>
+      <p:pic>
+        <p:nvPicPr>
+          <p:cNvPr id="7" name="Immagine 6" descr="Immagine che contiene testo&#10;&#10;Descrizione generata automaticamente">
+            <a:extLst>
+              <a:ext uri="{FF2B5EF4-FFF2-40B4-BE49-F238E27FC236}">
+                <a16:creationId xmlns:a16="http://schemas.microsoft.com/office/drawing/2014/main" id="{A790D0CA-6DD2-9D2B-B2C4-C1D74197CF44}"/>
+              </a:ext>
+            </a:extLst>
+          </p:cNvPr>
+          <p:cNvPicPr>
+            <a:picLocks noChangeAspect="1"/>
+          </p:cNvPicPr>
+          <p:nvPr/>
+        </p:nvPicPr>
+        <p:blipFill>
+          <a:blip r:embed="rId2">
+            <a:extLst>
+              <a:ext uri="{28A0092B-C50C-407E-A947-70E740481C1C}">
+                <a14:useLocalDpi xmlns:a14="http://schemas.microsoft.com/office/drawing/2010/main" val="0"/>
+              </a:ext>
+            </a:extLst>
+          </a:blip>
+          <a:stretch>
+            <a:fillRect/>
+          </a:stretch>
+        </p:blipFill>
+        <p:spPr>
+          <a:xfrm>
+            <a:off x="9238751" y="5450896"/>
+            <a:ext cx="2372056" cy="704948"/>
+          </a:xfrm>
+          <a:prstGeom prst="rect">
+            <a:avLst/>
+          </a:prstGeom>
+        </p:spPr>
+      </p:pic>
+    </p:spTree>
+    <p:extLst>
+      <p:ext uri="{BB962C8B-B14F-4D97-AF65-F5344CB8AC3E}">
+        <p14:creationId xmlns:p14="http://schemas.microsoft.com/office/powerpoint/2010/main" val="1058795875"/>
+      </p:ext>
+    </p:extLst>
+  </p:cSld>
+  <p:clrMapOvr>
+    <a:masterClrMapping/>
+  </p:clrMapOvr>
+</p:sld>
+</file>
+
+<file path=ppt/slides/slide13.xml><?xml version="1.0" encoding="utf-8"?>
+<p:sld xmlns:a="http://schemas.openxmlformats.org/drawingml/2006/main" xmlns:r="http://schemas.openxmlformats.org/officeDocument/2006/relationships" xmlns:p="http://schemas.openxmlformats.org/presentationml/2006/main">
+  <p:cSld>
+    <p:spTree>
+      <p:nvGrpSpPr>
+        <p:cNvPr id="1" name=""/>
+        <p:cNvGrpSpPr/>
+        <p:nvPr/>
+      </p:nvGrpSpPr>
+      <p:grpSpPr>
+        <a:xfrm>
+          <a:off x="0" y="0"/>
+          <a:ext cx="0" cy="0"/>
+          <a:chOff x="0" y="0"/>
+          <a:chExt cx="0" cy="0"/>
+        </a:xfrm>
+      </p:grpSpPr>
+      <p:sp>
+        <p:nvSpPr>
+          <p:cNvPr id="9" name="Rettangolo 8">
+            <a:extLst>
+              <a:ext uri="{FF2B5EF4-FFF2-40B4-BE49-F238E27FC236}">
+                <a16:creationId xmlns:a16="http://schemas.microsoft.com/office/drawing/2014/main" id="{AB987EDB-54C5-0785-DDEC-F4009ACC2FC9}"/>
+              </a:ext>
+            </a:extLst>
+          </p:cNvPr>
+          <p:cNvSpPr/>
+          <p:nvPr/>
+        </p:nvSpPr>
+        <p:spPr>
+          <a:xfrm>
+            <a:off x="3876588" y="5333527"/>
+            <a:ext cx="4286423" cy="844422"/>
+          </a:xfrm>
+          <a:prstGeom prst="rect">
+            <a:avLst/>
+          </a:prstGeom>
+        </p:spPr>
+        <p:style>
+          <a:lnRef idx="2">
+            <a:schemeClr val="accent1">
+              <a:shade val="50000"/>
+            </a:schemeClr>
+          </a:lnRef>
+          <a:fillRef idx="1">
+            <a:schemeClr val="accent1"/>
+          </a:fillRef>
+          <a:effectRef idx="0">
+            <a:schemeClr val="accent1"/>
+          </a:effectRef>
+          <a:fontRef idx="minor">
+            <a:schemeClr val="lt1"/>
+          </a:fontRef>
+        </p:style>
+        <p:txBody>
+          <a:bodyPr rtlCol="0" anchor="ctr"/>
+          <a:lstStyle/>
+          <a:p>
+            <a:pPr algn="ctr"/>
+            <a:endParaRPr lang="it-IT"/>
+          </a:p>
+        </p:txBody>
+      </p:sp>
+      <p:sp>
+        <p:nvSpPr>
+          <p:cNvPr id="6" name="Rettangolo 5">
+            <a:extLst>
+              <a:ext uri="{FF2B5EF4-FFF2-40B4-BE49-F238E27FC236}">
+                <a16:creationId xmlns:a16="http://schemas.microsoft.com/office/drawing/2014/main" id="{148536B3-6BFD-3413-8F4E-63AA56E3D2AE}"/>
+              </a:ext>
+            </a:extLst>
+          </p:cNvPr>
+          <p:cNvSpPr/>
+          <p:nvPr/>
+        </p:nvSpPr>
+        <p:spPr>
+          <a:xfrm>
+            <a:off x="8648700" y="5286375"/>
+            <a:ext cx="3048000" cy="952500"/>
+          </a:xfrm>
+          <a:prstGeom prst="rect">
+            <a:avLst/>
+          </a:prstGeom>
+        </p:spPr>
+        <p:style>
+          <a:lnRef idx="2">
+            <a:schemeClr val="accent1">
+              <a:shade val="50000"/>
+            </a:schemeClr>
+          </a:lnRef>
+          <a:fillRef idx="1">
+            <a:schemeClr val="accent1"/>
+          </a:fillRef>
+          <a:effectRef idx="0">
+            <a:schemeClr val="accent1"/>
+          </a:effectRef>
+          <a:fontRef idx="minor">
+            <a:schemeClr val="lt1"/>
+          </a:fontRef>
+        </p:style>
+        <p:txBody>
+          <a:bodyPr rtlCol="0" anchor="ctr"/>
+          <a:lstStyle/>
+          <a:p>
+            <a:pPr algn="ctr"/>
+            <a:endParaRPr lang="it-IT"/>
+          </a:p>
+        </p:txBody>
+      </p:sp>
+      <p:sp>
+        <p:nvSpPr>
+          <p:cNvPr id="2" name="Titolo 1">
+            <a:extLst>
+              <a:ext uri="{FF2B5EF4-FFF2-40B4-BE49-F238E27FC236}">
+                <a16:creationId xmlns:a16="http://schemas.microsoft.com/office/drawing/2014/main" id="{AE232108-9D0C-495B-3BAC-846B92DA211F}"/>
+              </a:ext>
+            </a:extLst>
+          </p:cNvPr>
+          <p:cNvSpPr>
+            <a:spLocks noGrp="1"/>
+          </p:cNvSpPr>
+          <p:nvPr>
+            <p:ph type="title"/>
+          </p:nvPr>
+        </p:nvSpPr>
+        <p:spPr/>
+        <p:txBody>
+          <a:bodyPr/>
+          <a:lstStyle/>
+          <a:p>
+            <a:r>
+              <a:rPr lang="it-IT" dirty="0"/>
+              <a:t>NEW ELEMENTS: THE PLAYER CLASS AND THE STARTING GUI</a:t>
+            </a:r>
+          </a:p>
+        </p:txBody>
+      </p:sp>
+      <p:sp>
+        <p:nvSpPr>
+          <p:cNvPr id="3" name="Segnaposto contenuto 2">
+            <a:extLst>
+              <a:ext uri="{FF2B5EF4-FFF2-40B4-BE49-F238E27FC236}">
+                <a16:creationId xmlns:a16="http://schemas.microsoft.com/office/drawing/2014/main" id="{A7780F2C-27BE-C051-069D-DBC9C3BD2640}"/>
+              </a:ext>
+            </a:extLst>
+          </p:cNvPr>
+          <p:cNvSpPr>
+            <a:spLocks noGrp="1"/>
+          </p:cNvSpPr>
+          <p:nvPr>
+            <p:ph idx="1"/>
+          </p:nvPr>
+        </p:nvSpPr>
+        <p:spPr/>
+        <p:txBody>
+          <a:bodyPr/>
+          <a:lstStyle/>
+          <a:p>
+            <a:pPr marL="0" indent="0">
+              <a:buNone/>
+            </a:pPr>
+            <a:r>
+              <a:rPr lang="it-IT" dirty="0"/>
+              <a:t>At </a:t>
+            </a:r>
+            <a:r>
+              <a:rPr lang="it-IT" dirty="0" err="1"/>
+              <a:t>this</a:t>
+            </a:r>
+            <a:r>
+              <a:rPr lang="it-IT" dirty="0"/>
+              <a:t> point </a:t>
+            </a:r>
+            <a:r>
+              <a:rPr lang="it-IT" dirty="0" err="1"/>
+              <a:t>we</a:t>
+            </a:r>
+            <a:r>
+              <a:rPr lang="it-IT" dirty="0"/>
+              <a:t> </a:t>
+            </a:r>
+            <a:r>
+              <a:rPr lang="it-IT" dirty="0" err="1"/>
+              <a:t>decided</a:t>
+            </a:r>
+            <a:r>
+              <a:rPr lang="it-IT" dirty="0"/>
+              <a:t> </a:t>
+            </a:r>
+            <a:r>
+              <a:rPr lang="it-IT" dirty="0" err="1"/>
+              <a:t>that</a:t>
+            </a:r>
+            <a:r>
+              <a:rPr lang="it-IT" dirty="0"/>
+              <a:t> </a:t>
+            </a:r>
+            <a:r>
+              <a:rPr lang="it-IT" dirty="0" err="1"/>
+              <a:t>it</a:t>
+            </a:r>
+            <a:r>
+              <a:rPr lang="it-IT" dirty="0"/>
+              <a:t> </a:t>
+            </a:r>
+            <a:r>
+              <a:rPr lang="it-IT" dirty="0" err="1"/>
+              <a:t>would</a:t>
+            </a:r>
+            <a:r>
+              <a:rPr lang="it-IT" dirty="0"/>
+              <a:t> be </a:t>
+            </a:r>
+            <a:r>
+              <a:rPr lang="it-IT" dirty="0" err="1"/>
+              <a:t>nice</a:t>
+            </a:r>
+            <a:r>
+              <a:rPr lang="it-IT" dirty="0"/>
+              <a:t> to </a:t>
+            </a:r>
+            <a:r>
+              <a:rPr lang="it-IT" dirty="0" err="1"/>
+              <a:t>have</a:t>
+            </a:r>
+            <a:r>
+              <a:rPr lang="it-IT" dirty="0"/>
+              <a:t> the name of the players on the GUI, so </a:t>
+            </a:r>
+            <a:r>
+              <a:rPr lang="it-IT" dirty="0" err="1"/>
+              <a:t>that</a:t>
+            </a:r>
+            <a:r>
+              <a:rPr lang="it-IT" dirty="0"/>
+              <a:t> </a:t>
+            </a:r>
+            <a:r>
+              <a:rPr lang="it-IT" dirty="0" err="1"/>
+              <a:t>when</a:t>
+            </a:r>
+            <a:r>
+              <a:rPr lang="it-IT" dirty="0"/>
+              <a:t> one of </a:t>
+            </a:r>
+            <a:r>
+              <a:rPr lang="it-IT" dirty="0" err="1"/>
+              <a:t>them</a:t>
+            </a:r>
+            <a:r>
+              <a:rPr lang="it-IT" dirty="0"/>
+              <a:t> </a:t>
+            </a:r>
+            <a:r>
+              <a:rPr lang="it-IT" dirty="0" err="1"/>
+              <a:t>wins</a:t>
+            </a:r>
+            <a:r>
+              <a:rPr lang="it-IT" dirty="0"/>
+              <a:t>, a </a:t>
+            </a:r>
+            <a:r>
+              <a:rPr lang="it-IT" dirty="0" err="1"/>
+              <a:t>congratulations</a:t>
+            </a:r>
+            <a:r>
+              <a:rPr lang="it-IT" dirty="0"/>
+              <a:t> </a:t>
+            </a:r>
+            <a:r>
+              <a:rPr lang="it-IT" dirty="0" err="1"/>
+              <a:t>message</a:t>
+            </a:r>
+            <a:r>
+              <a:rPr lang="it-IT" dirty="0"/>
+              <a:t> </a:t>
+            </a:r>
+            <a:r>
+              <a:rPr lang="it-IT" dirty="0" err="1"/>
+              <a:t>will</a:t>
+            </a:r>
+            <a:r>
+              <a:rPr lang="it-IT" dirty="0"/>
+              <a:t> </a:t>
+            </a:r>
+            <a:r>
+              <a:rPr lang="it-IT" dirty="0" err="1"/>
+              <a:t>appear</a:t>
+            </a:r>
+            <a:r>
+              <a:rPr lang="it-IT" dirty="0"/>
+              <a:t>. </a:t>
+            </a:r>
+            <a:r>
+              <a:rPr lang="it-IT" dirty="0" err="1"/>
+              <a:t>This</a:t>
+            </a:r>
+            <a:r>
+              <a:rPr lang="it-IT" dirty="0"/>
+              <a:t> «end of the game» panel, </a:t>
+            </a:r>
+            <a:r>
+              <a:rPr lang="it-IT" dirty="0" err="1"/>
+              <a:t>was</a:t>
+            </a:r>
+            <a:r>
+              <a:rPr lang="it-IT" dirty="0"/>
+              <a:t> </a:t>
+            </a:r>
+            <a:r>
+              <a:rPr lang="it-IT" dirty="0" err="1"/>
+              <a:t>implemented</a:t>
+            </a:r>
+            <a:r>
+              <a:rPr lang="it-IT" dirty="0"/>
+              <a:t> by Rodolfo </a:t>
+            </a:r>
+            <a:r>
+              <a:rPr lang="it-IT" dirty="0" err="1"/>
+              <a:t>Tolloi</a:t>
+            </a:r>
+            <a:r>
+              <a:rPr lang="it-IT" dirty="0"/>
+              <a:t>.</a:t>
+            </a:r>
+          </a:p>
+          <a:p>
+            <a:pPr marL="0" indent="0">
+              <a:buNone/>
+            </a:pPr>
+            <a:r>
+              <a:rPr lang="it-IT" dirty="0" err="1"/>
+              <a:t>This</a:t>
+            </a:r>
+            <a:r>
+              <a:rPr lang="it-IT" dirty="0"/>
+              <a:t> </a:t>
+            </a:r>
+            <a:r>
+              <a:rPr lang="it-IT" dirty="0" err="1"/>
+              <a:t>decision</a:t>
+            </a:r>
+            <a:r>
+              <a:rPr lang="it-IT" dirty="0"/>
+              <a:t> lead to the </a:t>
+            </a:r>
+            <a:r>
+              <a:rPr lang="it-IT" dirty="0" err="1"/>
+              <a:t>addition</a:t>
+            </a:r>
+            <a:r>
+              <a:rPr lang="it-IT" dirty="0"/>
+              <a:t> of the </a:t>
+            </a:r>
+            <a:r>
+              <a:rPr lang="it-IT" i="1" dirty="0"/>
+              <a:t>Player </a:t>
+            </a:r>
+            <a:r>
+              <a:rPr lang="it-IT" dirty="0"/>
+              <a:t>class </a:t>
+            </a:r>
+            <a:r>
+              <a:rPr lang="it-IT" dirty="0" err="1"/>
+              <a:t>implemented</a:t>
+            </a:r>
+            <a:r>
+              <a:rPr lang="it-IT" dirty="0"/>
+              <a:t> by Marianna Corsano and of the </a:t>
+            </a:r>
+            <a:r>
+              <a:rPr lang="it-IT" i="1" dirty="0" err="1"/>
+              <a:t>StartingGui</a:t>
+            </a:r>
+            <a:r>
+              <a:rPr lang="it-IT" i="1" dirty="0"/>
+              <a:t> </a:t>
+            </a:r>
+            <a:r>
+              <a:rPr lang="it-IT" dirty="0"/>
+              <a:t>class, </a:t>
+            </a:r>
+            <a:r>
+              <a:rPr lang="it-IT" dirty="0" err="1"/>
+              <a:t>implemented</a:t>
+            </a:r>
+            <a:r>
+              <a:rPr lang="it-IT" dirty="0"/>
+              <a:t> by Rodolfo </a:t>
+            </a:r>
+            <a:r>
+              <a:rPr lang="it-IT" dirty="0" err="1"/>
+              <a:t>Tolloi</a:t>
+            </a:r>
+            <a:r>
+              <a:rPr lang="it-IT" dirty="0"/>
+              <a:t>.</a:t>
+            </a:r>
+          </a:p>
+          <a:p>
+            <a:pPr marL="0" indent="0">
+              <a:buNone/>
+            </a:pPr>
+            <a:r>
+              <a:rPr lang="it-IT" dirty="0" err="1"/>
+              <a:t>This</a:t>
+            </a:r>
+            <a:r>
+              <a:rPr lang="it-IT" dirty="0"/>
+              <a:t> GUI </a:t>
+            </a:r>
+            <a:r>
+              <a:rPr lang="it-IT" dirty="0" err="1"/>
+              <a:t>asks</a:t>
+            </a:r>
+            <a:r>
+              <a:rPr lang="it-IT" dirty="0"/>
+              <a:t> the users to </a:t>
+            </a:r>
+            <a:r>
+              <a:rPr lang="it-IT" dirty="0" err="1"/>
+              <a:t>insert</a:t>
+            </a:r>
+            <a:r>
+              <a:rPr lang="it-IT" dirty="0"/>
+              <a:t> </a:t>
+            </a:r>
+            <a:r>
+              <a:rPr lang="it-IT" dirty="0" err="1"/>
+              <a:t>their</a:t>
+            </a:r>
+            <a:r>
+              <a:rPr lang="it-IT" dirty="0"/>
+              <a:t> name </a:t>
+            </a:r>
+            <a:r>
+              <a:rPr lang="it-IT" dirty="0" err="1"/>
+              <a:t>before</a:t>
+            </a:r>
+            <a:r>
+              <a:rPr lang="it-IT" dirty="0"/>
+              <a:t> playing.</a:t>
+            </a:r>
+          </a:p>
+        </p:txBody>
+      </p:sp>
+      <p:pic>
+        <p:nvPicPr>
+          <p:cNvPr id="5" name="Immagine 4" descr="Immagine che contiene testo&#10;&#10;Descrizione generata automaticamente">
+            <a:extLst>
+              <a:ext uri="{FF2B5EF4-FFF2-40B4-BE49-F238E27FC236}">
+                <a16:creationId xmlns:a16="http://schemas.microsoft.com/office/drawing/2014/main" id="{031531F9-06B5-DEA9-55D8-29E28F47F646}"/>
+              </a:ext>
+            </a:extLst>
+          </p:cNvPr>
+          <p:cNvPicPr>
+            <a:picLocks noChangeAspect="1"/>
+          </p:cNvPicPr>
+          <p:nvPr/>
+        </p:nvPicPr>
+        <p:blipFill>
+          <a:blip r:embed="rId2">
+            <a:extLst>
+              <a:ext uri="{28A0092B-C50C-407E-A947-70E740481C1C}">
+                <a14:useLocalDpi xmlns:a14="http://schemas.microsoft.com/office/drawing/2010/main" val="0"/>
+              </a:ext>
+            </a:extLst>
+          </a:blip>
+          <a:stretch>
+            <a:fillRect/>
+          </a:stretch>
+        </p:blipFill>
+        <p:spPr>
+          <a:xfrm>
+            <a:off x="8733856" y="5355632"/>
+            <a:ext cx="2876951" cy="800212"/>
+          </a:xfrm>
+          <a:prstGeom prst="rect">
+            <a:avLst/>
+          </a:prstGeom>
+        </p:spPr>
+      </p:pic>
+      <p:pic>
+        <p:nvPicPr>
+          <p:cNvPr id="8" name="Immagine 7" descr="Immagine che contiene testo&#10;&#10;Descrizione generata automaticamente">
+            <a:extLst>
+              <a:ext uri="{FF2B5EF4-FFF2-40B4-BE49-F238E27FC236}">
+                <a16:creationId xmlns:a16="http://schemas.microsoft.com/office/drawing/2014/main" id="{987D112B-3852-75E0-3FA1-704A2B2DD2FC}"/>
+              </a:ext>
+            </a:extLst>
+          </p:cNvPr>
+          <p:cNvPicPr>
+            <a:picLocks noChangeAspect="1"/>
+          </p:cNvPicPr>
+          <p:nvPr/>
+        </p:nvPicPr>
+        <p:blipFill>
+          <a:blip r:embed="rId3">
+            <a:extLst>
+              <a:ext uri="{28A0092B-C50C-407E-A947-70E740481C1C}">
+                <a14:useLocalDpi xmlns:a14="http://schemas.microsoft.com/office/drawing/2010/main" val="0"/>
+              </a:ext>
+            </a:extLst>
+          </a:blip>
+          <a:stretch>
+            <a:fillRect/>
+          </a:stretch>
+        </p:blipFill>
+        <p:spPr>
+          <a:xfrm>
+            <a:off x="3962113" y="5419677"/>
+            <a:ext cx="4115374" cy="685896"/>
+          </a:xfrm>
+          <a:prstGeom prst="rect">
+            <a:avLst/>
+          </a:prstGeom>
+        </p:spPr>
+      </p:pic>
+    </p:spTree>
+    <p:extLst>
+      <p:ext uri="{BB962C8B-B14F-4D97-AF65-F5344CB8AC3E}">
+        <p14:creationId xmlns:p14="http://schemas.microsoft.com/office/powerpoint/2010/main" val="2780370809"/>
+      </p:ext>
+    </p:extLst>
+  </p:cSld>
+  <p:clrMapOvr>
+    <a:masterClrMapping/>
+  </p:clrMapOvr>
+</p:sld>
+</file>
+
+<file path=ppt/slides/slide14.xml><?xml version="1.0" encoding="utf-8"?>
+<p:sld xmlns:a="http://schemas.openxmlformats.org/drawingml/2006/main" xmlns:r="http://schemas.openxmlformats.org/officeDocument/2006/relationships" xmlns:p="http://schemas.openxmlformats.org/presentationml/2006/main">
+  <p:cSld>
+    <p:spTree>
+      <p:nvGrpSpPr>
+        <p:cNvPr id="1" name=""/>
+        <p:cNvGrpSpPr/>
+        <p:nvPr/>
+      </p:nvGrpSpPr>
+      <p:grpSpPr>
+        <a:xfrm>
+          <a:off x="0" y="0"/>
+          <a:ext cx="0" cy="0"/>
+          <a:chOff x="0" y="0"/>
+          <a:chExt cx="0" cy="0"/>
+        </a:xfrm>
+      </p:grpSpPr>
+      <p:sp>
+        <p:nvSpPr>
+          <p:cNvPr id="6" name="Rettangolo 5">
+            <a:extLst>
+              <a:ext uri="{FF2B5EF4-FFF2-40B4-BE49-F238E27FC236}">
+                <a16:creationId xmlns:a16="http://schemas.microsoft.com/office/drawing/2014/main" id="{95C18A7D-9EC8-EED0-34D4-EB9D11153C05}"/>
+              </a:ext>
+            </a:extLst>
+          </p:cNvPr>
+          <p:cNvSpPr/>
+          <p:nvPr/>
+        </p:nvSpPr>
+        <p:spPr>
+          <a:xfrm>
+            <a:off x="8305632" y="1890876"/>
+            <a:ext cx="3305175" cy="844422"/>
+          </a:xfrm>
+          <a:prstGeom prst="rect">
+            <a:avLst/>
+          </a:prstGeom>
+        </p:spPr>
+        <p:style>
+          <a:lnRef idx="2">
+            <a:schemeClr val="accent1">
+              <a:shade val="50000"/>
+            </a:schemeClr>
+          </a:lnRef>
+          <a:fillRef idx="1">
+            <a:schemeClr val="accent1"/>
+          </a:fillRef>
+          <a:effectRef idx="0">
+            <a:schemeClr val="accent1"/>
+          </a:effectRef>
+          <a:fontRef idx="minor">
+            <a:schemeClr val="lt1"/>
+          </a:fontRef>
+        </p:style>
+        <p:txBody>
+          <a:bodyPr rtlCol="0" anchor="ctr"/>
+          <a:lstStyle/>
+          <a:p>
+            <a:pPr algn="ctr"/>
+            <a:endParaRPr lang="it-IT"/>
+          </a:p>
+        </p:txBody>
+      </p:sp>
+      <p:sp>
+        <p:nvSpPr>
+          <p:cNvPr id="2" name="Titolo 1">
+            <a:extLst>
+              <a:ext uri="{FF2B5EF4-FFF2-40B4-BE49-F238E27FC236}">
+                <a16:creationId xmlns:a16="http://schemas.microsoft.com/office/drawing/2014/main" id="{954E8FBA-B512-7929-0736-1E58E54F3405}"/>
+              </a:ext>
+            </a:extLst>
+          </p:cNvPr>
+          <p:cNvSpPr>
+            <a:spLocks noGrp="1"/>
+          </p:cNvSpPr>
+          <p:nvPr>
+            <p:ph type="title"/>
+          </p:nvPr>
+        </p:nvSpPr>
+        <p:spPr/>
+        <p:txBody>
+          <a:bodyPr/>
+          <a:lstStyle/>
+          <a:p>
+            <a:r>
+              <a:rPr lang="it-IT" dirty="0"/>
+              <a:t>IMPLEMENTATION OF THE RULES: PIE RULE</a:t>
+            </a:r>
+          </a:p>
+        </p:txBody>
+      </p:sp>
+      <p:sp>
+        <p:nvSpPr>
+          <p:cNvPr id="3" name="Segnaposto contenuto 2">
+            <a:extLst>
+              <a:ext uri="{FF2B5EF4-FFF2-40B4-BE49-F238E27FC236}">
+                <a16:creationId xmlns:a16="http://schemas.microsoft.com/office/drawing/2014/main" id="{2A96113E-FE1F-EB31-54CD-E2FC4D512E26}"/>
+              </a:ext>
+            </a:extLst>
+          </p:cNvPr>
+          <p:cNvSpPr>
+            <a:spLocks noGrp="1"/>
+          </p:cNvSpPr>
+          <p:nvPr>
+            <p:ph idx="1"/>
+          </p:nvPr>
+        </p:nvSpPr>
+        <p:spPr/>
+        <p:txBody>
+          <a:bodyPr/>
+          <a:lstStyle/>
+          <a:p>
+            <a:pPr marL="0" indent="0">
+              <a:buNone/>
+            </a:pPr>
+            <a:r>
+              <a:rPr lang="it-IT" dirty="0"/>
+              <a:t>The pie rule can be </a:t>
+            </a:r>
+            <a:r>
+              <a:rPr lang="it-IT" dirty="0" err="1"/>
+              <a:t>invoked</a:t>
+            </a:r>
+            <a:r>
+              <a:rPr lang="it-IT" dirty="0"/>
+              <a:t> </a:t>
+            </a:r>
+            <a:r>
+              <a:rPr lang="it-IT" dirty="0" err="1"/>
+              <a:t>only</a:t>
+            </a:r>
+            <a:r>
+              <a:rPr lang="it-IT" dirty="0"/>
+              <a:t> once in the game, </a:t>
+            </a:r>
+            <a:r>
+              <a:rPr lang="it-IT" dirty="0" err="1"/>
+              <a:t>that</a:t>
+            </a:r>
+            <a:r>
+              <a:rPr lang="it-IT" dirty="0"/>
+              <a:t> </a:t>
+            </a:r>
+            <a:r>
+              <a:rPr lang="it-IT" dirty="0" err="1"/>
+              <a:t>is</a:t>
+            </a:r>
+            <a:r>
+              <a:rPr lang="it-IT" dirty="0"/>
+              <a:t> on white </a:t>
+            </a:r>
+            <a:r>
+              <a:rPr lang="it-IT" dirty="0" err="1"/>
+              <a:t>player’s</a:t>
+            </a:r>
+            <a:r>
+              <a:rPr lang="it-IT" dirty="0"/>
+              <a:t> first turn. </a:t>
+            </a:r>
+            <a:r>
+              <a:rPr lang="it-IT" dirty="0" err="1"/>
+              <a:t>Therefore</a:t>
+            </a:r>
+            <a:r>
+              <a:rPr lang="it-IT" dirty="0"/>
+              <a:t>, Marianna Corsano </a:t>
+            </a:r>
+            <a:r>
+              <a:rPr lang="it-IT" dirty="0" err="1"/>
+              <a:t>added</a:t>
+            </a:r>
+            <a:r>
+              <a:rPr lang="it-IT" dirty="0"/>
+              <a:t> to the GUI a </a:t>
+            </a:r>
+            <a:r>
+              <a:rPr lang="it-IT" dirty="0" err="1"/>
+              <a:t>button</a:t>
+            </a:r>
+            <a:r>
+              <a:rPr lang="it-IT" dirty="0"/>
+              <a:t> </a:t>
+            </a:r>
+            <a:r>
+              <a:rPr lang="it-IT" dirty="0" err="1"/>
+              <a:t>that</a:t>
+            </a:r>
+            <a:r>
+              <a:rPr lang="it-IT" dirty="0"/>
+              <a:t> </a:t>
+            </a:r>
+            <a:r>
+              <a:rPr lang="it-IT" dirty="0" err="1"/>
+              <a:t>appears</a:t>
+            </a:r>
+            <a:r>
+              <a:rPr lang="it-IT" dirty="0"/>
+              <a:t> </a:t>
+            </a:r>
+            <a:r>
+              <a:rPr lang="it-IT" dirty="0" err="1"/>
+              <a:t>at</a:t>
+            </a:r>
+            <a:r>
+              <a:rPr lang="it-IT" dirty="0"/>
+              <a:t> </a:t>
+            </a:r>
+            <a:r>
+              <a:rPr lang="it-IT" dirty="0" err="1"/>
+              <a:t>such</a:t>
+            </a:r>
+            <a:r>
+              <a:rPr lang="it-IT" dirty="0"/>
+              <a:t> time </a:t>
+            </a:r>
+            <a:r>
+              <a:rPr lang="it-IT" dirty="0" err="1"/>
+              <a:t>which</a:t>
+            </a:r>
+            <a:r>
+              <a:rPr lang="it-IT" dirty="0"/>
+              <a:t>, </a:t>
+            </a:r>
+            <a:r>
+              <a:rPr lang="it-IT" dirty="0" err="1"/>
+              <a:t>if</a:t>
+            </a:r>
+            <a:r>
+              <a:rPr lang="it-IT" dirty="0"/>
+              <a:t> </a:t>
+            </a:r>
+            <a:r>
+              <a:rPr lang="it-IT" dirty="0" err="1"/>
+              <a:t>clicked</a:t>
+            </a:r>
+            <a:r>
+              <a:rPr lang="it-IT" dirty="0"/>
+              <a:t>, </a:t>
+            </a:r>
+            <a:r>
+              <a:rPr lang="it-IT" dirty="0" err="1"/>
+              <a:t>activates</a:t>
+            </a:r>
+            <a:r>
+              <a:rPr lang="it-IT" dirty="0"/>
+              <a:t> the </a:t>
+            </a:r>
+            <a:r>
+              <a:rPr lang="it-IT" dirty="0" err="1"/>
+              <a:t>logic</a:t>
+            </a:r>
+            <a:r>
+              <a:rPr lang="it-IT" dirty="0"/>
+              <a:t> </a:t>
+            </a:r>
+            <a:r>
+              <a:rPr lang="it-IT" dirty="0" err="1"/>
+              <a:t>implemented</a:t>
+            </a:r>
+            <a:r>
+              <a:rPr lang="it-IT" dirty="0"/>
+              <a:t> by Giulia Bernardi, </a:t>
+            </a:r>
+            <a:r>
+              <a:rPr lang="it-IT" dirty="0" err="1"/>
+              <a:t>which</a:t>
+            </a:r>
+            <a:r>
+              <a:rPr lang="it-IT" dirty="0"/>
+              <a:t> </a:t>
+            </a:r>
+            <a:r>
+              <a:rPr lang="it-IT" dirty="0" err="1"/>
+              <a:t>simply</a:t>
+            </a:r>
+            <a:r>
+              <a:rPr lang="it-IT" dirty="0"/>
+              <a:t> switches the </a:t>
+            </a:r>
+            <a:r>
+              <a:rPr lang="it-IT" dirty="0" err="1"/>
+              <a:t>colours</a:t>
+            </a:r>
+            <a:r>
+              <a:rPr lang="it-IT" dirty="0"/>
+              <a:t> of the </a:t>
+            </a:r>
+            <a:r>
+              <a:rPr lang="it-IT" dirty="0" err="1"/>
+              <a:t>two</a:t>
+            </a:r>
+            <a:r>
+              <a:rPr lang="it-IT" dirty="0"/>
+              <a:t> players </a:t>
+            </a:r>
+            <a:r>
+              <a:rPr lang="it-IT" dirty="0" err="1"/>
+              <a:t>proceding</a:t>
+            </a:r>
+            <a:r>
+              <a:rPr lang="it-IT" dirty="0"/>
+              <a:t> with the turns </a:t>
+            </a:r>
+            <a:r>
+              <a:rPr lang="it-IT" dirty="0" err="1"/>
+              <a:t>normally</a:t>
+            </a:r>
+            <a:r>
+              <a:rPr lang="it-IT" dirty="0"/>
+              <a:t>. </a:t>
+            </a:r>
+            <a:r>
+              <a:rPr lang="it-IT" dirty="0" err="1"/>
+              <a:t>If</a:t>
+            </a:r>
+            <a:r>
+              <a:rPr lang="it-IT" dirty="0"/>
+              <a:t> the </a:t>
+            </a:r>
+            <a:r>
+              <a:rPr lang="it-IT" dirty="0" err="1"/>
+              <a:t>button</a:t>
+            </a:r>
+            <a:r>
+              <a:rPr lang="it-IT" dirty="0"/>
+              <a:t> </a:t>
+            </a:r>
+            <a:r>
+              <a:rPr lang="it-IT" dirty="0" err="1"/>
+              <a:t>is</a:t>
+            </a:r>
+            <a:r>
+              <a:rPr lang="it-IT" dirty="0"/>
+              <a:t> </a:t>
+            </a:r>
+            <a:r>
+              <a:rPr lang="it-IT" dirty="0" err="1"/>
+              <a:t>not</a:t>
+            </a:r>
+            <a:r>
+              <a:rPr lang="it-IT" dirty="0"/>
+              <a:t> </a:t>
+            </a:r>
+            <a:r>
+              <a:rPr lang="it-IT" dirty="0" err="1"/>
+              <a:t>clicked</a:t>
+            </a:r>
+            <a:r>
+              <a:rPr lang="it-IT" dirty="0"/>
+              <a:t> and a </a:t>
+            </a:r>
+            <a:r>
+              <a:rPr lang="it-IT" dirty="0" err="1"/>
+              <a:t>piece</a:t>
+            </a:r>
+            <a:r>
+              <a:rPr lang="it-IT" dirty="0"/>
+              <a:t> </a:t>
+            </a:r>
+            <a:r>
+              <a:rPr lang="it-IT" dirty="0" err="1"/>
+              <a:t>is</a:t>
+            </a:r>
+            <a:r>
+              <a:rPr lang="it-IT" dirty="0"/>
+              <a:t> </a:t>
+            </a:r>
+            <a:r>
+              <a:rPr lang="it-IT" dirty="0" err="1"/>
+              <a:t>placed</a:t>
+            </a:r>
+            <a:r>
+              <a:rPr lang="it-IT" dirty="0"/>
+              <a:t> </a:t>
+            </a:r>
+            <a:r>
+              <a:rPr lang="it-IT" dirty="0" err="1"/>
+              <a:t>instead</a:t>
+            </a:r>
+            <a:r>
+              <a:rPr lang="it-IT" dirty="0"/>
+              <a:t>, </a:t>
+            </a:r>
+            <a:r>
+              <a:rPr lang="it-IT" dirty="0" err="1"/>
+              <a:t>it</a:t>
+            </a:r>
+            <a:r>
+              <a:rPr lang="it-IT" dirty="0"/>
+              <a:t> </a:t>
+            </a:r>
+            <a:r>
+              <a:rPr lang="it-IT" dirty="0" err="1"/>
+              <a:t>disappears</a:t>
+            </a:r>
+            <a:r>
+              <a:rPr lang="it-IT" dirty="0"/>
+              <a:t>.</a:t>
+            </a:r>
+          </a:p>
+        </p:txBody>
+      </p:sp>
+      <p:pic>
+        <p:nvPicPr>
+          <p:cNvPr id="5" name="Immagine 4" descr="Immagine che contiene testo&#10;&#10;Descrizione generata automaticamente">
+            <a:extLst>
+              <a:ext uri="{FF2B5EF4-FFF2-40B4-BE49-F238E27FC236}">
+                <a16:creationId xmlns:a16="http://schemas.microsoft.com/office/drawing/2014/main" id="{74804485-702C-50D2-10FD-2FACD1B2BC69}"/>
+              </a:ext>
+            </a:extLst>
+          </p:cNvPr>
+          <p:cNvPicPr>
+            <a:picLocks noChangeAspect="1"/>
+          </p:cNvPicPr>
+          <p:nvPr/>
+        </p:nvPicPr>
+        <p:blipFill>
+          <a:blip r:embed="rId2">
+            <a:extLst>
+              <a:ext uri="{28A0092B-C50C-407E-A947-70E740481C1C}">
+                <a14:useLocalDpi xmlns:a14="http://schemas.microsoft.com/office/drawing/2010/main" val="0"/>
+              </a:ext>
+            </a:extLst>
+          </a:blip>
+          <a:stretch>
+            <a:fillRect/>
+          </a:stretch>
+        </p:blipFill>
+        <p:spPr>
+          <a:xfrm>
+            <a:off x="8381224" y="1941560"/>
+            <a:ext cx="3153215" cy="743054"/>
+          </a:xfrm>
+          <a:prstGeom prst="rect">
+            <a:avLst/>
+          </a:prstGeom>
+        </p:spPr>
+      </p:pic>
+    </p:spTree>
+    <p:extLst>
+      <p:ext uri="{BB962C8B-B14F-4D97-AF65-F5344CB8AC3E}">
+        <p14:creationId xmlns:p14="http://schemas.microsoft.com/office/powerpoint/2010/main" val="1675287482"/>
+      </p:ext>
+    </p:extLst>
+  </p:cSld>
+  <p:clrMapOvr>
+    <a:masterClrMapping/>
+  </p:clrMapOvr>
+</p:sld>
+</file>
+
+<file path=ppt/slides/slide15.xml><?xml version="1.0" encoding="utf-8"?>
+<p:sld xmlns:a="http://schemas.openxmlformats.org/drawingml/2006/main" xmlns:r="http://schemas.openxmlformats.org/officeDocument/2006/relationships" xmlns:p="http://schemas.openxmlformats.org/presentationml/2006/main">
+  <p:cSld>
+    <p:spTree>
+      <p:nvGrpSpPr>
+        <p:cNvPr id="1" name=""/>
+        <p:cNvGrpSpPr/>
+        <p:nvPr/>
+      </p:nvGrpSpPr>
+      <p:grpSpPr>
+        <a:xfrm>
+          <a:off x="0" y="0"/>
+          <a:ext cx="0" cy="0"/>
+          <a:chOff x="0" y="0"/>
+          <a:chExt cx="0" cy="0"/>
+        </a:xfrm>
+      </p:grpSpPr>
+      <p:sp>
+        <p:nvSpPr>
+          <p:cNvPr id="9" name="Rettangolo 8">
+            <a:extLst>
+              <a:ext uri="{FF2B5EF4-FFF2-40B4-BE49-F238E27FC236}">
+                <a16:creationId xmlns:a16="http://schemas.microsoft.com/office/drawing/2014/main" id="{D85571F6-BF70-26F7-73CD-DF1DCF3C5A4B}"/>
+              </a:ext>
+            </a:extLst>
+          </p:cNvPr>
+          <p:cNvSpPr/>
+          <p:nvPr/>
+        </p:nvSpPr>
+        <p:spPr>
+          <a:xfrm>
+            <a:off x="8963025" y="5585680"/>
+            <a:ext cx="2740392" cy="779337"/>
+          </a:xfrm>
+          <a:prstGeom prst="rect">
+            <a:avLst/>
+          </a:prstGeom>
+        </p:spPr>
+        <p:style>
+          <a:lnRef idx="2">
+            <a:schemeClr val="accent1">
+              <a:shade val="50000"/>
+            </a:schemeClr>
+          </a:lnRef>
+          <a:fillRef idx="1">
+            <a:schemeClr val="accent1"/>
+          </a:fillRef>
+          <a:effectRef idx="0">
+            <a:schemeClr val="accent1"/>
+          </a:effectRef>
+          <a:fontRef idx="minor">
+            <a:schemeClr val="lt1"/>
+          </a:fontRef>
+        </p:style>
+        <p:txBody>
+          <a:bodyPr rtlCol="0" anchor="ctr"/>
+          <a:lstStyle/>
+          <a:p>
+            <a:pPr algn="ctr"/>
+            <a:endParaRPr lang="it-IT"/>
+          </a:p>
+        </p:txBody>
+      </p:sp>
+      <p:sp>
+        <p:nvSpPr>
+          <p:cNvPr id="8" name="Rettangolo 7">
+            <a:extLst>
+              <a:ext uri="{FF2B5EF4-FFF2-40B4-BE49-F238E27FC236}">
+                <a16:creationId xmlns:a16="http://schemas.microsoft.com/office/drawing/2014/main" id="{06725250-8431-F452-31B7-92589DDC1EFD}"/>
+              </a:ext>
+            </a:extLst>
+          </p:cNvPr>
+          <p:cNvSpPr/>
+          <p:nvPr/>
+        </p:nvSpPr>
+        <p:spPr>
+          <a:xfrm>
+            <a:off x="4445792" y="5597533"/>
+            <a:ext cx="3910014" cy="755632"/>
+          </a:xfrm>
+          <a:prstGeom prst="rect">
+            <a:avLst/>
+          </a:prstGeom>
+        </p:spPr>
+        <p:style>
+          <a:lnRef idx="2">
+            <a:schemeClr val="accent1">
+              <a:shade val="50000"/>
+            </a:schemeClr>
+          </a:lnRef>
+          <a:fillRef idx="1">
+            <a:schemeClr val="accent1"/>
+          </a:fillRef>
+          <a:effectRef idx="0">
+            <a:schemeClr val="accent1"/>
+          </a:effectRef>
+          <a:fontRef idx="minor">
+            <a:schemeClr val="lt1"/>
+          </a:fontRef>
+        </p:style>
+        <p:txBody>
+          <a:bodyPr rtlCol="0" anchor="ctr"/>
+          <a:lstStyle/>
+          <a:p>
+            <a:pPr algn="ctr"/>
+            <a:endParaRPr lang="it-IT"/>
+          </a:p>
+        </p:txBody>
+      </p:sp>
+      <p:sp>
+        <p:nvSpPr>
+          <p:cNvPr id="2" name="Titolo 1">
+            <a:extLst>
+              <a:ext uri="{FF2B5EF4-FFF2-40B4-BE49-F238E27FC236}">
+                <a16:creationId xmlns:a16="http://schemas.microsoft.com/office/drawing/2014/main" id="{2E06C9BE-19D0-AC1F-B157-D446A771EACF}"/>
+              </a:ext>
+            </a:extLst>
+          </p:cNvPr>
+          <p:cNvSpPr>
+            <a:spLocks noGrp="1"/>
+          </p:cNvSpPr>
+          <p:nvPr>
+            <p:ph type="title"/>
+          </p:nvPr>
+        </p:nvSpPr>
+        <p:spPr/>
+        <p:txBody>
+          <a:bodyPr/>
+          <a:lstStyle/>
+          <a:p>
+            <a:r>
+              <a:rPr lang="it-IT" dirty="0"/>
+              <a:t>STEP 4: A SPECIAL CASE</a:t>
+            </a:r>
+          </a:p>
+        </p:txBody>
+      </p:sp>
+      <p:sp>
+        <p:nvSpPr>
+          <p:cNvPr id="3" name="Segnaposto contenuto 2">
+            <a:extLst>
+              <a:ext uri="{FF2B5EF4-FFF2-40B4-BE49-F238E27FC236}">
+                <a16:creationId xmlns:a16="http://schemas.microsoft.com/office/drawing/2014/main" id="{9FA3447E-0331-9143-B3C7-06D62B5E5481}"/>
+              </a:ext>
+            </a:extLst>
+          </p:cNvPr>
+          <p:cNvSpPr>
+            <a:spLocks noGrp="1"/>
+          </p:cNvSpPr>
+          <p:nvPr>
+            <p:ph idx="1"/>
+          </p:nvPr>
+        </p:nvSpPr>
+        <p:spPr/>
+        <p:txBody>
+          <a:bodyPr/>
+          <a:lstStyle/>
+          <a:p>
+            <a:pPr marL="0" indent="0">
+              <a:buNone/>
+            </a:pPr>
+            <a:r>
+              <a:rPr lang="it-IT" dirty="0"/>
+              <a:t>A special case </a:t>
+            </a:r>
+            <a:r>
+              <a:rPr lang="it-IT" dirty="0" err="1"/>
+              <a:t>occurs</a:t>
+            </a:r>
+            <a:r>
+              <a:rPr lang="it-IT" dirty="0"/>
+              <a:t> in the game </a:t>
+            </a:r>
+            <a:r>
+              <a:rPr lang="it-IT" dirty="0" err="1"/>
+              <a:t>when</a:t>
+            </a:r>
+            <a:r>
+              <a:rPr lang="it-IT" dirty="0"/>
+              <a:t> a player </a:t>
+            </a:r>
+            <a:r>
+              <a:rPr lang="it-IT" dirty="0" err="1"/>
+              <a:t>has</a:t>
+            </a:r>
+            <a:r>
+              <a:rPr lang="it-IT" dirty="0"/>
+              <a:t> no </a:t>
+            </a:r>
+            <a:r>
+              <a:rPr lang="it-IT" dirty="0" err="1"/>
+              <a:t>available</a:t>
+            </a:r>
+            <a:r>
+              <a:rPr lang="it-IT" dirty="0"/>
+              <a:t> positions for </a:t>
+            </a:r>
+            <a:r>
+              <a:rPr lang="it-IT" dirty="0" err="1"/>
+              <a:t>its</a:t>
+            </a:r>
+            <a:r>
+              <a:rPr lang="it-IT" dirty="0"/>
+              <a:t> </a:t>
+            </a:r>
+            <a:r>
+              <a:rPr lang="it-IT" dirty="0" err="1"/>
+              <a:t>pieces</a:t>
+            </a:r>
+            <a:r>
+              <a:rPr lang="it-IT" dirty="0"/>
+              <a:t>. In </a:t>
+            </a:r>
+            <a:r>
+              <a:rPr lang="it-IT" dirty="0" err="1"/>
+              <a:t>this</a:t>
+            </a:r>
+            <a:r>
+              <a:rPr lang="it-IT" dirty="0"/>
+              <a:t> rare </a:t>
+            </a:r>
+            <a:r>
+              <a:rPr lang="it-IT" dirty="0" err="1"/>
+              <a:t>occasion</a:t>
+            </a:r>
+            <a:r>
+              <a:rPr lang="it-IT" dirty="0"/>
+              <a:t>, the player </a:t>
+            </a:r>
+            <a:r>
+              <a:rPr lang="it-IT" dirty="0" err="1"/>
+              <a:t>will</a:t>
+            </a:r>
+            <a:r>
+              <a:rPr lang="it-IT" dirty="0"/>
+              <a:t> skip </a:t>
+            </a:r>
+            <a:r>
+              <a:rPr lang="it-IT" dirty="0" err="1"/>
+              <a:t>their</a:t>
+            </a:r>
+            <a:r>
+              <a:rPr lang="it-IT" dirty="0"/>
+              <a:t> turn </a:t>
+            </a:r>
+            <a:r>
+              <a:rPr lang="it-IT" dirty="0" err="1"/>
+              <a:t>until</a:t>
+            </a:r>
+            <a:r>
+              <a:rPr lang="it-IT" dirty="0"/>
+              <a:t> the </a:t>
+            </a:r>
+            <a:r>
+              <a:rPr lang="it-IT" dirty="0" err="1"/>
+              <a:t>other</a:t>
+            </a:r>
+            <a:r>
+              <a:rPr lang="it-IT" dirty="0"/>
+              <a:t> player </a:t>
+            </a:r>
+            <a:r>
+              <a:rPr lang="it-IT" dirty="0" err="1"/>
+              <a:t>wins</a:t>
+            </a:r>
+            <a:r>
+              <a:rPr lang="it-IT" dirty="0"/>
+              <a:t>.</a:t>
+            </a:r>
+          </a:p>
+          <a:p>
+            <a:pPr marL="0" indent="0">
+              <a:buNone/>
+            </a:pPr>
+            <a:r>
+              <a:rPr lang="it-IT" dirty="0" err="1"/>
+              <a:t>This</a:t>
+            </a:r>
+            <a:r>
+              <a:rPr lang="it-IT" dirty="0"/>
+              <a:t> check, </a:t>
+            </a:r>
+            <a:r>
+              <a:rPr lang="it-IT" dirty="0" err="1"/>
+              <a:t>which</a:t>
+            </a:r>
+            <a:r>
+              <a:rPr lang="it-IT" dirty="0"/>
+              <a:t> </a:t>
+            </a:r>
+            <a:r>
+              <a:rPr lang="it-IT" dirty="0" err="1"/>
+              <a:t>simply</a:t>
+            </a:r>
+            <a:r>
+              <a:rPr lang="it-IT" dirty="0"/>
+              <a:t> calls </a:t>
+            </a:r>
+            <a:r>
+              <a:rPr lang="it-IT" i="1" dirty="0" err="1"/>
+              <a:t>canPlace</a:t>
+            </a:r>
+            <a:r>
+              <a:rPr lang="it-IT" i="1" dirty="0"/>
+              <a:t> </a:t>
+            </a:r>
+            <a:r>
+              <a:rPr lang="it-IT" dirty="0"/>
+              <a:t>on </a:t>
+            </a:r>
+            <a:r>
+              <a:rPr lang="it-IT" dirty="0" err="1"/>
+              <a:t>all</a:t>
+            </a:r>
+            <a:r>
+              <a:rPr lang="it-IT" dirty="0"/>
+              <a:t> the board </a:t>
+            </a:r>
+            <a:r>
+              <a:rPr lang="it-IT" dirty="0" err="1"/>
+              <a:t>at</a:t>
+            </a:r>
+            <a:r>
+              <a:rPr lang="it-IT" dirty="0"/>
+              <a:t> the </a:t>
+            </a:r>
+            <a:r>
+              <a:rPr lang="it-IT" dirty="0" err="1"/>
+              <a:t>beginning</a:t>
+            </a:r>
+            <a:r>
+              <a:rPr lang="it-IT" dirty="0"/>
+              <a:t> of </a:t>
+            </a:r>
+            <a:r>
+              <a:rPr lang="it-IT" dirty="0" err="1"/>
+              <a:t>each</a:t>
+            </a:r>
+            <a:r>
+              <a:rPr lang="it-IT" dirty="0"/>
+              <a:t> turn </a:t>
+            </a:r>
+            <a:r>
+              <a:rPr lang="it-IT" dirty="0" err="1"/>
+              <a:t>returning</a:t>
+            </a:r>
+            <a:r>
+              <a:rPr lang="it-IT" dirty="0"/>
+              <a:t> </a:t>
+            </a:r>
+            <a:r>
+              <a:rPr lang="it-IT" dirty="0" err="1"/>
+              <a:t>true</a:t>
+            </a:r>
+            <a:r>
+              <a:rPr lang="it-IT" dirty="0"/>
+              <a:t> </a:t>
+            </a:r>
+            <a:r>
+              <a:rPr lang="it-IT" dirty="0" err="1"/>
+              <a:t>at</a:t>
+            </a:r>
+            <a:r>
+              <a:rPr lang="it-IT" dirty="0"/>
+              <a:t> the first </a:t>
+            </a:r>
+            <a:r>
+              <a:rPr lang="it-IT" dirty="0" err="1"/>
+              <a:t>available</a:t>
+            </a:r>
+            <a:r>
+              <a:rPr lang="it-IT" dirty="0"/>
+              <a:t> position, </a:t>
+            </a:r>
+            <a:r>
+              <a:rPr lang="it-IT" dirty="0" err="1"/>
+              <a:t>was</a:t>
+            </a:r>
+            <a:r>
+              <a:rPr lang="it-IT" dirty="0"/>
+              <a:t> </a:t>
+            </a:r>
+            <a:r>
+              <a:rPr lang="it-IT" dirty="0" err="1"/>
+              <a:t>implemented</a:t>
+            </a:r>
+            <a:r>
+              <a:rPr lang="it-IT" dirty="0"/>
+              <a:t> by Giulia Bernardi. </a:t>
+            </a:r>
+          </a:p>
+          <a:p>
+            <a:pPr marL="0" indent="0">
+              <a:buNone/>
+            </a:pPr>
+            <a:r>
+              <a:rPr lang="it-IT" dirty="0" err="1"/>
+              <a:t>We</a:t>
+            </a:r>
+            <a:r>
+              <a:rPr lang="it-IT" dirty="0"/>
+              <a:t> </a:t>
+            </a:r>
+            <a:r>
+              <a:rPr lang="it-IT" dirty="0" err="1"/>
+              <a:t>additionally</a:t>
+            </a:r>
+            <a:r>
+              <a:rPr lang="it-IT" dirty="0"/>
+              <a:t> </a:t>
+            </a:r>
+            <a:r>
+              <a:rPr lang="it-IT" dirty="0" err="1"/>
+              <a:t>decided</a:t>
+            </a:r>
+            <a:r>
+              <a:rPr lang="it-IT" dirty="0"/>
+              <a:t> to indicate the turn on the GUI by </a:t>
+            </a:r>
+            <a:r>
+              <a:rPr lang="it-IT" dirty="0" err="1"/>
+              <a:t>highlighting</a:t>
+            </a:r>
+            <a:r>
+              <a:rPr lang="it-IT" dirty="0"/>
+              <a:t> the </a:t>
+            </a:r>
+            <a:r>
+              <a:rPr lang="it-IT" dirty="0" err="1"/>
+              <a:t>current</a:t>
+            </a:r>
+            <a:r>
+              <a:rPr lang="it-IT" dirty="0"/>
+              <a:t> player in a </a:t>
+            </a:r>
+            <a:r>
+              <a:rPr lang="it-IT" dirty="0" err="1"/>
+              <a:t>different</a:t>
+            </a:r>
+            <a:r>
+              <a:rPr lang="it-IT" dirty="0"/>
+              <a:t> </a:t>
+            </a:r>
+            <a:r>
+              <a:rPr lang="it-IT" dirty="0" err="1"/>
+              <a:t>colour</a:t>
+            </a:r>
+            <a:r>
+              <a:rPr lang="it-IT" dirty="0"/>
+              <a:t>.</a:t>
+            </a:r>
+          </a:p>
+          <a:p>
+            <a:pPr marL="0" indent="0">
+              <a:buNone/>
+            </a:pPr>
+            <a:endParaRPr lang="it-IT" dirty="0"/>
+          </a:p>
+        </p:txBody>
+      </p:sp>
+      <p:pic>
+        <p:nvPicPr>
+          <p:cNvPr id="5" name="Immagine 4" descr="Immagine che contiene testo, arancia&#10;&#10;Descrizione generata automaticamente">
+            <a:extLst>
+              <a:ext uri="{FF2B5EF4-FFF2-40B4-BE49-F238E27FC236}">
+                <a16:creationId xmlns:a16="http://schemas.microsoft.com/office/drawing/2014/main" id="{37FAB365-EC25-06DA-64B2-C15A2B9DDC02}"/>
+              </a:ext>
+            </a:extLst>
+          </p:cNvPr>
+          <p:cNvPicPr>
+            <a:picLocks noChangeAspect="1"/>
+          </p:cNvPicPr>
+          <p:nvPr/>
+        </p:nvPicPr>
+        <p:blipFill>
+          <a:blip r:embed="rId2">
+            <a:extLst>
+              <a:ext uri="{28A0092B-C50C-407E-A947-70E740481C1C}">
+                <a14:useLocalDpi xmlns:a14="http://schemas.microsoft.com/office/drawing/2010/main" val="0"/>
+              </a:ext>
+            </a:extLst>
+          </a:blip>
+          <a:stretch>
+            <a:fillRect/>
+          </a:stretch>
+        </p:blipFill>
+        <p:spPr>
+          <a:xfrm>
+            <a:off x="4538402" y="5684796"/>
+            <a:ext cx="3724795" cy="581106"/>
+          </a:xfrm>
+          <a:prstGeom prst="rect">
+            <a:avLst/>
+          </a:prstGeom>
+        </p:spPr>
+      </p:pic>
+      <p:pic>
+        <p:nvPicPr>
+          <p:cNvPr id="7" name="Immagine 6" descr="Immagine che contiene testo, screenshot, arancia, vicino&#10;&#10;Descrizione generata automaticamente">
+            <a:extLst>
+              <a:ext uri="{FF2B5EF4-FFF2-40B4-BE49-F238E27FC236}">
+                <a16:creationId xmlns:a16="http://schemas.microsoft.com/office/drawing/2014/main" id="{A4A7C84E-AE30-22D5-87AF-92A4802EC4E1}"/>
+              </a:ext>
+            </a:extLst>
+          </p:cNvPr>
+          <p:cNvPicPr>
+            <a:picLocks noChangeAspect="1"/>
+          </p:cNvPicPr>
+          <p:nvPr/>
+        </p:nvPicPr>
+        <p:blipFill>
+          <a:blip r:embed="rId3">
+            <a:extLst>
+              <a:ext uri="{28A0092B-C50C-407E-A947-70E740481C1C}">
+                <a14:useLocalDpi xmlns:a14="http://schemas.microsoft.com/office/drawing/2010/main" val="0"/>
+              </a:ext>
+            </a:extLst>
+          </a:blip>
+          <a:stretch>
+            <a:fillRect/>
+          </a:stretch>
+        </p:blipFill>
+        <p:spPr>
+          <a:xfrm>
+            <a:off x="9038698" y="5641928"/>
+            <a:ext cx="2572109" cy="666843"/>
+          </a:xfrm>
+          <a:prstGeom prst="rect">
+            <a:avLst/>
+          </a:prstGeom>
+        </p:spPr>
+      </p:pic>
+    </p:spTree>
+    <p:extLst>
+      <p:ext uri="{BB962C8B-B14F-4D97-AF65-F5344CB8AC3E}">
+        <p14:creationId xmlns:p14="http://schemas.microsoft.com/office/powerpoint/2010/main" val="3614464253"/>
+      </p:ext>
+    </p:extLst>
+  </p:cSld>
+  <p:clrMapOvr>
+    <a:masterClrMapping/>
+  </p:clrMapOvr>
+</p:sld>
+</file>
+
+<file path=ppt/slides/slide16.xml><?xml version="1.0" encoding="utf-8"?>
+<p:sld xmlns:a="http://schemas.openxmlformats.org/drawingml/2006/main" xmlns:r="http://schemas.openxmlformats.org/officeDocument/2006/relationships" xmlns:p="http://schemas.openxmlformats.org/presentationml/2006/main">
+  <p:cSld>
+    <p:bg>
+      <p:bgPr>
+        <a:solidFill>
+          <a:schemeClr val="bg1"/>
+        </a:solidFill>
+        <a:effectLst/>
+      </p:bgPr>
+    </p:bg>
+    <p:spTree>
+      <p:nvGrpSpPr>
+        <p:cNvPr id="1" name=""/>
+        <p:cNvGrpSpPr/>
+        <p:nvPr/>
+      </p:nvGrpSpPr>
+      <p:grpSpPr>
+        <a:xfrm>
+          <a:off x="0" y="0"/>
+          <a:ext cx="0" cy="0"/>
+          <a:chOff x="0" y="0"/>
+          <a:chExt cx="0" cy="0"/>
+        </a:xfrm>
+      </p:grpSpPr>
+      <p:sp useBgFill="1">
+        <p:nvSpPr>
+          <p:cNvPr id="9" name="Rectangle 8">
+            <a:extLst>
+              <a:ext uri="{FF2B5EF4-FFF2-40B4-BE49-F238E27FC236}">
+                <a16:creationId xmlns:a16="http://schemas.microsoft.com/office/drawing/2014/main" id="{504BED40-EAF7-4E55-AFF7-2CD840EBD3AA}"/>
+              </a:ext>
+              <a:ext uri="{C183D7F6-B498-43B3-948B-1728B52AA6E4}">
+                <adec:decorative xmlns:adec="http://schemas.microsoft.com/office/drawing/2017/decorative" val="1"/>
+              </a:ext>
+            </a:extLst>
+          </p:cNvPr>
+          <p:cNvSpPr>
+            <a:spLocks noGrp="1" noRot="1" noChangeAspect="1" noMove="1" noResize="1" noEditPoints="1" noAdjustHandles="1" noChangeArrowheads="1" noChangeShapeType="1" noTextEdit="1"/>
+          </p:cNvSpPr>
+          <p:nvPr>
+            <p:extLst>
+              <p:ext uri="{386F3935-93C4-4BCD-93E2-E3B085C9AB24}">
+                <p16:designElem xmlns:p16="http://schemas.microsoft.com/office/powerpoint/2015/main" val="1"/>
+              </p:ext>
+            </p:extLst>
+          </p:nvPr>
+        </p:nvSpPr>
+        <p:spPr>
+          <a:xfrm>
+            <a:off x="0" y="0"/>
+            <a:ext cx="12192000" cy="6858000"/>
+          </a:xfrm>
+          <a:prstGeom prst="rect">
+            <a:avLst/>
+          </a:prstGeom>
+          <a:ln>
+            <a:noFill/>
+          </a:ln>
+        </p:spPr>
+        <p:style>
+          <a:lnRef idx="2">
+            <a:schemeClr val="accent1">
+              <a:shade val="50000"/>
+            </a:schemeClr>
+          </a:lnRef>
+          <a:fillRef idx="1">
+            <a:schemeClr val="accent1"/>
+          </a:fillRef>
+          <a:effectRef idx="0">
+            <a:schemeClr val="accent1"/>
+          </a:effectRef>
+          <a:fontRef idx="minor">
+            <a:schemeClr val="lt1"/>
+          </a:fontRef>
+        </p:style>
+        <p:txBody>
+          <a:bodyPr rtlCol="0" anchor="ctr"/>
+          <a:lstStyle/>
+          <a:p>
+            <a:pPr algn="ctr"/>
+            <a:endParaRPr lang="en-US"/>
+          </a:p>
+        </p:txBody>
+      </p:sp>
+      <p:sp>
+        <p:nvSpPr>
+          <p:cNvPr id="2" name="Titolo 1">
+            <a:extLst>
+              <a:ext uri="{FF2B5EF4-FFF2-40B4-BE49-F238E27FC236}">
+                <a16:creationId xmlns:a16="http://schemas.microsoft.com/office/drawing/2014/main" id="{98B4E714-54E2-297E-CE16-69EC9A88108E}"/>
+              </a:ext>
+            </a:extLst>
+          </p:cNvPr>
+          <p:cNvSpPr>
+            <a:spLocks noGrp="1"/>
+          </p:cNvSpPr>
+          <p:nvPr>
+            <p:ph type="title"/>
+          </p:nvPr>
+        </p:nvSpPr>
+        <p:spPr>
+          <a:xfrm>
+            <a:off x="581193" y="702156"/>
+            <a:ext cx="6309003" cy="1013800"/>
+          </a:xfrm>
+        </p:spPr>
+        <p:txBody>
+          <a:bodyPr>
+            <a:normAutofit/>
+          </a:bodyPr>
+          <a:lstStyle/>
+          <a:p>
+            <a:r>
+              <a:rPr lang="it-IT">
+                <a:solidFill>
+                  <a:schemeClr val="tx2"/>
+                </a:solidFill>
+              </a:rPr>
+              <a:t>STEP 5: FINISHING TOUCHES AND REFACTORING</a:t>
+            </a:r>
+          </a:p>
+        </p:txBody>
+      </p:sp>
+      <p:sp>
+        <p:nvSpPr>
+          <p:cNvPr id="11" name="Rectangle 10">
+            <a:extLst>
+              <a:ext uri="{FF2B5EF4-FFF2-40B4-BE49-F238E27FC236}">
+                <a16:creationId xmlns:a16="http://schemas.microsoft.com/office/drawing/2014/main" id="{F367CCF1-BB1E-41CF-8499-94A870C33EFA}"/>
+              </a:ext>
+              <a:ext uri="{C183D7F6-B498-43B3-948B-1728B52AA6E4}">
+                <adec:decorative xmlns:adec="http://schemas.microsoft.com/office/drawing/2017/decorative" val="1"/>
+              </a:ext>
+            </a:extLst>
+          </p:cNvPr>
+          <p:cNvSpPr>
+            <a:spLocks noGrp="1" noRot="1" noChangeAspect="1" noMove="1" noResize="1" noEditPoints="1" noAdjustHandles="1" noChangeArrowheads="1" noChangeShapeType="1" noTextEdit="1"/>
+          </p:cNvSpPr>
+          <p:nvPr>
+            <p:extLst>
+              <p:ext uri="{386F3935-93C4-4BCD-93E2-E3B085C9AB24}">
+                <p16:designElem xmlns:p16="http://schemas.microsoft.com/office/powerpoint/2015/main" val="1"/>
+              </p:ext>
+            </p:extLst>
+          </p:nvPr>
+        </p:nvSpPr>
+        <p:spPr>
+          <a:xfrm>
+            <a:off x="446534" y="457200"/>
+            <a:ext cx="6675120" cy="94997"/>
+          </a:xfrm>
+          <a:prstGeom prst="rect">
+            <a:avLst/>
+          </a:prstGeom>
+          <a:solidFill>
+            <a:schemeClr val="accent1"/>
+          </a:solidFill>
+          <a:ln>
+            <a:noFill/>
+          </a:ln>
+          <a:effectLst/>
+        </p:spPr>
+        <p:style>
+          <a:lnRef idx="1">
+            <a:schemeClr val="accent1"/>
+          </a:lnRef>
+          <a:fillRef idx="3">
+            <a:schemeClr val="accent1"/>
+          </a:fillRef>
+          <a:effectRef idx="2">
+            <a:schemeClr val="accent1"/>
+          </a:effectRef>
+          <a:fontRef idx="minor">
+            <a:schemeClr val="lt1"/>
+          </a:fontRef>
+        </p:style>
+      </p:sp>
+      <p:sp>
+        <p:nvSpPr>
+          <p:cNvPr id="3" name="Segnaposto contenuto 2">
+            <a:extLst>
+              <a:ext uri="{FF2B5EF4-FFF2-40B4-BE49-F238E27FC236}">
+                <a16:creationId xmlns:a16="http://schemas.microsoft.com/office/drawing/2014/main" id="{59A1C547-070D-B507-BDE8-AA7006ED9F38}"/>
+              </a:ext>
+            </a:extLst>
+          </p:cNvPr>
+          <p:cNvSpPr>
+            <a:spLocks noGrp="1"/>
+          </p:cNvSpPr>
+          <p:nvPr>
+            <p:ph idx="1"/>
+          </p:nvPr>
+        </p:nvSpPr>
+        <p:spPr>
+          <a:xfrm>
+            <a:off x="581194" y="1896533"/>
+            <a:ext cx="6309003" cy="3962266"/>
+          </a:xfrm>
+        </p:spPr>
+        <p:txBody>
+          <a:bodyPr>
+            <a:normAutofit/>
+          </a:bodyPr>
+          <a:lstStyle/>
+          <a:p>
+            <a:pPr marL="0" indent="0">
+              <a:buNone/>
+            </a:pPr>
+            <a:r>
+              <a:rPr lang="it-IT" dirty="0">
+                <a:solidFill>
+                  <a:schemeClr val="tx2"/>
+                </a:solidFill>
+              </a:rPr>
+              <a:t>At </a:t>
+            </a:r>
+            <a:r>
+              <a:rPr lang="it-IT" dirty="0" err="1">
+                <a:solidFill>
+                  <a:schemeClr val="tx2"/>
+                </a:solidFill>
+              </a:rPr>
+              <a:t>this</a:t>
+            </a:r>
+            <a:r>
+              <a:rPr lang="it-IT" dirty="0">
+                <a:solidFill>
+                  <a:schemeClr val="tx2"/>
+                </a:solidFill>
+              </a:rPr>
+              <a:t> point, the game </a:t>
+            </a:r>
+            <a:r>
+              <a:rPr lang="it-IT" dirty="0" err="1">
+                <a:solidFill>
+                  <a:schemeClr val="tx2"/>
+                </a:solidFill>
+              </a:rPr>
+              <a:t>was</a:t>
+            </a:r>
+            <a:r>
+              <a:rPr lang="it-IT" dirty="0">
+                <a:solidFill>
+                  <a:schemeClr val="tx2"/>
+                </a:solidFill>
+              </a:rPr>
+              <a:t> </a:t>
+            </a:r>
+            <a:r>
+              <a:rPr lang="it-IT" dirty="0" err="1">
+                <a:solidFill>
+                  <a:schemeClr val="tx2"/>
+                </a:solidFill>
+              </a:rPr>
+              <a:t>functional</a:t>
+            </a:r>
+            <a:r>
+              <a:rPr lang="it-IT" dirty="0">
+                <a:solidFill>
+                  <a:schemeClr val="tx2"/>
+                </a:solidFill>
+              </a:rPr>
+              <a:t>: </a:t>
+            </a:r>
+            <a:r>
+              <a:rPr lang="it-IT" dirty="0" err="1">
+                <a:solidFill>
+                  <a:schemeClr val="tx2"/>
+                </a:solidFill>
+              </a:rPr>
+              <a:t>everything</a:t>
+            </a:r>
+            <a:r>
+              <a:rPr lang="it-IT" dirty="0">
+                <a:solidFill>
+                  <a:schemeClr val="tx2"/>
+                </a:solidFill>
+              </a:rPr>
+              <a:t> </a:t>
+            </a:r>
+            <a:r>
+              <a:rPr lang="it-IT" dirty="0" err="1">
+                <a:solidFill>
+                  <a:schemeClr val="tx2"/>
+                </a:solidFill>
+              </a:rPr>
+              <a:t>worked</a:t>
+            </a:r>
+            <a:r>
+              <a:rPr lang="it-IT" dirty="0">
+                <a:solidFill>
+                  <a:schemeClr val="tx2"/>
+                </a:solidFill>
+              </a:rPr>
+              <a:t> and </a:t>
+            </a:r>
+            <a:r>
+              <a:rPr lang="it-IT" dirty="0" err="1">
+                <a:solidFill>
+                  <a:schemeClr val="tx2"/>
+                </a:solidFill>
+              </a:rPr>
+              <a:t>it</a:t>
+            </a:r>
+            <a:r>
+              <a:rPr lang="it-IT" dirty="0">
+                <a:solidFill>
+                  <a:schemeClr val="tx2"/>
+                </a:solidFill>
+              </a:rPr>
+              <a:t> </a:t>
+            </a:r>
+            <a:r>
+              <a:rPr lang="it-IT" dirty="0" err="1">
+                <a:solidFill>
+                  <a:schemeClr val="tx2"/>
+                </a:solidFill>
+              </a:rPr>
+              <a:t>was</a:t>
+            </a:r>
+            <a:r>
+              <a:rPr lang="it-IT" dirty="0">
+                <a:solidFill>
+                  <a:schemeClr val="tx2"/>
+                </a:solidFill>
+              </a:rPr>
+              <a:t> </a:t>
+            </a:r>
+            <a:r>
+              <a:rPr lang="it-IT" dirty="0" err="1">
+                <a:solidFill>
+                  <a:schemeClr val="tx2"/>
+                </a:solidFill>
+              </a:rPr>
+              <a:t>already</a:t>
+            </a:r>
+            <a:r>
+              <a:rPr lang="it-IT" dirty="0">
+                <a:solidFill>
+                  <a:schemeClr val="tx2"/>
+                </a:solidFill>
+              </a:rPr>
+              <a:t> </a:t>
+            </a:r>
+            <a:r>
+              <a:rPr lang="it-IT" dirty="0" err="1">
+                <a:solidFill>
+                  <a:schemeClr val="tx2"/>
+                </a:solidFill>
+              </a:rPr>
+              <a:t>usable</a:t>
+            </a:r>
+            <a:r>
+              <a:rPr lang="it-IT" dirty="0">
+                <a:solidFill>
+                  <a:schemeClr val="tx2"/>
+                </a:solidFill>
+              </a:rPr>
+              <a:t>. </a:t>
+            </a:r>
+            <a:r>
+              <a:rPr lang="it-IT" dirty="0" err="1">
+                <a:solidFill>
+                  <a:schemeClr val="tx2"/>
+                </a:solidFill>
+              </a:rPr>
+              <a:t>We</a:t>
+            </a:r>
+            <a:r>
+              <a:rPr lang="it-IT" dirty="0">
+                <a:solidFill>
+                  <a:schemeClr val="tx2"/>
+                </a:solidFill>
+              </a:rPr>
+              <a:t> </a:t>
+            </a:r>
+            <a:r>
+              <a:rPr lang="it-IT" dirty="0" err="1">
+                <a:solidFill>
+                  <a:schemeClr val="tx2"/>
+                </a:solidFill>
+              </a:rPr>
+              <a:t>then</a:t>
+            </a:r>
+            <a:r>
+              <a:rPr lang="it-IT" dirty="0">
+                <a:solidFill>
+                  <a:schemeClr val="tx2"/>
+                </a:solidFill>
+              </a:rPr>
+              <a:t> </a:t>
+            </a:r>
+            <a:r>
+              <a:rPr lang="it-IT" dirty="0" err="1">
+                <a:solidFill>
+                  <a:schemeClr val="tx2"/>
+                </a:solidFill>
+              </a:rPr>
+              <a:t>focused</a:t>
+            </a:r>
+            <a:r>
+              <a:rPr lang="it-IT" dirty="0">
+                <a:solidFill>
+                  <a:schemeClr val="tx2"/>
+                </a:solidFill>
+              </a:rPr>
+              <a:t> on making the GUI look </a:t>
+            </a:r>
+            <a:r>
+              <a:rPr lang="it-IT" dirty="0" err="1">
+                <a:solidFill>
+                  <a:schemeClr val="tx2"/>
+                </a:solidFill>
+              </a:rPr>
+              <a:t>better</a:t>
+            </a:r>
+            <a:r>
+              <a:rPr lang="it-IT" dirty="0">
+                <a:solidFill>
+                  <a:schemeClr val="tx2"/>
+                </a:solidFill>
+              </a:rPr>
+              <a:t>, </a:t>
+            </a:r>
+            <a:r>
+              <a:rPr lang="it-IT" dirty="0" err="1">
+                <a:solidFill>
+                  <a:schemeClr val="tx2"/>
+                </a:solidFill>
+              </a:rPr>
+              <a:t>adding</a:t>
+            </a:r>
+            <a:r>
+              <a:rPr lang="it-IT" dirty="0">
+                <a:solidFill>
+                  <a:schemeClr val="tx2"/>
+                </a:solidFill>
+              </a:rPr>
+              <a:t> some non-</a:t>
+            </a:r>
+            <a:r>
+              <a:rPr lang="it-IT" dirty="0" err="1">
+                <a:solidFill>
+                  <a:schemeClr val="tx2"/>
+                </a:solidFill>
+              </a:rPr>
+              <a:t>essential</a:t>
+            </a:r>
+            <a:r>
+              <a:rPr lang="it-IT" dirty="0">
+                <a:solidFill>
+                  <a:schemeClr val="tx2"/>
+                </a:solidFill>
+              </a:rPr>
+              <a:t> features, and </a:t>
+            </a:r>
+            <a:r>
+              <a:rPr lang="it-IT" dirty="0" err="1">
+                <a:solidFill>
+                  <a:schemeClr val="tx2"/>
+                </a:solidFill>
+              </a:rPr>
+              <a:t>refactoring</a:t>
+            </a:r>
+            <a:r>
+              <a:rPr lang="it-IT" dirty="0">
+                <a:solidFill>
+                  <a:schemeClr val="tx2"/>
+                </a:solidFill>
+              </a:rPr>
+              <a:t> to </a:t>
+            </a:r>
+            <a:r>
+              <a:rPr lang="it-IT" dirty="0" err="1">
+                <a:solidFill>
+                  <a:schemeClr val="tx2"/>
+                </a:solidFill>
+              </a:rPr>
+              <a:t>remove</a:t>
+            </a:r>
+            <a:r>
+              <a:rPr lang="it-IT" dirty="0">
+                <a:solidFill>
+                  <a:schemeClr val="tx2"/>
+                </a:solidFill>
+              </a:rPr>
+              <a:t> code </a:t>
+            </a:r>
+            <a:r>
+              <a:rPr lang="it-IT" dirty="0" err="1">
+                <a:solidFill>
+                  <a:schemeClr val="tx2"/>
+                </a:solidFill>
+              </a:rPr>
+              <a:t>smells</a:t>
+            </a:r>
+            <a:r>
+              <a:rPr lang="it-IT" dirty="0">
+                <a:solidFill>
+                  <a:schemeClr val="tx2"/>
+                </a:solidFill>
+              </a:rPr>
+              <a:t>.</a:t>
+            </a:r>
+          </a:p>
+        </p:txBody>
+      </p:sp>
+      <p:pic>
+        <p:nvPicPr>
+          <p:cNvPr id="5" name="Picture 4" descr="Person playing boardgame">
+            <a:extLst>
+              <a:ext uri="{FF2B5EF4-FFF2-40B4-BE49-F238E27FC236}">
+                <a16:creationId xmlns:a16="http://schemas.microsoft.com/office/drawing/2014/main" id="{3FE6B29A-36BA-BC3E-CAEE-5B7BD50C9EA8}"/>
+              </a:ext>
+            </a:extLst>
+          </p:cNvPr>
+          <p:cNvPicPr>
+            <a:picLocks noChangeAspect="1"/>
+          </p:cNvPicPr>
+          <p:nvPr/>
+        </p:nvPicPr>
+        <p:blipFill rotWithShape="1">
+          <a:blip r:embed="rId2"/>
+          <a:srcRect l="32968" r="21742"/>
+          <a:stretch/>
+        </p:blipFill>
+        <p:spPr>
+          <a:xfrm>
+            <a:off x="7521283" y="10"/>
+            <a:ext cx="4670717" cy="6857990"/>
+          </a:xfrm>
+          <a:prstGeom prst="rect">
+            <a:avLst/>
+          </a:prstGeom>
+        </p:spPr>
+      </p:pic>
+    </p:spTree>
+    <p:extLst>
+      <p:ext uri="{BB962C8B-B14F-4D97-AF65-F5344CB8AC3E}">
+        <p14:creationId xmlns:p14="http://schemas.microsoft.com/office/powerpoint/2010/main" val="2435916884"/>
+      </p:ext>
+    </p:extLst>
+  </p:cSld>
+  <p:clrMapOvr>
+    <a:masterClrMapping/>
+  </p:clrMapOvr>
+</p:sld>
+</file>
+
+<file path=ppt/slides/slide17.xml><?xml version="1.0" encoding="utf-8"?>
+<p:sld xmlns:a="http://schemas.openxmlformats.org/drawingml/2006/main" xmlns:r="http://schemas.openxmlformats.org/officeDocument/2006/relationships" xmlns:p="http://schemas.openxmlformats.org/presentationml/2006/main">
+  <p:cSld>
+    <p:spTree>
+      <p:nvGrpSpPr>
+        <p:cNvPr id="1" name=""/>
+        <p:cNvGrpSpPr/>
+        <p:nvPr/>
+      </p:nvGrpSpPr>
+      <p:grpSpPr>
+        <a:xfrm>
+          <a:off x="0" y="0"/>
+          <a:ext cx="0" cy="0"/>
+          <a:chOff x="0" y="0"/>
+          <a:chExt cx="0" cy="0"/>
+        </a:xfrm>
+      </p:grpSpPr>
+      <p:sp>
+        <p:nvSpPr>
+          <p:cNvPr id="9" name="Rettangolo 8">
+            <a:extLst>
+              <a:ext uri="{FF2B5EF4-FFF2-40B4-BE49-F238E27FC236}">
+                <a16:creationId xmlns:a16="http://schemas.microsoft.com/office/drawing/2014/main" id="{415D18D5-8D04-B82D-58D2-07E5FE0B6E80}"/>
+              </a:ext>
+            </a:extLst>
+          </p:cNvPr>
+          <p:cNvSpPr/>
+          <p:nvPr/>
+        </p:nvSpPr>
+        <p:spPr>
+          <a:xfrm>
+            <a:off x="8334374" y="3015075"/>
+            <a:ext cx="3337896" cy="1314858"/>
+          </a:xfrm>
+          <a:prstGeom prst="rect">
+            <a:avLst/>
+          </a:prstGeom>
+        </p:spPr>
+        <p:style>
+          <a:lnRef idx="2">
+            <a:schemeClr val="accent1">
+              <a:shade val="50000"/>
+            </a:schemeClr>
+          </a:lnRef>
+          <a:fillRef idx="1">
+            <a:schemeClr val="accent1"/>
+          </a:fillRef>
+          <a:effectRef idx="0">
+            <a:schemeClr val="accent1"/>
+          </a:effectRef>
+          <a:fontRef idx="minor">
+            <a:schemeClr val="lt1"/>
+          </a:fontRef>
+        </p:style>
+        <p:txBody>
+          <a:bodyPr rtlCol="0" anchor="ctr"/>
+          <a:lstStyle/>
+          <a:p>
+            <a:pPr algn="ctr"/>
+            <a:endParaRPr lang="it-IT"/>
+          </a:p>
+        </p:txBody>
+      </p:sp>
+      <p:sp>
+        <p:nvSpPr>
+          <p:cNvPr id="8" name="Rettangolo 7">
+            <a:extLst>
+              <a:ext uri="{FF2B5EF4-FFF2-40B4-BE49-F238E27FC236}">
+                <a16:creationId xmlns:a16="http://schemas.microsoft.com/office/drawing/2014/main" id="{D79504C1-90F9-E599-D49B-9341E1AD45C6}"/>
+              </a:ext>
+            </a:extLst>
+          </p:cNvPr>
+          <p:cNvSpPr/>
+          <p:nvPr/>
+        </p:nvSpPr>
+        <p:spPr>
+          <a:xfrm>
+            <a:off x="8496300" y="4626328"/>
+            <a:ext cx="3175971" cy="755632"/>
+          </a:xfrm>
+          <a:prstGeom prst="rect">
+            <a:avLst/>
+          </a:prstGeom>
+        </p:spPr>
+        <p:style>
+          <a:lnRef idx="2">
+            <a:schemeClr val="accent1">
+              <a:shade val="50000"/>
+            </a:schemeClr>
+          </a:lnRef>
+          <a:fillRef idx="1">
+            <a:schemeClr val="accent1"/>
+          </a:fillRef>
+          <a:effectRef idx="0">
+            <a:schemeClr val="accent1"/>
+          </a:effectRef>
+          <a:fontRef idx="minor">
+            <a:schemeClr val="lt1"/>
+          </a:fontRef>
+        </p:style>
+        <p:txBody>
+          <a:bodyPr rtlCol="0" anchor="ctr"/>
+          <a:lstStyle/>
+          <a:p>
+            <a:pPr algn="ctr"/>
+            <a:endParaRPr lang="it-IT"/>
+          </a:p>
+        </p:txBody>
+      </p:sp>
+      <p:sp>
+        <p:nvSpPr>
+          <p:cNvPr id="2" name="Titolo 1">
+            <a:extLst>
+              <a:ext uri="{FF2B5EF4-FFF2-40B4-BE49-F238E27FC236}">
+                <a16:creationId xmlns:a16="http://schemas.microsoft.com/office/drawing/2014/main" id="{59F7AF56-C647-E71F-4CB9-9E6C9B1936C6}"/>
+              </a:ext>
+            </a:extLst>
+          </p:cNvPr>
+          <p:cNvSpPr>
+            <a:spLocks noGrp="1"/>
+          </p:cNvSpPr>
+          <p:nvPr>
+            <p:ph type="title"/>
+          </p:nvPr>
+        </p:nvSpPr>
+        <p:spPr/>
+        <p:txBody>
+          <a:bodyPr/>
+          <a:lstStyle/>
+          <a:p>
+            <a:r>
+              <a:rPr lang="it-IT" dirty="0"/>
+              <a:t>STEP 5: FINISHING TOUCHES</a:t>
+            </a:r>
+          </a:p>
+        </p:txBody>
+      </p:sp>
+      <p:sp>
+        <p:nvSpPr>
+          <p:cNvPr id="3" name="Segnaposto contenuto 2">
+            <a:extLst>
+              <a:ext uri="{FF2B5EF4-FFF2-40B4-BE49-F238E27FC236}">
+                <a16:creationId xmlns:a16="http://schemas.microsoft.com/office/drawing/2014/main" id="{5C59366A-E5B6-9607-EE78-98CC22543340}"/>
+              </a:ext>
+            </a:extLst>
+          </p:cNvPr>
+          <p:cNvSpPr>
+            <a:spLocks noGrp="1"/>
+          </p:cNvSpPr>
+          <p:nvPr>
+            <p:ph idx="1"/>
+          </p:nvPr>
+        </p:nvSpPr>
+        <p:spPr>
+          <a:xfrm>
+            <a:off x="581192" y="2340864"/>
+            <a:ext cx="7753183" cy="3634486"/>
+          </a:xfrm>
+        </p:spPr>
+        <p:txBody>
+          <a:bodyPr>
+            <a:normAutofit lnSpcReduction="10000"/>
+          </a:bodyPr>
+          <a:lstStyle/>
+          <a:p>
+            <a:pPr marL="0" indent="0">
+              <a:buNone/>
+            </a:pPr>
+            <a:r>
+              <a:rPr lang="it-IT" dirty="0"/>
+              <a:t>A </a:t>
+            </a:r>
+            <a:r>
+              <a:rPr lang="it-IT" dirty="0" err="1"/>
+              <a:t>wooden</a:t>
+            </a:r>
+            <a:r>
+              <a:rPr lang="it-IT" dirty="0"/>
+              <a:t> background and </a:t>
+            </a:r>
+            <a:r>
+              <a:rPr lang="it-IT" dirty="0" err="1"/>
+              <a:t>letters</a:t>
+            </a:r>
+            <a:r>
+              <a:rPr lang="it-IT" dirty="0"/>
+              <a:t> and </a:t>
+            </a:r>
+            <a:r>
+              <a:rPr lang="it-IT" dirty="0" err="1"/>
+              <a:t>numbers</a:t>
+            </a:r>
+            <a:r>
+              <a:rPr lang="it-IT" dirty="0"/>
+              <a:t> </a:t>
+            </a:r>
+            <a:r>
+              <a:rPr lang="it-IT" dirty="0" err="1"/>
+              <a:t>were</a:t>
+            </a:r>
+            <a:r>
+              <a:rPr lang="it-IT" dirty="0"/>
+              <a:t> </a:t>
+            </a:r>
+            <a:r>
+              <a:rPr lang="it-IT" dirty="0" err="1"/>
+              <a:t>added</a:t>
+            </a:r>
+            <a:r>
+              <a:rPr lang="it-IT" dirty="0"/>
+              <a:t> to the board by Marianna Corsano.</a:t>
+            </a:r>
+          </a:p>
+          <a:p>
+            <a:pPr marL="0" indent="0">
+              <a:buNone/>
+            </a:pPr>
+            <a:endParaRPr lang="it-IT" dirty="0"/>
+          </a:p>
+          <a:p>
+            <a:pPr marL="0" indent="0">
+              <a:buNone/>
+            </a:pPr>
+            <a:r>
+              <a:rPr lang="it-IT" dirty="0"/>
+              <a:t>Rodolfo </a:t>
+            </a:r>
+            <a:r>
+              <a:rPr lang="it-IT" dirty="0" err="1"/>
+              <a:t>Tolloi</a:t>
+            </a:r>
+            <a:r>
+              <a:rPr lang="it-IT" dirty="0"/>
+              <a:t> </a:t>
+            </a:r>
+            <a:r>
+              <a:rPr lang="it-IT" dirty="0" err="1"/>
+              <a:t>had</a:t>
+            </a:r>
+            <a:r>
+              <a:rPr lang="it-IT" dirty="0"/>
+              <a:t> the idea of </a:t>
+            </a:r>
+            <a:r>
+              <a:rPr lang="it-IT" dirty="0" err="1"/>
+              <a:t>inserting</a:t>
+            </a:r>
+            <a:r>
+              <a:rPr lang="it-IT" dirty="0"/>
+              <a:t> a demo, </a:t>
+            </a:r>
+            <a:r>
+              <a:rPr lang="it-IT" dirty="0" err="1"/>
+              <a:t>that</a:t>
+            </a:r>
+            <a:r>
+              <a:rPr lang="it-IT" dirty="0"/>
+              <a:t> </a:t>
+            </a:r>
+            <a:r>
+              <a:rPr lang="it-IT" dirty="0" err="1"/>
+              <a:t>is</a:t>
+            </a:r>
+            <a:r>
+              <a:rPr lang="it-IT" dirty="0"/>
+              <a:t> an </a:t>
+            </a:r>
+            <a:r>
+              <a:rPr lang="it-IT" dirty="0" err="1"/>
+              <a:t>automatic</a:t>
+            </a:r>
+            <a:r>
+              <a:rPr lang="it-IT" dirty="0"/>
+              <a:t> game. </a:t>
+            </a:r>
+            <a:r>
+              <a:rPr lang="it-IT" dirty="0" err="1"/>
+              <a:t>This</a:t>
+            </a:r>
+            <a:r>
+              <a:rPr lang="it-IT" dirty="0"/>
+              <a:t> can be </a:t>
+            </a:r>
+            <a:r>
+              <a:rPr lang="it-IT" dirty="0" err="1"/>
+              <a:t>activated</a:t>
+            </a:r>
+            <a:r>
+              <a:rPr lang="it-IT" dirty="0"/>
+              <a:t> by </a:t>
+            </a:r>
+            <a:r>
+              <a:rPr lang="it-IT" dirty="0" err="1"/>
+              <a:t>clicking</a:t>
+            </a:r>
+            <a:r>
+              <a:rPr lang="it-IT" dirty="0"/>
+              <a:t> a </a:t>
+            </a:r>
+            <a:r>
+              <a:rPr lang="it-IT" dirty="0" err="1"/>
+              <a:t>button</a:t>
+            </a:r>
+            <a:r>
+              <a:rPr lang="it-IT" dirty="0"/>
+              <a:t> in the </a:t>
+            </a:r>
+            <a:r>
+              <a:rPr lang="it-IT" dirty="0" err="1"/>
+              <a:t>Starting</a:t>
+            </a:r>
+            <a:r>
+              <a:rPr lang="it-IT" dirty="0"/>
+              <a:t> Gui. He </a:t>
+            </a:r>
+            <a:r>
+              <a:rPr lang="it-IT" dirty="0" err="1"/>
+              <a:t>also</a:t>
+            </a:r>
+            <a:r>
+              <a:rPr lang="it-IT" dirty="0"/>
+              <a:t> </a:t>
+            </a:r>
+            <a:r>
+              <a:rPr lang="it-IT" dirty="0" err="1"/>
+              <a:t>added</a:t>
+            </a:r>
+            <a:r>
+              <a:rPr lang="it-IT" dirty="0"/>
+              <a:t> a log file, </a:t>
+            </a:r>
+            <a:r>
+              <a:rPr lang="it-IT" dirty="0" err="1"/>
+              <a:t>taking</a:t>
+            </a:r>
+            <a:r>
+              <a:rPr lang="it-IT" dirty="0"/>
+              <a:t> note of the </a:t>
+            </a:r>
+            <a:r>
+              <a:rPr lang="it-IT" dirty="0" err="1"/>
+              <a:t>moves</a:t>
+            </a:r>
+            <a:r>
+              <a:rPr lang="it-IT" dirty="0"/>
+              <a:t> </a:t>
+            </a:r>
+            <a:r>
+              <a:rPr lang="it-IT" dirty="0" err="1"/>
+              <a:t>done</a:t>
+            </a:r>
+            <a:r>
+              <a:rPr lang="it-IT" dirty="0"/>
+              <a:t> by the players.</a:t>
+            </a:r>
+          </a:p>
+          <a:p>
+            <a:pPr marL="0" indent="0">
+              <a:buNone/>
+            </a:pPr>
+            <a:endParaRPr lang="it-IT" dirty="0"/>
+          </a:p>
+          <a:p>
+            <a:pPr marL="0" indent="0">
+              <a:buNone/>
+            </a:pPr>
+            <a:r>
+              <a:rPr lang="it-IT" dirty="0"/>
+              <a:t>Giulia Bernardi </a:t>
+            </a:r>
+            <a:r>
+              <a:rPr lang="it-IT" dirty="0" err="1"/>
+              <a:t>prepared</a:t>
+            </a:r>
+            <a:r>
+              <a:rPr lang="it-IT" dirty="0"/>
+              <a:t> the </a:t>
+            </a:r>
+            <a:r>
+              <a:rPr lang="it-IT" dirty="0" err="1"/>
+              <a:t>presentation</a:t>
+            </a:r>
+            <a:r>
+              <a:rPr lang="it-IT" dirty="0"/>
+              <a:t> for the </a:t>
+            </a:r>
+            <a:r>
+              <a:rPr lang="it-IT" dirty="0" err="1"/>
+              <a:t>exam</a:t>
+            </a:r>
+            <a:r>
+              <a:rPr lang="it-IT" dirty="0"/>
+              <a:t>.</a:t>
+            </a:r>
+          </a:p>
+          <a:p>
+            <a:pPr marL="0" indent="0">
+              <a:buNone/>
+            </a:pPr>
+            <a:endParaRPr lang="it-IT" dirty="0"/>
+          </a:p>
+          <a:p>
+            <a:pPr marL="0" indent="0">
+              <a:buNone/>
+            </a:pPr>
+            <a:r>
+              <a:rPr lang="it-IT" dirty="0"/>
+              <a:t>An </a:t>
+            </a:r>
+            <a:r>
+              <a:rPr lang="it-IT" dirty="0" err="1"/>
+              <a:t>additional</a:t>
+            </a:r>
+            <a:r>
+              <a:rPr lang="it-IT" dirty="0"/>
+              <a:t> idea </a:t>
+            </a:r>
+            <a:r>
+              <a:rPr lang="it-IT" dirty="0" err="1"/>
+              <a:t>was</a:t>
+            </a:r>
+            <a:r>
+              <a:rPr lang="it-IT" dirty="0"/>
+              <a:t> to </a:t>
+            </a:r>
+            <a:r>
+              <a:rPr lang="it-IT" dirty="0" err="1"/>
+              <a:t>insert</a:t>
+            </a:r>
+            <a:r>
+              <a:rPr lang="it-IT" dirty="0"/>
+              <a:t> a «I </a:t>
+            </a:r>
+            <a:r>
+              <a:rPr lang="it-IT" dirty="0" err="1"/>
+              <a:t>give</a:t>
+            </a:r>
+            <a:r>
+              <a:rPr lang="it-IT" dirty="0"/>
+              <a:t> up» </a:t>
+            </a:r>
+            <a:r>
+              <a:rPr lang="it-IT" dirty="0" err="1"/>
+              <a:t>button</a:t>
+            </a:r>
+            <a:r>
+              <a:rPr lang="it-IT" dirty="0"/>
+              <a:t>.</a:t>
+            </a:r>
+          </a:p>
+        </p:txBody>
+      </p:sp>
+      <p:pic>
+        <p:nvPicPr>
+          <p:cNvPr id="5" name="Immagine 4" descr="Immagine che contiene testo, screenshot, arancia, vicino&#10;&#10;Descrizione generata automaticamente">
+            <a:extLst>
+              <a:ext uri="{FF2B5EF4-FFF2-40B4-BE49-F238E27FC236}">
+                <a16:creationId xmlns:a16="http://schemas.microsoft.com/office/drawing/2014/main" id="{0089E700-A304-7747-329D-E305A148FDEC}"/>
+              </a:ext>
+            </a:extLst>
+          </p:cNvPr>
+          <p:cNvPicPr>
+            <a:picLocks noChangeAspect="1"/>
+          </p:cNvPicPr>
+          <p:nvPr/>
+        </p:nvPicPr>
+        <p:blipFill>
+          <a:blip r:embed="rId2">
+            <a:extLst>
+              <a:ext uri="{28A0092B-C50C-407E-A947-70E740481C1C}">
+                <a14:useLocalDpi xmlns:a14="http://schemas.microsoft.com/office/drawing/2010/main" val="0"/>
+              </a:ext>
+            </a:extLst>
+          </a:blip>
+          <a:stretch>
+            <a:fillRect/>
+          </a:stretch>
+        </p:blipFill>
+        <p:spPr>
+          <a:xfrm>
+            <a:off x="8571909" y="4680249"/>
+            <a:ext cx="3038899" cy="647790"/>
+          </a:xfrm>
+          <a:prstGeom prst="rect">
+            <a:avLst/>
+          </a:prstGeom>
+        </p:spPr>
+      </p:pic>
+      <p:pic>
+        <p:nvPicPr>
+          <p:cNvPr id="7" name="Immagine 6" descr="Immagine che contiene testo&#10;&#10;Descrizione generata automaticamente">
+            <a:extLst>
+              <a:ext uri="{FF2B5EF4-FFF2-40B4-BE49-F238E27FC236}">
+                <a16:creationId xmlns:a16="http://schemas.microsoft.com/office/drawing/2014/main" id="{A522FC90-154E-79F4-2C35-9F58A96D26E2}"/>
+              </a:ext>
+            </a:extLst>
+          </p:cNvPr>
+          <p:cNvPicPr>
+            <a:picLocks noChangeAspect="1"/>
+          </p:cNvPicPr>
+          <p:nvPr/>
+        </p:nvPicPr>
+        <p:blipFill>
+          <a:blip r:embed="rId3">
+            <a:extLst>
+              <a:ext uri="{28A0092B-C50C-407E-A947-70E740481C1C}">
+                <a14:useLocalDpi xmlns:a14="http://schemas.microsoft.com/office/drawing/2010/main" val="0"/>
+              </a:ext>
+            </a:extLst>
+          </a:blip>
+          <a:stretch>
+            <a:fillRect/>
+          </a:stretch>
+        </p:blipFill>
+        <p:spPr>
+          <a:xfrm>
+            <a:off x="8415336" y="3087291"/>
+            <a:ext cx="3175971" cy="1188721"/>
+          </a:xfrm>
+          <a:prstGeom prst="rect">
+            <a:avLst/>
+          </a:prstGeom>
+        </p:spPr>
+      </p:pic>
+    </p:spTree>
+    <p:extLst>
+      <p:ext uri="{BB962C8B-B14F-4D97-AF65-F5344CB8AC3E}">
+        <p14:creationId xmlns:p14="http://schemas.microsoft.com/office/powerpoint/2010/main" val="717981773"/>
+      </p:ext>
+    </p:extLst>
+  </p:cSld>
+  <p:clrMapOvr>
+    <a:masterClrMapping/>
+  </p:clrMapOvr>
+</p:sld>
+</file>
+
+<file path=ppt/slides/slide18.xml><?xml version="1.0" encoding="utf-8"?>
+<p:sld xmlns:a="http://schemas.openxmlformats.org/drawingml/2006/main" xmlns:r="http://schemas.openxmlformats.org/officeDocument/2006/relationships" xmlns:p="http://schemas.openxmlformats.org/presentationml/2006/main">
+  <p:cSld>
+    <p:spTree>
+      <p:nvGrpSpPr>
+        <p:cNvPr id="1" name=""/>
+        <p:cNvGrpSpPr/>
+        <p:nvPr/>
+      </p:nvGrpSpPr>
+      <p:grpSpPr>
+        <a:xfrm>
+          <a:off x="0" y="0"/>
+          <a:ext cx="0" cy="0"/>
+          <a:chOff x="0" y="0"/>
+          <a:chExt cx="0" cy="0"/>
+        </a:xfrm>
+      </p:grpSpPr>
+      <p:sp>
+        <p:nvSpPr>
+          <p:cNvPr id="2" name="Titolo 1">
+            <a:extLst>
+              <a:ext uri="{FF2B5EF4-FFF2-40B4-BE49-F238E27FC236}">
+                <a16:creationId xmlns:a16="http://schemas.microsoft.com/office/drawing/2014/main" id="{9AC72F55-1391-D9D6-6B7D-F1676B5DA250}"/>
+              </a:ext>
+            </a:extLst>
+          </p:cNvPr>
+          <p:cNvSpPr>
+            <a:spLocks noGrp="1"/>
+          </p:cNvSpPr>
+          <p:nvPr>
+            <p:ph type="title"/>
+          </p:nvPr>
+        </p:nvSpPr>
+        <p:spPr/>
+        <p:txBody>
+          <a:bodyPr/>
+          <a:lstStyle/>
+          <a:p>
+            <a:r>
+              <a:rPr lang="it-IT" dirty="0"/>
+              <a:t>STEP 5: A LOT OF REFACTORING</a:t>
+            </a:r>
+          </a:p>
+        </p:txBody>
+      </p:sp>
+      <p:sp>
+        <p:nvSpPr>
+          <p:cNvPr id="3" name="Segnaposto contenuto 2">
+            <a:extLst>
+              <a:ext uri="{FF2B5EF4-FFF2-40B4-BE49-F238E27FC236}">
+                <a16:creationId xmlns:a16="http://schemas.microsoft.com/office/drawing/2014/main" id="{0052918B-F72E-A216-50BB-5A3636A3715D}"/>
+              </a:ext>
+            </a:extLst>
+          </p:cNvPr>
+          <p:cNvSpPr>
+            <a:spLocks noGrp="1"/>
+          </p:cNvSpPr>
+          <p:nvPr>
+            <p:ph idx="1"/>
+          </p:nvPr>
+        </p:nvSpPr>
+        <p:spPr/>
+        <p:txBody>
+          <a:bodyPr/>
+          <a:lstStyle/>
+          <a:p>
+            <a:endParaRPr lang="it-IT"/>
+          </a:p>
+        </p:txBody>
+      </p:sp>
+    </p:spTree>
+    <p:extLst>
+      <p:ext uri="{BB962C8B-B14F-4D97-AF65-F5344CB8AC3E}">
+        <p14:creationId xmlns:p14="http://schemas.microsoft.com/office/powerpoint/2010/main" val="730141618"/>
+      </p:ext>
+    </p:extLst>
+  </p:cSld>
+  <p:clrMapOvr>
+    <a:masterClrMapping/>
+  </p:clrMapOvr>
+</p:sld>
+</file>
+
+<file path=ppt/slides/slide19.xml><?xml version="1.0" encoding="utf-8"?>
+<p:sld xmlns:a="http://schemas.openxmlformats.org/drawingml/2006/main" xmlns:r="http://schemas.openxmlformats.org/officeDocument/2006/relationships" xmlns:p="http://schemas.openxmlformats.org/presentationml/2006/main">
+  <p:cSld>
+    <p:bg>
+      <p:bgPr>
+        <a:solidFill>
+          <a:schemeClr val="bg2"/>
+        </a:solidFill>
+        <a:effectLst/>
+      </p:bgPr>
+    </p:bg>
+    <p:spTree>
+      <p:nvGrpSpPr>
+        <p:cNvPr id="1" name=""/>
+        <p:cNvGrpSpPr/>
+        <p:nvPr/>
+      </p:nvGrpSpPr>
+      <p:grpSpPr>
+        <a:xfrm>
+          <a:off x="0" y="0"/>
+          <a:ext cx="0" cy="0"/>
+          <a:chOff x="0" y="0"/>
+          <a:chExt cx="0" cy="0"/>
+        </a:xfrm>
+      </p:grpSpPr>
+      <p:sp useBgFill="1">
+        <p:nvSpPr>
+          <p:cNvPr id="8" name="Rectangle 7">
+            <a:extLst>
+              <a:ext uri="{FF2B5EF4-FFF2-40B4-BE49-F238E27FC236}">
+                <a16:creationId xmlns:a16="http://schemas.microsoft.com/office/drawing/2014/main" id="{9B6B47BF-F3D0-4678-9B20-DA45E1BCAD6C}"/>
+              </a:ext>
+              <a:ext uri="{C183D7F6-B498-43B3-948B-1728B52AA6E4}">
+                <adec:decorative xmlns:adec="http://schemas.microsoft.com/office/drawing/2017/decorative" val="1"/>
+              </a:ext>
+            </a:extLst>
+          </p:cNvPr>
+          <p:cNvSpPr>
+            <a:spLocks noGrp="1" noRot="1" noChangeAspect="1" noMove="1" noResize="1" noEditPoints="1" noAdjustHandles="1" noChangeArrowheads="1" noChangeShapeType="1" noTextEdit="1"/>
+          </p:cNvSpPr>
+          <p:nvPr>
+            <p:extLst>
+              <p:ext uri="{386F3935-93C4-4BCD-93E2-E3B085C9AB24}">
+                <p16:designElem xmlns:p16="http://schemas.microsoft.com/office/powerpoint/2015/main" val="1"/>
+              </p:ext>
+            </p:extLst>
+          </p:nvPr>
+        </p:nvSpPr>
+        <p:spPr>
+          <a:xfrm>
+            <a:off x="0" y="0"/>
+            <a:ext cx="12192000" cy="6858000"/>
+          </a:xfrm>
+          <a:prstGeom prst="rect">
+            <a:avLst/>
+          </a:prstGeom>
+          <a:ln>
+            <a:noFill/>
+          </a:ln>
+        </p:spPr>
+        <p:style>
+          <a:lnRef idx="2">
+            <a:schemeClr val="accent1">
+              <a:shade val="50000"/>
+            </a:schemeClr>
+          </a:lnRef>
+          <a:fillRef idx="1">
+            <a:schemeClr val="accent1"/>
+          </a:fillRef>
+          <a:effectRef idx="0">
+            <a:schemeClr val="accent1"/>
+          </a:effectRef>
+          <a:fontRef idx="minor">
+            <a:schemeClr val="lt1"/>
+          </a:fontRef>
+        </p:style>
+        <p:txBody>
+          <a:bodyPr rtlCol="0" anchor="ctr"/>
+          <a:lstStyle/>
+          <a:p>
+            <a:pPr algn="ctr"/>
+            <a:endParaRPr lang="en-US"/>
+          </a:p>
+        </p:txBody>
+      </p:sp>
+      <p:sp>
+        <p:nvSpPr>
+          <p:cNvPr id="2" name="Titolo 1">
+            <a:extLst>
+              <a:ext uri="{FF2B5EF4-FFF2-40B4-BE49-F238E27FC236}">
+                <a16:creationId xmlns:a16="http://schemas.microsoft.com/office/drawing/2014/main" id="{8F02B39A-02F5-AA51-F7DD-82341F37519F}"/>
+              </a:ext>
+            </a:extLst>
+          </p:cNvPr>
+          <p:cNvSpPr>
+            <a:spLocks noGrp="1"/>
+          </p:cNvSpPr>
+          <p:nvPr>
+            <p:ph type="title"/>
+          </p:nvPr>
+        </p:nvSpPr>
+        <p:spPr>
+          <a:xfrm>
+            <a:off x="581192" y="1124999"/>
+            <a:ext cx="4076149" cy="4608003"/>
+          </a:xfrm>
+        </p:spPr>
+        <p:txBody>
+          <a:bodyPr anchor="ctr">
+            <a:normAutofit/>
+          </a:bodyPr>
+          <a:lstStyle/>
+          <a:p>
+            <a:r>
+              <a:rPr lang="it-IT" sz="4000">
+                <a:solidFill>
+                  <a:schemeClr val="accent1"/>
+                </a:solidFill>
+              </a:rPr>
+              <a:t>FUTURE STEPS: POSSIBLE UPDATES</a:t>
+            </a:r>
+          </a:p>
+        </p:txBody>
+      </p:sp>
+      <p:sp>
+        <p:nvSpPr>
+          <p:cNvPr id="10" name="Rectangle 9">
+            <a:extLst>
+              <a:ext uri="{FF2B5EF4-FFF2-40B4-BE49-F238E27FC236}">
+                <a16:creationId xmlns:a16="http://schemas.microsoft.com/office/drawing/2014/main" id="{19334917-3673-4EF2-BA7C-CC83AEEEAE37}"/>
+              </a:ext>
+              <a:ext uri="{C183D7F6-B498-43B3-948B-1728B52AA6E4}">
+                <adec:decorative xmlns:adec="http://schemas.microsoft.com/office/drawing/2017/decorative" val="1"/>
+              </a:ext>
+            </a:extLst>
+          </p:cNvPr>
+          <p:cNvSpPr>
+            <a:spLocks noGrp="1" noRot="1" noChangeAspect="1" noMove="1" noResize="1" noEditPoints="1" noAdjustHandles="1" noChangeArrowheads="1" noChangeShapeType="1" noTextEdit="1"/>
+          </p:cNvSpPr>
+          <p:nvPr>
+            <p:extLst>
+              <p:ext uri="{386F3935-93C4-4BCD-93E2-E3B085C9AB24}">
+                <p16:designElem xmlns:p16="http://schemas.microsoft.com/office/powerpoint/2015/main" val="1"/>
+              </p:ext>
+            </p:extLst>
+          </p:nvPr>
+        </p:nvSpPr>
+        <p:spPr>
+          <a:xfrm>
+            <a:off x="455673" y="457200"/>
+            <a:ext cx="4206240" cy="94997"/>
+          </a:xfrm>
+          <a:prstGeom prst="rect">
+            <a:avLst/>
+          </a:prstGeom>
+          <a:solidFill>
+            <a:srgbClr val="969FA7"/>
+          </a:solidFill>
+          <a:ln>
+            <a:noFill/>
+          </a:ln>
+          <a:effectLst/>
+        </p:spPr>
+        <p:style>
+          <a:lnRef idx="1">
+            <a:schemeClr val="accent1"/>
+          </a:lnRef>
+          <a:fillRef idx="3">
+            <a:schemeClr val="accent1"/>
+          </a:fillRef>
+          <a:effectRef idx="2">
+            <a:schemeClr val="accent1"/>
+          </a:effectRef>
+          <a:fontRef idx="minor">
+            <a:schemeClr val="lt1"/>
+          </a:fontRef>
+        </p:style>
+      </p:sp>
+      <p:sp>
+        <p:nvSpPr>
+          <p:cNvPr id="12" name="Rectangle 11">
+            <a:extLst>
+              <a:ext uri="{FF2B5EF4-FFF2-40B4-BE49-F238E27FC236}">
+                <a16:creationId xmlns:a16="http://schemas.microsoft.com/office/drawing/2014/main" id="{E1589AE1-C0FC-4B66-9C0D-9EB92F40F440}"/>
+              </a:ext>
+              <a:ext uri="{C183D7F6-B498-43B3-948B-1728B52AA6E4}">
+                <adec:decorative xmlns:adec="http://schemas.microsoft.com/office/drawing/2017/decorative" val="1"/>
+              </a:ext>
+            </a:extLst>
+          </p:cNvPr>
+          <p:cNvSpPr>
+            <a:spLocks noGrp="1" noRot="1" noChangeAspect="1" noMove="1" noResize="1" noEditPoints="1" noAdjustHandles="1" noChangeArrowheads="1" noChangeShapeType="1" noTextEdit="1"/>
+          </p:cNvSpPr>
+          <p:nvPr>
+            <p:extLst>
+              <p:ext uri="{386F3935-93C4-4BCD-93E2-E3B085C9AB24}">
+                <p16:designElem xmlns:p16="http://schemas.microsoft.com/office/powerpoint/2015/main" val="1"/>
+              </p:ext>
+            </p:extLst>
+          </p:nvPr>
+        </p:nvSpPr>
+        <p:spPr>
+          <a:xfrm>
+            <a:off x="5117585" y="457200"/>
+            <a:ext cx="6583680" cy="91440"/>
+          </a:xfrm>
+          <a:prstGeom prst="rect">
+            <a:avLst/>
+          </a:prstGeom>
+          <a:solidFill>
+            <a:schemeClr val="accent1"/>
+          </a:solidFill>
+          <a:ln>
+            <a:noFill/>
+          </a:ln>
+          <a:effectLst/>
+        </p:spPr>
+        <p:style>
+          <a:lnRef idx="1">
+            <a:schemeClr val="accent1"/>
+          </a:lnRef>
+          <a:fillRef idx="3">
+            <a:schemeClr val="accent1"/>
+          </a:fillRef>
+          <a:effectRef idx="2">
+            <a:schemeClr val="accent1"/>
+          </a:effectRef>
+          <a:fontRef idx="minor">
+            <a:schemeClr val="lt1"/>
+          </a:fontRef>
+        </p:style>
+      </p:sp>
+      <p:sp>
+        <p:nvSpPr>
+          <p:cNvPr id="3" name="Segnaposto contenuto 2">
+            <a:extLst>
+              <a:ext uri="{FF2B5EF4-FFF2-40B4-BE49-F238E27FC236}">
+                <a16:creationId xmlns:a16="http://schemas.microsoft.com/office/drawing/2014/main" id="{72BA2FC5-A40B-C1B7-1342-1816F9788904}"/>
+              </a:ext>
+            </a:extLst>
+          </p:cNvPr>
+          <p:cNvSpPr>
+            <a:spLocks noGrp="1"/>
+          </p:cNvSpPr>
+          <p:nvPr>
+            <p:ph idx="1"/>
+          </p:nvPr>
+        </p:nvSpPr>
+        <p:spPr>
+          <a:xfrm>
+            <a:off x="5117586" y="1124998"/>
+            <a:ext cx="6143248" cy="4608003"/>
+          </a:xfrm>
+        </p:spPr>
+        <p:txBody>
+          <a:bodyPr>
+            <a:normAutofit/>
+          </a:bodyPr>
+          <a:lstStyle/>
+          <a:p>
+            <a:pPr marL="0" indent="0">
+              <a:buNone/>
+            </a:pPr>
+            <a:r>
+              <a:rPr lang="it-IT" sz="2000"/>
+              <a:t>We identified some possible future improvements that can be added to make this software even better:</a:t>
+            </a:r>
+          </a:p>
+          <a:p>
+            <a:r>
+              <a:rPr lang="it-IT" sz="2000"/>
+              <a:t>A timer to regulate turns’ length.</a:t>
+            </a:r>
+          </a:p>
+          <a:p>
+            <a:r>
+              <a:rPr lang="it-IT" sz="2000"/>
+              <a:t>An ‘undo’ button, in case the user clicks unvoluntarily placing a piece.</a:t>
+            </a:r>
+          </a:p>
+        </p:txBody>
+      </p:sp>
+    </p:spTree>
+    <p:extLst>
+      <p:ext uri="{BB962C8B-B14F-4D97-AF65-F5344CB8AC3E}">
+        <p14:creationId xmlns:p14="http://schemas.microsoft.com/office/powerpoint/2010/main" val="2566746084"/>
+      </p:ext>
+    </p:extLst>
+  </p:cSld>
+  <p:clrMapOvr>
+    <a:overrideClrMapping bg1="dk1" tx1="lt1" bg2="dk2" tx2="lt2" accent1="accent1" accent2="accent2" accent3="accent3" accent4="accent4" accent5="accent5" accent6="accent6" hlink="hlink" folHlink="folHlink"/>
+  </p:clrMapOvr>
+</p:sld>
+</file>
+
 <file path=ppt/slides/slide2.xml><?xml version="1.0" encoding="utf-8"?>
 <p:sld xmlns:a="http://schemas.openxmlformats.org/drawingml/2006/main" xmlns:r="http://schemas.openxmlformats.org/officeDocument/2006/relationships" xmlns:p="http://schemas.openxmlformats.org/presentationml/2006/main">
   <p:cSld>
@@ -4804,6 +9345,762 @@
   </p:cSld>
   <p:clrMapOvr>
     <a:masterClrMapping/>
+  </p:clrMapOvr>
+</p:sld>
+</file>
+
+<file path=ppt/slides/slide20.xml><?xml version="1.0" encoding="utf-8"?>
+<p:sld xmlns:a="http://schemas.openxmlformats.org/drawingml/2006/main" xmlns:r="http://schemas.openxmlformats.org/officeDocument/2006/relationships" xmlns:p="http://schemas.openxmlformats.org/presentationml/2006/main">
+  <p:cSld>
+    <p:bg>
+      <p:bgPr>
+        <a:solidFill>
+          <a:schemeClr val="bg1"/>
+        </a:solidFill>
+        <a:effectLst/>
+      </p:bgPr>
+    </p:bg>
+    <p:spTree>
+      <p:nvGrpSpPr>
+        <p:cNvPr id="1" name=""/>
+        <p:cNvGrpSpPr/>
+        <p:nvPr/>
+      </p:nvGrpSpPr>
+      <p:grpSpPr>
+        <a:xfrm>
+          <a:off x="0" y="0"/>
+          <a:ext cx="0" cy="0"/>
+          <a:chOff x="0" y="0"/>
+          <a:chExt cx="0" cy="0"/>
+        </a:xfrm>
+      </p:grpSpPr>
+      <p:sp useBgFill="1">
+        <p:nvSpPr>
+          <p:cNvPr id="10" name="Rectangle 9">
+            <a:extLst>
+              <a:ext uri="{FF2B5EF4-FFF2-40B4-BE49-F238E27FC236}">
+                <a16:creationId xmlns:a16="http://schemas.microsoft.com/office/drawing/2014/main" id="{39171204-6A50-40E1-B631-84CEDFC9396A}"/>
+              </a:ext>
+              <a:ext uri="{C183D7F6-B498-43B3-948B-1728B52AA6E4}">
+                <adec:decorative xmlns:adec="http://schemas.microsoft.com/office/drawing/2017/decorative" val="1"/>
+              </a:ext>
+            </a:extLst>
+          </p:cNvPr>
+          <p:cNvSpPr>
+            <a:spLocks noGrp="1" noRot="1" noChangeAspect="1" noMove="1" noResize="1" noEditPoints="1" noAdjustHandles="1" noChangeArrowheads="1" noChangeShapeType="1" noTextEdit="1"/>
+          </p:cNvSpPr>
+          <p:nvPr>
+            <p:extLst>
+              <p:ext uri="{386F3935-93C4-4BCD-93E2-E3B085C9AB24}">
+                <p16:designElem xmlns:p16="http://schemas.microsoft.com/office/powerpoint/2015/main" val="1"/>
+              </p:ext>
+            </p:extLst>
+          </p:nvPr>
+        </p:nvSpPr>
+        <p:spPr>
+          <a:xfrm>
+            <a:off x="0" y="0"/>
+            <a:ext cx="12192000" cy="6858000"/>
+          </a:xfrm>
+          <a:prstGeom prst="rect">
+            <a:avLst/>
+          </a:prstGeom>
+          <a:ln>
+            <a:noFill/>
+          </a:ln>
+        </p:spPr>
+        <p:style>
+          <a:lnRef idx="2">
+            <a:schemeClr val="accent1">
+              <a:shade val="50000"/>
+            </a:schemeClr>
+          </a:lnRef>
+          <a:fillRef idx="1">
+            <a:schemeClr val="accent1"/>
+          </a:fillRef>
+          <a:effectRef idx="0">
+            <a:schemeClr val="accent1"/>
+          </a:effectRef>
+          <a:fontRef idx="minor">
+            <a:schemeClr val="lt1"/>
+          </a:fontRef>
+        </p:style>
+        <p:txBody>
+          <a:bodyPr rtlCol="0" anchor="ctr"/>
+          <a:lstStyle/>
+          <a:p>
+            <a:pPr algn="ctr"/>
+            <a:endParaRPr lang="en-US"/>
+          </a:p>
+        </p:txBody>
+      </p:sp>
+      <p:sp>
+        <p:nvSpPr>
+          <p:cNvPr id="12" name="Rectangle 11">
+            <a:extLst>
+              <a:ext uri="{FF2B5EF4-FFF2-40B4-BE49-F238E27FC236}">
+                <a16:creationId xmlns:a16="http://schemas.microsoft.com/office/drawing/2014/main" id="{06C973F6-5187-412F-AACC-6E3FF8A6A12C}"/>
+              </a:ext>
+              <a:ext uri="{C183D7F6-B498-43B3-948B-1728B52AA6E4}">
+                <adec:decorative xmlns:adec="http://schemas.microsoft.com/office/drawing/2017/decorative" val="1"/>
+              </a:ext>
+            </a:extLst>
+          </p:cNvPr>
+          <p:cNvSpPr>
+            <a:spLocks noGrp="1" noRot="1" noChangeAspect="1" noMove="1" noResize="1" noEditPoints="1" noAdjustHandles="1" noChangeArrowheads="1" noChangeShapeType="1" noTextEdit="1"/>
+          </p:cNvSpPr>
+          <p:nvPr>
+            <p:extLst>
+              <p:ext uri="{386F3935-93C4-4BCD-93E2-E3B085C9AB24}">
+                <p16:designElem xmlns:p16="http://schemas.microsoft.com/office/powerpoint/2015/main" val="1"/>
+              </p:ext>
+            </p:extLst>
+          </p:nvPr>
+        </p:nvSpPr>
+        <p:spPr>
+          <a:xfrm>
+            <a:off x="509628" y="496959"/>
+            <a:ext cx="1106164" cy="5859735"/>
+          </a:xfrm>
+          <a:prstGeom prst="rect">
+            <a:avLst/>
+          </a:prstGeom>
+          <a:solidFill>
+            <a:srgbClr val="465359"/>
+          </a:solidFill>
+          <a:ln>
+            <a:noFill/>
+          </a:ln>
+          <a:effectLst/>
+        </p:spPr>
+        <p:style>
+          <a:lnRef idx="1">
+            <a:schemeClr val="accent1"/>
+          </a:lnRef>
+          <a:fillRef idx="3">
+            <a:schemeClr val="accent1"/>
+          </a:fillRef>
+          <a:effectRef idx="2">
+            <a:schemeClr val="accent1"/>
+          </a:effectRef>
+          <a:fontRef idx="minor">
+            <a:schemeClr val="lt1"/>
+          </a:fontRef>
+        </p:style>
+      </p:sp>
+      <p:sp>
+        <p:nvSpPr>
+          <p:cNvPr id="14" name="Rectangle 13">
+            <a:extLst>
+              <a:ext uri="{FF2B5EF4-FFF2-40B4-BE49-F238E27FC236}">
+                <a16:creationId xmlns:a16="http://schemas.microsoft.com/office/drawing/2014/main" id="{D11AE14F-1B7E-41E6-B579-2F71D135036C}"/>
+              </a:ext>
+              <a:ext uri="{C183D7F6-B498-43B3-948B-1728B52AA6E4}">
+                <adec:decorative xmlns:adec="http://schemas.microsoft.com/office/drawing/2017/decorative" val="1"/>
+              </a:ext>
+            </a:extLst>
+          </p:cNvPr>
+          <p:cNvSpPr>
+            <a:spLocks noGrp="1" noRot="1" noChangeAspect="1" noMove="1" noResize="1" noEditPoints="1" noAdjustHandles="1" noChangeArrowheads="1" noChangeShapeType="1" noTextEdit="1"/>
+          </p:cNvSpPr>
+          <p:nvPr>
+            <p:extLst>
+              <p:ext uri="{386F3935-93C4-4BCD-93E2-E3B085C9AB24}">
+                <p16:designElem xmlns:p16="http://schemas.microsoft.com/office/powerpoint/2015/main" val="1"/>
+              </p:ext>
+            </p:extLst>
+          </p:nvPr>
+        </p:nvSpPr>
+        <p:spPr>
+          <a:xfrm>
+            <a:off x="1712856" y="496958"/>
+            <a:ext cx="9961047" cy="3678072"/>
+          </a:xfrm>
+          <a:prstGeom prst="rect">
+            <a:avLst/>
+          </a:prstGeom>
+          <a:solidFill>
+            <a:schemeClr val="accent1"/>
+          </a:solidFill>
+          <a:ln>
+            <a:noFill/>
+          </a:ln>
+          <a:effectLst/>
+        </p:spPr>
+        <p:style>
+          <a:lnRef idx="1">
+            <a:schemeClr val="accent1"/>
+          </a:lnRef>
+          <a:fillRef idx="3">
+            <a:schemeClr val="accent1"/>
+          </a:fillRef>
+          <a:effectRef idx="2">
+            <a:schemeClr val="accent1"/>
+          </a:effectRef>
+          <a:fontRef idx="minor">
+            <a:schemeClr val="lt1"/>
+          </a:fontRef>
+        </p:style>
+      </p:sp>
+      <p:sp>
+        <p:nvSpPr>
+          <p:cNvPr id="4" name="Titolo 3">
+            <a:extLst>
+              <a:ext uri="{FF2B5EF4-FFF2-40B4-BE49-F238E27FC236}">
+                <a16:creationId xmlns:a16="http://schemas.microsoft.com/office/drawing/2014/main" id="{E0627449-589A-7E47-1022-89BBF68ED9DB}"/>
+              </a:ext>
+            </a:extLst>
+          </p:cNvPr>
+          <p:cNvSpPr>
+            <a:spLocks noGrp="1"/>
+          </p:cNvSpPr>
+          <p:nvPr>
+            <p:ph type="ctrTitle"/>
+          </p:nvPr>
+        </p:nvSpPr>
+        <p:spPr>
+          <a:xfrm>
+            <a:off x="1893715" y="708498"/>
+            <a:ext cx="7574507" cy="3330055"/>
+          </a:xfrm>
+        </p:spPr>
+        <p:txBody>
+          <a:bodyPr anchor="ctr">
+            <a:normAutofit/>
+          </a:bodyPr>
+          <a:lstStyle/>
+          <a:p>
+            <a:r>
+              <a:rPr lang="it-IT" sz="6000" dirty="0">
+                <a:solidFill>
+                  <a:srgbClr val="FFFFFF"/>
+                </a:solidFill>
+              </a:rPr>
+              <a:t>DEMONSTRATION OF OUR CODE</a:t>
+            </a:r>
+          </a:p>
+        </p:txBody>
+      </p:sp>
+      <p:sp>
+        <p:nvSpPr>
+          <p:cNvPr id="16" name="Rectangle 15">
+            <a:extLst>
+              <a:ext uri="{FF2B5EF4-FFF2-40B4-BE49-F238E27FC236}">
+                <a16:creationId xmlns:a16="http://schemas.microsoft.com/office/drawing/2014/main" id="{752BB805-F7B7-4B80-A1C5-385D4DAF74D0}"/>
+              </a:ext>
+              <a:ext uri="{C183D7F6-B498-43B3-948B-1728B52AA6E4}">
+                <adec:decorative xmlns:adec="http://schemas.microsoft.com/office/drawing/2017/decorative" val="1"/>
+              </a:ext>
+            </a:extLst>
+          </p:cNvPr>
+          <p:cNvSpPr>
+            <a:spLocks noGrp="1" noRot="1" noChangeAspect="1" noMove="1" noResize="1" noEditPoints="1" noAdjustHandles="1" noChangeArrowheads="1" noChangeShapeType="1" noTextEdit="1"/>
+          </p:cNvSpPr>
+          <p:nvPr>
+            <p:extLst>
+              <p:ext uri="{386F3935-93C4-4BCD-93E2-E3B085C9AB24}">
+                <p16:designElem xmlns:p16="http://schemas.microsoft.com/office/powerpoint/2015/main" val="1"/>
+              </p:ext>
+            </p:extLst>
+          </p:nvPr>
+        </p:nvSpPr>
+        <p:spPr>
+          <a:xfrm>
+            <a:off x="1712789" y="4284212"/>
+            <a:ext cx="9961115" cy="2072481"/>
+          </a:xfrm>
+          <a:prstGeom prst="rect">
+            <a:avLst/>
+          </a:prstGeom>
+          <a:solidFill>
+            <a:srgbClr val="6C7781">
+              <a:alpha val="80000"/>
+            </a:srgbClr>
+          </a:solidFill>
+          <a:ln>
+            <a:noFill/>
+          </a:ln>
+          <a:effectLst/>
+        </p:spPr>
+        <p:style>
+          <a:lnRef idx="1">
+            <a:schemeClr val="accent1"/>
+          </a:lnRef>
+          <a:fillRef idx="3">
+            <a:schemeClr val="accent1"/>
+          </a:fillRef>
+          <a:effectRef idx="2">
+            <a:schemeClr val="accent1"/>
+          </a:effectRef>
+          <a:fontRef idx="minor">
+            <a:schemeClr val="lt1"/>
+          </a:fontRef>
+        </p:style>
+      </p:sp>
+      <p:sp>
+        <p:nvSpPr>
+          <p:cNvPr id="5" name="Sottotitolo 4">
+            <a:extLst>
+              <a:ext uri="{FF2B5EF4-FFF2-40B4-BE49-F238E27FC236}">
+                <a16:creationId xmlns:a16="http://schemas.microsoft.com/office/drawing/2014/main" id="{52759A0F-7D0B-7983-F484-89352A82CC84}"/>
+              </a:ext>
+            </a:extLst>
+          </p:cNvPr>
+          <p:cNvSpPr>
+            <a:spLocks noGrp="1"/>
+          </p:cNvSpPr>
+          <p:nvPr>
+            <p:ph type="subTitle" idx="1"/>
+          </p:nvPr>
+        </p:nvSpPr>
+        <p:spPr>
+          <a:xfrm>
+            <a:off x="1893715" y="4502576"/>
+            <a:ext cx="7574507" cy="1640983"/>
+          </a:xfrm>
+        </p:spPr>
+        <p:txBody>
+          <a:bodyPr anchor="t">
+            <a:normAutofit/>
+          </a:bodyPr>
+          <a:lstStyle/>
+          <a:p>
+            <a:r>
+              <a:rPr lang="it-IT" sz="3200" dirty="0">
+                <a:solidFill>
+                  <a:srgbClr val="FFFFFF"/>
+                </a:solidFill>
+              </a:rPr>
+              <a:t>NOW WE WILL SHOW OUR RESULTS</a:t>
+            </a:r>
+          </a:p>
+        </p:txBody>
+      </p:sp>
+    </p:spTree>
+    <p:extLst>
+      <p:ext uri="{BB962C8B-B14F-4D97-AF65-F5344CB8AC3E}">
+        <p14:creationId xmlns:p14="http://schemas.microsoft.com/office/powerpoint/2010/main" val="4049140543"/>
+      </p:ext>
+    </p:extLst>
+  </p:cSld>
+  <p:clrMapOvr>
+    <a:masterClrMapping/>
+  </p:clrMapOvr>
+</p:sld>
+</file>
+
+<file path=ppt/slides/slide21.xml><?xml version="1.0" encoding="utf-8"?>
+<p:sld xmlns:a="http://schemas.openxmlformats.org/drawingml/2006/main" xmlns:r="http://schemas.openxmlformats.org/officeDocument/2006/relationships" xmlns:p="http://schemas.openxmlformats.org/presentationml/2006/main">
+  <p:cSld>
+    <p:bg>
+      <p:bgPr>
+        <a:solidFill>
+          <a:schemeClr val="bg2"/>
+        </a:solidFill>
+        <a:effectLst/>
+      </p:bgPr>
+    </p:bg>
+    <p:spTree>
+      <p:nvGrpSpPr>
+        <p:cNvPr id="1" name=""/>
+        <p:cNvGrpSpPr/>
+        <p:nvPr/>
+      </p:nvGrpSpPr>
+      <p:grpSpPr>
+        <a:xfrm>
+          <a:off x="0" y="0"/>
+          <a:ext cx="0" cy="0"/>
+          <a:chOff x="0" y="0"/>
+          <a:chExt cx="0" cy="0"/>
+        </a:xfrm>
+      </p:grpSpPr>
+      <p:sp>
+        <p:nvSpPr>
+          <p:cNvPr id="9" name="Rectangle 8">
+            <a:extLst>
+              <a:ext uri="{FF2B5EF4-FFF2-40B4-BE49-F238E27FC236}">
+                <a16:creationId xmlns:a16="http://schemas.microsoft.com/office/drawing/2014/main" id="{DCF4EB5C-ED25-4675-8255-2F5B12CFFCF0}"/>
+              </a:ext>
+              <a:ext uri="{C183D7F6-B498-43B3-948B-1728B52AA6E4}">
+                <adec:decorative xmlns:adec="http://schemas.microsoft.com/office/drawing/2017/decorative" val="1"/>
+              </a:ext>
+            </a:extLst>
+          </p:cNvPr>
+          <p:cNvSpPr>
+            <a:spLocks noGrp="1" noRot="1" noChangeAspect="1" noMove="1" noResize="1" noEditPoints="1" noAdjustHandles="1" noChangeArrowheads="1" noChangeShapeType="1" noTextEdit="1"/>
+          </p:cNvSpPr>
+          <p:nvPr>
+            <p:extLst>
+              <p:ext uri="{386F3935-93C4-4BCD-93E2-E3B085C9AB24}">
+                <p16:designElem xmlns:p16="http://schemas.microsoft.com/office/powerpoint/2015/main" val="1"/>
+              </p:ext>
+            </p:extLst>
+          </p:nvPr>
+        </p:nvSpPr>
+        <p:spPr>
+          <a:xfrm>
+            <a:off x="446534" y="457200"/>
+            <a:ext cx="3703320" cy="94997"/>
+          </a:xfrm>
+          <a:prstGeom prst="rect">
+            <a:avLst/>
+          </a:prstGeom>
+          <a:solidFill>
+            <a:srgbClr val="465359"/>
+          </a:solidFill>
+          <a:ln>
+            <a:noFill/>
+          </a:ln>
+          <a:effectLst/>
+        </p:spPr>
+        <p:style>
+          <a:lnRef idx="1">
+            <a:schemeClr val="accent1"/>
+          </a:lnRef>
+          <a:fillRef idx="3">
+            <a:schemeClr val="accent1"/>
+          </a:fillRef>
+          <a:effectRef idx="2">
+            <a:schemeClr val="accent1"/>
+          </a:effectRef>
+          <a:fontRef idx="minor">
+            <a:schemeClr val="lt1"/>
+          </a:fontRef>
+        </p:style>
+      </p:sp>
+      <p:sp>
+        <p:nvSpPr>
+          <p:cNvPr id="11" name="Rectangle 10">
+            <a:extLst>
+              <a:ext uri="{FF2B5EF4-FFF2-40B4-BE49-F238E27FC236}">
+                <a16:creationId xmlns:a16="http://schemas.microsoft.com/office/drawing/2014/main" id="{9514EC6E-A557-42A2-BCDC-3ABFFC5E564D}"/>
+              </a:ext>
+              <a:ext uri="{C183D7F6-B498-43B3-948B-1728B52AA6E4}">
+                <adec:decorative xmlns:adec="http://schemas.microsoft.com/office/drawing/2017/decorative" val="1"/>
+              </a:ext>
+            </a:extLst>
+          </p:cNvPr>
+          <p:cNvSpPr>
+            <a:spLocks noGrp="1" noRot="1" noChangeAspect="1" noMove="1" noResize="1" noEditPoints="1" noAdjustHandles="1" noChangeArrowheads="1" noChangeShapeType="1" noTextEdit="1"/>
+          </p:cNvSpPr>
+          <p:nvPr>
+            <p:extLst>
+              <p:ext uri="{386F3935-93C4-4BCD-93E2-E3B085C9AB24}">
+                <p16:designElem xmlns:p16="http://schemas.microsoft.com/office/powerpoint/2015/main" val="1"/>
+              </p:ext>
+            </p:extLst>
+          </p:nvPr>
+        </p:nvSpPr>
+        <p:spPr>
+          <a:xfrm>
+            <a:off x="8042147" y="453643"/>
+            <a:ext cx="3703320" cy="98554"/>
+          </a:xfrm>
+          <a:prstGeom prst="rect">
+            <a:avLst/>
+          </a:prstGeom>
+          <a:solidFill>
+            <a:srgbClr val="969FA7"/>
+          </a:solidFill>
+          <a:ln>
+            <a:noFill/>
+          </a:ln>
+          <a:effectLst/>
+        </p:spPr>
+        <p:style>
+          <a:lnRef idx="1">
+            <a:schemeClr val="accent1"/>
+          </a:lnRef>
+          <a:fillRef idx="3">
+            <a:schemeClr val="accent1"/>
+          </a:fillRef>
+          <a:effectRef idx="2">
+            <a:schemeClr val="accent1"/>
+          </a:effectRef>
+          <a:fontRef idx="minor">
+            <a:schemeClr val="lt1"/>
+          </a:fontRef>
+        </p:style>
+      </p:sp>
+      <p:sp>
+        <p:nvSpPr>
+          <p:cNvPr id="13" name="Rectangle 12">
+            <a:extLst>
+              <a:ext uri="{FF2B5EF4-FFF2-40B4-BE49-F238E27FC236}">
+                <a16:creationId xmlns:a16="http://schemas.microsoft.com/office/drawing/2014/main" id="{905482C9-EB42-4BFE-95BF-7FD661F07657}"/>
+              </a:ext>
+              <a:ext uri="{C183D7F6-B498-43B3-948B-1728B52AA6E4}">
+                <adec:decorative xmlns:adec="http://schemas.microsoft.com/office/drawing/2017/decorative" val="1"/>
+              </a:ext>
+            </a:extLst>
+          </p:cNvPr>
+          <p:cNvSpPr>
+            <a:spLocks noGrp="1" noRot="1" noChangeAspect="1" noMove="1" noResize="1" noEditPoints="1" noAdjustHandles="1" noChangeArrowheads="1" noChangeShapeType="1" noTextEdit="1"/>
+          </p:cNvSpPr>
+          <p:nvPr>
+            <p:extLst>
+              <p:ext uri="{386F3935-93C4-4BCD-93E2-E3B085C9AB24}">
+                <p16:designElem xmlns:p16="http://schemas.microsoft.com/office/powerpoint/2015/main" val="1"/>
+              </p:ext>
+            </p:extLst>
+          </p:nvPr>
+        </p:nvSpPr>
+        <p:spPr>
+          <a:xfrm>
+            <a:off x="4241830" y="457200"/>
+            <a:ext cx="3703320" cy="91440"/>
+          </a:xfrm>
+          <a:prstGeom prst="rect">
+            <a:avLst/>
+          </a:prstGeom>
+          <a:solidFill>
+            <a:schemeClr val="accent1"/>
+          </a:solidFill>
+          <a:ln>
+            <a:noFill/>
+          </a:ln>
+          <a:effectLst/>
+        </p:spPr>
+        <p:style>
+          <a:lnRef idx="1">
+            <a:schemeClr val="accent1"/>
+          </a:lnRef>
+          <a:fillRef idx="3">
+            <a:schemeClr val="accent1"/>
+          </a:fillRef>
+          <a:effectRef idx="2">
+            <a:schemeClr val="accent1"/>
+          </a:effectRef>
+          <a:fontRef idx="minor">
+            <a:schemeClr val="lt1"/>
+          </a:fontRef>
+        </p:style>
+      </p:sp>
+      <p:sp>
+        <p:nvSpPr>
+          <p:cNvPr id="15" name="Rectangle 14">
+            <a:extLst>
+              <a:ext uri="{FF2B5EF4-FFF2-40B4-BE49-F238E27FC236}">
+                <a16:creationId xmlns:a16="http://schemas.microsoft.com/office/drawing/2014/main" id="{7539E646-A625-4A26-86ED-BD90EDD329F7}"/>
+              </a:ext>
+              <a:ext uri="{C183D7F6-B498-43B3-948B-1728B52AA6E4}">
+                <adec:decorative xmlns:adec="http://schemas.microsoft.com/office/drawing/2017/decorative" val="1"/>
+              </a:ext>
+            </a:extLst>
+          </p:cNvPr>
+          <p:cNvSpPr>
+            <a:spLocks noGrp="1" noRot="1" noChangeAspect="1" noMove="1" noResize="1" noEditPoints="1" noAdjustHandles="1" noChangeArrowheads="1" noChangeShapeType="1" noTextEdit="1"/>
+          </p:cNvSpPr>
+          <p:nvPr>
+            <p:extLst>
+              <p:ext uri="{386F3935-93C4-4BCD-93E2-E3B085C9AB24}">
+                <p16:designElem xmlns:p16="http://schemas.microsoft.com/office/powerpoint/2015/main" val="1"/>
+              </p:ext>
+            </p:extLst>
+          </p:nvPr>
+        </p:nvSpPr>
+        <p:spPr>
+          <a:xfrm>
+            <a:off x="446534" y="3085764"/>
+            <a:ext cx="11298932" cy="3338149"/>
+          </a:xfrm>
+          <a:prstGeom prst="rect">
+            <a:avLst/>
+          </a:prstGeom>
+          <a:solidFill>
+            <a:srgbClr val="465359"/>
+          </a:solidFill>
+          <a:ln>
+            <a:noFill/>
+          </a:ln>
+          <a:effectLst/>
+        </p:spPr>
+        <p:style>
+          <a:lnRef idx="1">
+            <a:schemeClr val="accent1"/>
+          </a:lnRef>
+          <a:fillRef idx="3">
+            <a:schemeClr val="accent1"/>
+          </a:fillRef>
+          <a:effectRef idx="2">
+            <a:schemeClr val="accent1"/>
+          </a:effectRef>
+          <a:fontRef idx="minor">
+            <a:schemeClr val="lt1"/>
+          </a:fontRef>
+        </p:style>
+      </p:sp>
+      <p:sp>
+        <p:nvSpPr>
+          <p:cNvPr id="17" name="Rectangle 16">
+            <a:extLst>
+              <a:ext uri="{FF2B5EF4-FFF2-40B4-BE49-F238E27FC236}">
+                <a16:creationId xmlns:a16="http://schemas.microsoft.com/office/drawing/2014/main" id="{8E019540-1104-4B12-9F83-45F58674186F}"/>
+              </a:ext>
+              <a:ext uri="{C183D7F6-B498-43B3-948B-1728B52AA6E4}">
+                <adec:decorative xmlns:adec="http://schemas.microsoft.com/office/drawing/2017/decorative" val="1"/>
+              </a:ext>
+            </a:extLst>
+          </p:cNvPr>
+          <p:cNvSpPr>
+            <a:spLocks noGrp="1" noRot="1" noChangeAspect="1" noMove="1" noResize="1" noEditPoints="1" noAdjustHandles="1" noChangeArrowheads="1" noChangeShapeType="1" noTextEdit="1"/>
+          </p:cNvSpPr>
+          <p:nvPr>
+            <p:extLst>
+              <p:ext uri="{386F3935-93C4-4BCD-93E2-E3B085C9AB24}">
+                <p16:designElem xmlns:p16="http://schemas.microsoft.com/office/powerpoint/2015/main" val="1"/>
+              </p:ext>
+            </p:extLst>
+          </p:nvPr>
+        </p:nvSpPr>
+        <p:spPr>
+          <a:xfrm>
+            <a:off x="0" y="0"/>
+            <a:ext cx="12192000" cy="6858000"/>
+          </a:xfrm>
+          <a:prstGeom prst="rect">
+            <a:avLst/>
+          </a:prstGeom>
+          <a:solidFill>
+            <a:srgbClr val="3C474C"/>
+          </a:solidFill>
+          <a:ln>
+            <a:noFill/>
+          </a:ln>
+        </p:spPr>
+        <p:style>
+          <a:lnRef idx="2">
+            <a:schemeClr val="accent1">
+              <a:shade val="50000"/>
+            </a:schemeClr>
+          </a:lnRef>
+          <a:fillRef idx="1">
+            <a:schemeClr val="accent1"/>
+          </a:fillRef>
+          <a:effectRef idx="0">
+            <a:schemeClr val="accent1"/>
+          </a:effectRef>
+          <a:fontRef idx="minor">
+            <a:schemeClr val="lt1"/>
+          </a:fontRef>
+        </p:style>
+        <p:txBody>
+          <a:bodyPr rtlCol="0" anchor="ctr"/>
+          <a:lstStyle/>
+          <a:p>
+            <a:pPr algn="ctr"/>
+            <a:endParaRPr lang="en-US"/>
+          </a:p>
+        </p:txBody>
+      </p:sp>
+      <p:sp>
+        <p:nvSpPr>
+          <p:cNvPr id="4" name="Titolo 3">
+            <a:extLst>
+              <a:ext uri="{FF2B5EF4-FFF2-40B4-BE49-F238E27FC236}">
+                <a16:creationId xmlns:a16="http://schemas.microsoft.com/office/drawing/2014/main" id="{02E062C1-3583-AA3E-4D37-BC97769C3F1B}"/>
+              </a:ext>
+            </a:extLst>
+          </p:cNvPr>
+          <p:cNvSpPr>
+            <a:spLocks noGrp="1"/>
+          </p:cNvSpPr>
+          <p:nvPr>
+            <p:ph type="title"/>
+          </p:nvPr>
+        </p:nvSpPr>
+        <p:spPr>
+          <a:xfrm>
+            <a:off x="783771" y="1066800"/>
+            <a:ext cx="5727760" cy="4724400"/>
+          </a:xfrm>
+        </p:spPr>
+        <p:txBody>
+          <a:bodyPr vert="horz" lIns="91440" tIns="45720" rIns="91440" bIns="45720" rtlCol="0" anchor="ctr">
+            <a:normAutofit/>
+          </a:bodyPr>
+          <a:lstStyle/>
+          <a:p>
+            <a:pPr algn="r"/>
+            <a:r>
+              <a:rPr lang="en-US" sz="6600" b="0" kern="1200" cap="all">
+                <a:solidFill>
+                  <a:srgbClr val="FFFFFF">
+                    <a:alpha val="90000"/>
+                  </a:srgbClr>
+                </a:solidFill>
+                <a:latin typeface="+mj-lt"/>
+                <a:ea typeface="+mj-ea"/>
+                <a:cs typeface="+mj-cs"/>
+              </a:rPr>
+              <a:t>THANK YOU FOR YOUR ATTENTION</a:t>
+            </a:r>
+          </a:p>
+        </p:txBody>
+      </p:sp>
+      <p:sp>
+        <p:nvSpPr>
+          <p:cNvPr id="19" name="Rectangle 18">
+            <a:extLst>
+              <a:ext uri="{FF2B5EF4-FFF2-40B4-BE49-F238E27FC236}">
+                <a16:creationId xmlns:a16="http://schemas.microsoft.com/office/drawing/2014/main" id="{3580CFD6-E44A-486A-9E73-D8D948F78A34}"/>
+              </a:ext>
+              <a:ext uri="{C183D7F6-B498-43B3-948B-1728B52AA6E4}">
+                <adec:decorative xmlns:adec="http://schemas.microsoft.com/office/drawing/2017/decorative" val="1"/>
+              </a:ext>
+            </a:extLst>
+          </p:cNvPr>
+          <p:cNvSpPr>
+            <a:spLocks noGrp="1" noRot="1" noChangeAspect="1" noMove="1" noResize="1" noEditPoints="1" noAdjustHandles="1" noChangeArrowheads="1" noChangeShapeType="1" noTextEdit="1"/>
+          </p:cNvSpPr>
+          <p:nvPr>
+            <p:extLst>
+              <p:ext uri="{386F3935-93C4-4BCD-93E2-E3B085C9AB24}">
+                <p16:designElem xmlns:p16="http://schemas.microsoft.com/office/powerpoint/2015/main" val="1"/>
+              </p:ext>
+            </p:extLst>
+          </p:nvPr>
+        </p:nvSpPr>
+        <p:spPr>
+          <a:xfrm rot="16200000">
+            <a:off x="5171433" y="3396996"/>
+            <a:ext cx="3703320" cy="64008"/>
+          </a:xfrm>
+          <a:prstGeom prst="rect">
+            <a:avLst/>
+          </a:prstGeom>
+          <a:solidFill>
+            <a:schemeClr val="accent1"/>
+          </a:solidFill>
+          <a:ln>
+            <a:noFill/>
+          </a:ln>
+          <a:effectLst/>
+        </p:spPr>
+        <p:style>
+          <a:lnRef idx="1">
+            <a:schemeClr val="accent1"/>
+          </a:lnRef>
+          <a:fillRef idx="3">
+            <a:schemeClr val="accent1"/>
+          </a:fillRef>
+          <a:effectRef idx="2">
+            <a:schemeClr val="accent1"/>
+          </a:effectRef>
+          <a:fontRef idx="minor">
+            <a:schemeClr val="lt1"/>
+          </a:fontRef>
+        </p:style>
+      </p:sp>
+    </p:spTree>
+    <p:extLst>
+      <p:ext uri="{BB962C8B-B14F-4D97-AF65-F5344CB8AC3E}">
+        <p14:creationId xmlns:p14="http://schemas.microsoft.com/office/powerpoint/2010/main" val="1086574789"/>
+      </p:ext>
+    </p:extLst>
+  </p:cSld>
+  <p:clrMapOvr>
+    <a:overrideClrMapping bg1="dk1" tx1="lt1" bg2="dk2" tx2="lt2" accent1="accent1" accent2="accent2" accent3="accent3" accent4="accent4" accent5="accent5" accent6="accent6" hlink="hlink" folHlink="folHlink"/>
   </p:clrMapOvr>
 </p:sld>
 </file>
@@ -6821,9 +12118,10 @@
           <a:lstStyle/>
           <a:p>
             <a:r>
-              <a:rPr lang="it-IT" dirty="0"/>
+              <a:rPr lang="it-IT"/>
               <a:t>FIRST STEPS IMPLEMENTING THE GUI: THE BASICS</a:t>
             </a:r>
+            <a:endParaRPr lang="it-IT" dirty="0"/>
           </a:p>
         </p:txBody>
       </p:sp>
@@ -6852,24 +12150,8 @@
               <a:buNone/>
             </a:pPr>
             <a:r>
-              <a:rPr lang="it-IT" dirty="0"/>
-              <a:t>The first </a:t>
-            </a:r>
-            <a:r>
-              <a:rPr lang="it-IT" dirty="0" err="1"/>
-              <a:t>implementation</a:t>
-            </a:r>
-            <a:r>
-              <a:rPr lang="it-IT" dirty="0"/>
-              <a:t> of the GUI </a:t>
-            </a:r>
-            <a:r>
-              <a:rPr lang="it-IT" dirty="0" err="1"/>
-              <a:t>consisted</a:t>
-            </a:r>
-            <a:r>
-              <a:rPr lang="it-IT" dirty="0"/>
-              <a:t> of:</a:t>
+              <a:rPr lang="it-IT"/>
+              <a:t>The first implementation of the GUI consisted of:</a:t>
             </a:r>
           </a:p>
           <a:p>
@@ -6878,44 +12160,8 @@
               <a:buAutoNum type="arabicPeriod"/>
             </a:pPr>
             <a:r>
-              <a:rPr lang="it-IT" dirty="0" err="1"/>
-              <a:t>Drawing</a:t>
-            </a:r>
-            <a:r>
-              <a:rPr lang="it-IT" dirty="0"/>
-              <a:t> the lines </a:t>
-            </a:r>
-            <a:r>
-              <a:rPr lang="it-IT" dirty="0" err="1"/>
-              <a:t>forming</a:t>
-            </a:r>
-            <a:r>
-              <a:rPr lang="it-IT" dirty="0"/>
-              <a:t> the board by </a:t>
-            </a:r>
-            <a:r>
-              <a:rPr lang="it-IT" dirty="0" err="1"/>
-              <a:t>overriding</a:t>
-            </a:r>
-            <a:r>
-              <a:rPr lang="it-IT" dirty="0"/>
-              <a:t> the </a:t>
-            </a:r>
-            <a:r>
-              <a:rPr lang="it-IT" dirty="0" err="1"/>
-              <a:t>paint</a:t>
-            </a:r>
-            <a:r>
-              <a:rPr lang="it-IT" dirty="0"/>
-              <a:t> </a:t>
-            </a:r>
-            <a:r>
-              <a:rPr lang="it-IT" dirty="0" err="1"/>
-              <a:t>method</a:t>
-            </a:r>
-            <a:r>
-              <a:rPr lang="it-IT" dirty="0"/>
-              <a:t> in Swing.</a:t>
+              <a:rPr lang="it-IT"/>
+              <a:t>Drawing the lines forming the board by overriding the paint method in Swing.</a:t>
             </a:r>
           </a:p>
           <a:p>
@@ -6924,100 +12170,8 @@
               <a:buAutoNum type="arabicPeriod"/>
             </a:pPr>
             <a:r>
-              <a:rPr lang="it-IT" dirty="0" err="1"/>
-              <a:t>Adding</a:t>
-            </a:r>
-            <a:r>
-              <a:rPr lang="it-IT" dirty="0"/>
-              <a:t> a </a:t>
-            </a:r>
-            <a:r>
-              <a:rPr lang="it-IT" dirty="0" err="1"/>
-              <a:t>MouseMotionListener</a:t>
-            </a:r>
-            <a:r>
-              <a:rPr lang="it-IT" dirty="0"/>
-              <a:t>, </a:t>
-            </a:r>
-            <a:r>
-              <a:rPr lang="it-IT" dirty="0" err="1"/>
-              <a:t>since</a:t>
-            </a:r>
-            <a:r>
-              <a:rPr lang="it-IT" dirty="0"/>
-              <a:t> </a:t>
-            </a:r>
-            <a:r>
-              <a:rPr lang="it-IT" dirty="0" err="1"/>
-              <a:t>we</a:t>
-            </a:r>
-            <a:r>
-              <a:rPr lang="it-IT" dirty="0"/>
-              <a:t> </a:t>
-            </a:r>
-            <a:r>
-              <a:rPr lang="it-IT" dirty="0" err="1"/>
-              <a:t>decided</a:t>
-            </a:r>
-            <a:r>
-              <a:rPr lang="it-IT" dirty="0"/>
-              <a:t> </a:t>
-            </a:r>
-            <a:r>
-              <a:rPr lang="it-IT" dirty="0" err="1"/>
-              <a:t>that</a:t>
-            </a:r>
-            <a:r>
-              <a:rPr lang="it-IT" dirty="0"/>
-              <a:t> </a:t>
-            </a:r>
-            <a:r>
-              <a:rPr lang="it-IT" dirty="0" err="1"/>
-              <a:t>we</a:t>
-            </a:r>
-            <a:r>
-              <a:rPr lang="it-IT" dirty="0"/>
-              <a:t> </a:t>
-            </a:r>
-            <a:r>
-              <a:rPr lang="it-IT" dirty="0" err="1"/>
-              <a:t>wanted</a:t>
-            </a:r>
-            <a:r>
-              <a:rPr lang="it-IT" dirty="0"/>
-              <a:t> a </a:t>
-            </a:r>
-            <a:r>
-              <a:rPr lang="it-IT" dirty="0" err="1"/>
-              <a:t>transparent</a:t>
-            </a:r>
-            <a:r>
-              <a:rPr lang="it-IT" dirty="0"/>
-              <a:t> </a:t>
-            </a:r>
-            <a:r>
-              <a:rPr lang="it-IT" dirty="0" err="1"/>
-              <a:t>piece</a:t>
-            </a:r>
-            <a:r>
-              <a:rPr lang="it-IT" dirty="0"/>
-              <a:t> to follow the </a:t>
-            </a:r>
-            <a:r>
-              <a:rPr lang="it-IT" dirty="0" err="1"/>
-              <a:t>movements</a:t>
-            </a:r>
-            <a:r>
-              <a:rPr lang="it-IT" dirty="0"/>
-              <a:t> of the </a:t>
-            </a:r>
-            <a:r>
-              <a:rPr lang="it-IT" dirty="0" err="1"/>
-              <a:t>player’s</a:t>
-            </a:r>
-            <a:r>
-              <a:rPr lang="it-IT" dirty="0"/>
-              <a:t> mouse.</a:t>
+              <a:rPr lang="it-IT"/>
+              <a:t>Adding a MouseMotionListener, since we decided that we wanted a transparent piece to follow the movements of the player’s mouse.</a:t>
             </a:r>
           </a:p>
           <a:p>
@@ -7026,37 +12180,10 @@
               <a:buAutoNum type="arabicPeriod"/>
             </a:pPr>
             <a:r>
-              <a:rPr lang="it-IT" dirty="0" err="1"/>
-              <a:t>Placing</a:t>
-            </a:r>
-            <a:r>
-              <a:rPr lang="it-IT" dirty="0"/>
-              <a:t> a </a:t>
-            </a:r>
-            <a:r>
-              <a:rPr lang="it-IT" dirty="0" err="1"/>
-              <a:t>piece</a:t>
-            </a:r>
-            <a:r>
-              <a:rPr lang="it-IT" dirty="0"/>
-              <a:t> on the board (</a:t>
-            </a:r>
-            <a:r>
-              <a:rPr lang="it-IT" dirty="0" err="1"/>
-              <a:t>only</a:t>
-            </a:r>
-            <a:r>
-              <a:rPr lang="it-IT" dirty="0"/>
-              <a:t> </a:t>
-            </a:r>
-            <a:r>
-              <a:rPr lang="it-IT" dirty="0" err="1"/>
-              <a:t>graphically</a:t>
-            </a:r>
-            <a:r>
-              <a:rPr lang="it-IT" dirty="0"/>
-              <a:t>).</a:t>
-            </a:r>
+              <a:rPr lang="it-IT"/>
+              <a:t>Placing a piece on the board (only graphically).</a:t>
+            </a:r>
+            <a:endParaRPr lang="it-IT" dirty="0"/>
           </a:p>
         </p:txBody>
       </p:sp>
@@ -7112,13 +12239,10 @@
           <a:lstStyle/>
           <a:p>
             <a:r>
-              <a:rPr lang="it-IT" dirty="0" err="1"/>
-              <a:t>FiRST</a:t>
-            </a:r>
-            <a:r>
-              <a:rPr lang="it-IT" dirty="0"/>
-              <a:t> STEPS IMPLEMENTING THE MODEL</a:t>
-            </a:r>
+              <a:rPr lang="it-IT"/>
+              <a:t>FiRST STEPS IMPLEMENTING THE MODEL</a:t>
+            </a:r>
+            <a:endParaRPr lang="it-IT" dirty="0"/>
           </a:p>
         </p:txBody>
       </p:sp>
@@ -7147,40 +12271,8 @@
               <a:buNone/>
             </a:pPr>
             <a:r>
-              <a:rPr lang="it-IT" dirty="0"/>
-              <a:t>The classes </a:t>
-            </a:r>
-            <a:r>
-              <a:rPr lang="it-IT" dirty="0" err="1"/>
-              <a:t>Piece</a:t>
-            </a:r>
-            <a:r>
-              <a:rPr lang="it-IT" dirty="0"/>
-              <a:t>, </a:t>
-            </a:r>
-            <a:r>
-              <a:rPr lang="it-IT" dirty="0" err="1"/>
-              <a:t>Node</a:t>
-            </a:r>
-            <a:r>
-              <a:rPr lang="it-IT" dirty="0"/>
-              <a:t>, and Board </a:t>
-            </a:r>
-            <a:r>
-              <a:rPr lang="it-IT" dirty="0" err="1"/>
-              <a:t>were</a:t>
-            </a:r>
-            <a:r>
-              <a:rPr lang="it-IT" dirty="0"/>
-              <a:t> </a:t>
-            </a:r>
-            <a:r>
-              <a:rPr lang="it-IT" dirty="0" err="1"/>
-              <a:t>implemented</a:t>
-            </a:r>
-            <a:r>
-              <a:rPr lang="it-IT" dirty="0"/>
-              <a:t>.</a:t>
+              <a:rPr lang="it-IT"/>
+              <a:t>The classes Piece, Node, and Board were implemented.</a:t>
             </a:r>
           </a:p>
           <a:p>
@@ -7188,133 +12280,22 @@
               <a:buNone/>
             </a:pPr>
             <a:r>
-              <a:rPr lang="it-IT" dirty="0"/>
-              <a:t>At </a:t>
-            </a:r>
-            <a:r>
-              <a:rPr lang="it-IT" dirty="0" err="1"/>
-              <a:t>this</a:t>
-            </a:r>
-            <a:r>
-              <a:rPr lang="it-IT" dirty="0"/>
-              <a:t> point in the </a:t>
-            </a:r>
-            <a:r>
-              <a:rPr lang="it-IT" dirty="0" err="1"/>
-              <a:t>development</a:t>
-            </a:r>
-            <a:r>
-              <a:rPr lang="it-IT" dirty="0"/>
-              <a:t>, the model </a:t>
-            </a:r>
-            <a:r>
-              <a:rPr lang="it-IT" dirty="0" err="1"/>
-              <a:t>was</a:t>
-            </a:r>
-            <a:r>
-              <a:rPr lang="it-IT" dirty="0"/>
-              <a:t> </a:t>
-            </a:r>
-            <a:r>
-              <a:rPr lang="it-IT" dirty="0" err="1"/>
-              <a:t>able</a:t>
-            </a:r>
-            <a:r>
-              <a:rPr lang="it-IT" dirty="0"/>
-              <a:t> to:</a:t>
-            </a:r>
-          </a:p>
-          <a:p>
-            <a:r>
-              <a:rPr lang="it-IT" dirty="0"/>
-              <a:t>Check </a:t>
-            </a:r>
-            <a:r>
-              <a:rPr lang="it-IT" dirty="0" err="1"/>
-              <a:t>if</a:t>
-            </a:r>
-            <a:r>
-              <a:rPr lang="it-IT" dirty="0"/>
-              <a:t> a </a:t>
-            </a:r>
-            <a:r>
-              <a:rPr lang="it-IT" dirty="0" err="1"/>
-              <a:t>node</a:t>
-            </a:r>
-            <a:r>
-              <a:rPr lang="it-IT" dirty="0"/>
-              <a:t> </a:t>
-            </a:r>
-            <a:r>
-              <a:rPr lang="it-IT" dirty="0" err="1"/>
-              <a:t>was</a:t>
-            </a:r>
-            <a:r>
-              <a:rPr lang="it-IT" dirty="0"/>
-              <a:t> </a:t>
-            </a:r>
-            <a:r>
-              <a:rPr lang="it-IT" dirty="0" err="1"/>
-              <a:t>empty</a:t>
-            </a:r>
-            <a:r>
-              <a:rPr lang="it-IT" dirty="0"/>
-              <a:t> and </a:t>
-            </a:r>
-            <a:r>
-              <a:rPr lang="it-IT" dirty="0" err="1"/>
-              <a:t>if</a:t>
-            </a:r>
-            <a:r>
-              <a:rPr lang="it-IT" dirty="0"/>
-              <a:t> </a:t>
-            </a:r>
-            <a:r>
-              <a:rPr lang="it-IT" dirty="0" err="1"/>
-              <a:t>not</a:t>
-            </a:r>
-            <a:r>
-              <a:rPr lang="it-IT" dirty="0"/>
-              <a:t> check the </a:t>
-            </a:r>
-            <a:r>
-              <a:rPr lang="it-IT" dirty="0" err="1"/>
-              <a:t>content</a:t>
-            </a:r>
-            <a:r>
-              <a:rPr lang="it-IT" dirty="0"/>
-              <a:t> of the </a:t>
-            </a:r>
-            <a:r>
-              <a:rPr lang="it-IT" dirty="0" err="1"/>
-              <a:t>node</a:t>
-            </a:r>
-            <a:r>
-              <a:rPr lang="it-IT" dirty="0"/>
-              <a:t>;</a:t>
-            </a:r>
-          </a:p>
-          <a:p>
-            <a:r>
-              <a:rPr lang="it-IT" dirty="0"/>
-              <a:t>Place a </a:t>
-            </a:r>
-            <a:r>
-              <a:rPr lang="it-IT" dirty="0" err="1"/>
-              <a:t>Piece</a:t>
-            </a:r>
-            <a:r>
-              <a:rPr lang="it-IT" dirty="0"/>
-              <a:t> on a </a:t>
-            </a:r>
-            <a:r>
-              <a:rPr lang="it-IT" dirty="0" err="1"/>
-              <a:t>Node</a:t>
-            </a:r>
-            <a:r>
-              <a:rPr lang="it-IT" dirty="0"/>
-              <a:t> of a Board;</a:t>
-            </a:r>
+              <a:rPr lang="it-IT"/>
+              <a:t>At this point in the development, the model was able to:</a:t>
+            </a:r>
+          </a:p>
+          <a:p>
+            <a:r>
+              <a:rPr lang="it-IT"/>
+              <a:t>Check if a node was empty and if not check the content of the node;</a:t>
+            </a:r>
+          </a:p>
+          <a:p>
+            <a:r>
+              <a:rPr lang="it-IT"/>
+              <a:t>Place a Piece on a Node of a Board;</a:t>
+            </a:r>
+            <a:endParaRPr lang="it-IT" dirty="0"/>
           </a:p>
         </p:txBody>
       </p:sp>
